--- a/PracticalComputing/Fall_2018/Hackathons/Round1/Celona_MAGPix/Burkpx diagnostic assay_BIO698_v2 presentation.pptx
+++ b/PracticalComputing/Fall_2018/Hackathons/Round1/Celona_MAGPix/Burkpx diagnostic assay_BIO698_v2 presentation.pptx
@@ -202,7 +202,7 @@
           <a:p>
             <a:fld id="{C4F3E8B3-4D17-4F67-B102-8193259FCFC8}" type="datetimeFigureOut">
               <a:rPr lang="en-US" smtClean="0"/>
-              <a:t>10/30/18</a:t>
+              <a:t>11/2/18</a:t>
             </a:fld>
             <a:endParaRPr lang="en-US"/>
           </a:p>
@@ -1796,7 +1796,7 @@
           <a:p>
             <a:fld id="{1160EA64-D806-43AC-9DF2-F8C432F32B4C}" type="datetimeFigureOut">
               <a:rPr lang="en-US" dirty="0"/>
-              <a:t>10/30/18</a:t>
+              <a:t>11/2/18</a:t>
             </a:fld>
             <a:endParaRPr lang="en-US" dirty="0"/>
           </a:p>
@@ -1962,7 +1962,7 @@
           <a:p>
             <a:fld id="{E9F9C37B-1D36-470B-8223-D6C91242EC14}" type="datetimeFigureOut">
               <a:rPr lang="en-US" dirty="0"/>
-              <a:t>10/30/18</a:t>
+              <a:t>11/2/18</a:t>
             </a:fld>
             <a:endParaRPr lang="en-US" dirty="0"/>
           </a:p>
@@ -2137,7 +2137,7 @@
           <a:p>
             <a:fld id="{67C6F52A-A82B-47A2-A83A-8C4C91F2D59F}" type="datetimeFigureOut">
               <a:rPr lang="en-US" dirty="0"/>
-              <a:t>10/30/18</a:t>
+              <a:t>11/2/18</a:t>
             </a:fld>
             <a:endParaRPr lang="en-US" dirty="0"/>
           </a:p>
@@ -2302,7 +2302,7 @@
           <a:p>
             <a:fld id="{F070A7B3-6521-4DCA-87E5-044747A908C1}" type="datetimeFigureOut">
               <a:rPr lang="en-US" dirty="0"/>
-              <a:t>10/30/18</a:t>
+              <a:t>11/2/18</a:t>
             </a:fld>
             <a:endParaRPr lang="en-US" dirty="0"/>
           </a:p>
@@ -2566,7 +2566,7 @@
           <a:p>
             <a:fld id="{1160EA64-D806-43AC-9DF2-F8C432F32B4C}" type="datetimeFigureOut">
               <a:rPr lang="en-US" dirty="0"/>
-              <a:t>10/30/18</a:t>
+              <a:t>11/2/18</a:t>
             </a:fld>
             <a:endParaRPr lang="en-US" dirty="0"/>
           </a:p>
@@ -2794,7 +2794,7 @@
           <a:p>
             <a:fld id="{AB134690-1557-4C89-A502-4959FE7FAD70}" type="datetimeFigureOut">
               <a:rPr lang="en-US" dirty="0"/>
-              <a:t>10/30/18</a:t>
+              <a:t>11/2/18</a:t>
             </a:fld>
             <a:endParaRPr lang="en-US" dirty="0"/>
           </a:p>
@@ -3148,7 +3148,7 @@
           <a:p>
             <a:fld id="{4F7D4976-E339-4826-83B7-FBD03F55ECF8}" type="datetimeFigureOut">
               <a:rPr lang="en-US" dirty="0"/>
-              <a:t>10/30/18</a:t>
+              <a:t>11/2/18</a:t>
             </a:fld>
             <a:endParaRPr lang="en-US" dirty="0"/>
           </a:p>
@@ -3284,7 +3284,7 @@
           <a:p>
             <a:fld id="{E1037C31-9E7A-4F99-8774-A0E530DE1A42}" type="datetimeFigureOut">
               <a:rPr lang="en-US" dirty="0"/>
-              <a:t>10/30/18</a:t>
+              <a:t>11/2/18</a:t>
             </a:fld>
             <a:endParaRPr lang="en-US" dirty="0"/>
           </a:p>
@@ -3374,7 +3374,7 @@
           <a:p>
             <a:fld id="{C278504F-A551-4DE0-9316-4DCD1D8CC752}" type="datetimeFigureOut">
               <a:rPr lang="en-US" dirty="0"/>
-              <a:t>10/30/18</a:t>
+              <a:t>11/2/18</a:t>
             </a:fld>
             <a:endParaRPr lang="en-US" dirty="0"/>
           </a:p>
@@ -3726,7 +3726,7 @@
           <a:p>
             <a:fld id="{D1BE4249-C0D0-4B06-8692-E8BB871AF643}" type="datetimeFigureOut">
               <a:rPr lang="en-US" dirty="0"/>
-              <a:t>10/30/18</a:t>
+              <a:t>11/2/18</a:t>
             </a:fld>
             <a:endParaRPr lang="en-US" dirty="0"/>
           </a:p>
@@ -4078,7 +4078,7 @@
           <a:p>
             <a:fld id="{042B0DB6-F5C7-45FB-8CF3-31B45F9C2DAC}" type="datetimeFigureOut">
               <a:rPr lang="en-US" dirty="0"/>
-              <a:t>10/30/18</a:t>
+              <a:t>11/2/18</a:t>
             </a:fld>
             <a:endParaRPr lang="en-US" dirty="0"/>
           </a:p>
@@ -4314,7 +4314,7 @@
           <a:p>
             <a:fld id="{1160EA64-D806-43AC-9DF2-F8C432F32B4C}" type="datetimeFigureOut">
               <a:rPr lang="en-US" dirty="0"/>
-              <a:t>10/30/18</a:t>
+              <a:t>11/2/18</a:t>
             </a:fld>
             <a:endParaRPr lang="en-US" dirty="0"/>
           </a:p>
@@ -4804,12 +4804,12 @@
         <p:spPr>
           <a:xfrm>
             <a:off x="290422" y="1542123"/>
-            <a:ext cx="6608064" cy="4639441"/>
+            <a:ext cx="6293258" cy="5063072"/>
           </a:xfrm>
         </p:spPr>
         <p:txBody>
           <a:bodyPr>
-            <a:normAutofit fontScale="92500" lnSpcReduction="10000"/>
+            <a:normAutofit fontScale="92500"/>
           </a:bodyPr>
           <a:lstStyle/>
           <a:p>
@@ -4835,15 +4835,7 @@
             </a:r>
             <a:r>
               <a:rPr lang="en-US" dirty="0" smtClean="0"/>
-              <a:t>and spread through contaminated soil and water of </a:t>
-            </a:r>
-            <a:r>
-              <a:rPr lang="en-US" dirty="0" smtClean="0"/>
-              <a:t>tropical </a:t>
-            </a:r>
-            <a:r>
-              <a:rPr lang="en-US" dirty="0" smtClean="0"/>
-              <a:t>and subtropical regions </a:t>
+              <a:t>and spread through contaminated soil and water of tropical and subtropical regions </a:t>
             </a:r>
             <a:endParaRPr lang="en-US" i="1" dirty="0" smtClean="0"/>
           </a:p>
@@ -4860,11 +4852,7 @@
             </a:r>
             <a:r>
               <a:rPr lang="en-US" dirty="0" smtClean="0"/>
-              <a:t>: </a:t>
-            </a:r>
-            <a:r>
-              <a:rPr lang="en-US" dirty="0" smtClean="0"/>
-              <a:t>Culture and/or </a:t>
+              <a:t>: Culture and/or </a:t>
             </a:r>
             <a:r>
               <a:rPr lang="en-US" dirty="0" err="1" smtClean="0"/>
@@ -4881,7 +4869,6 @@
               <a:rPr lang="en-US" dirty="0" smtClean="0"/>
               <a:t>Culture: Gold Standard for detection; low sensitivity (55%), not in every sample or sample type</a:t>
             </a:r>
-            <a:endParaRPr lang="en-US" dirty="0" smtClean="0"/>
           </a:p>
           <a:p>
             <a:pPr lvl="1"/>
@@ -4902,11 +4889,7 @@
             <a:pPr lvl="1"/>
             <a:r>
               <a:rPr lang="en-US" dirty="0" smtClean="0"/>
-              <a:t>Limits </a:t>
-            </a:r>
-            <a:r>
-              <a:rPr lang="en-US" dirty="0" smtClean="0"/>
-              <a:t>of </a:t>
+              <a:t>Limits of </a:t>
             </a:r>
             <a:r>
               <a:rPr lang="en-US" dirty="0" err="1" smtClean="0"/>
@@ -4922,22 +4905,13 @@
             </a:r>
             <a:r>
               <a:rPr lang="en-US" dirty="0" smtClean="0"/>
-              <a:t> in a healthy population is high; Although a greater tool in </a:t>
-            </a:r>
+              <a:t> in a healthy population is high; Although a greater tool in travelers</a:t>
+            </a:r>
+          </a:p>
+          <a:p>
             <a:r>
               <a:rPr lang="en-US" dirty="0" smtClean="0"/>
-              <a:t>travelers</a:t>
-            </a:r>
-            <a:endParaRPr lang="en-US" dirty="0" smtClean="0"/>
-          </a:p>
-          <a:p>
-            <a:r>
-              <a:rPr lang="en-US" dirty="0" smtClean="0"/>
-              <a:t>Treatment</a:t>
-            </a:r>
-            <a:r>
-              <a:rPr lang="en-US" dirty="0" smtClean="0"/>
-              <a:t>: antibiotic treatment; Ceftazidime for 10-14 days following Trimethoprim-</a:t>
+              <a:t>Treatment: antibiotic treatment; Ceftazidime for 10-14 days following Trimethoprim-</a:t>
             </a:r>
             <a:r>
               <a:rPr lang="en-US" dirty="0" err="1" smtClean="0"/>
@@ -4998,6 +4972,52 @@
           </a:prstGeom>
         </p:spPr>
       </p:pic>
+      <p:sp>
+        <p:nvSpPr>
+          <p:cNvPr id="5" name="TextBox 4"/>
+          <p:cNvSpPr txBox="1"/>
+          <p:nvPr/>
+        </p:nvSpPr>
+        <p:spPr>
+          <a:xfrm>
+            <a:off x="7088735" y="4948585"/>
+            <a:ext cx="3026791" cy="307777"/>
+          </a:xfrm>
+          <a:prstGeom prst="rect">
+            <a:avLst/>
+          </a:prstGeom>
+          <a:noFill/>
+        </p:spPr>
+        <p:txBody>
+          <a:bodyPr wrap="none" rtlCol="0">
+            <a:spAutoFit/>
+          </a:bodyPr>
+          <a:lstStyle/>
+          <a:p>
+            <a:r>
+              <a:rPr lang="en-US" sz="1400" dirty="0" smtClean="0"/>
+              <a:t>Fig.1- </a:t>
+            </a:r>
+            <a:r>
+              <a:rPr lang="en-US" sz="1400" dirty="0" err="1" smtClean="0"/>
+              <a:t>Endemicity</a:t>
+            </a:r>
+            <a:r>
+              <a:rPr lang="en-US" sz="1400" dirty="0" smtClean="0"/>
+              <a:t> of </a:t>
+            </a:r>
+            <a:r>
+              <a:rPr lang="en-US" sz="1400" dirty="0" err="1" smtClean="0"/>
+              <a:t>Melioidosis</a:t>
+            </a:r>
+            <a:r>
+              <a:rPr lang="en-US" sz="1400" dirty="0" smtClean="0"/>
+              <a:t> (CDC)</a:t>
+            </a:r>
+            <a:endParaRPr lang="en-US" sz="1400" dirty="0"/>
+          </a:p>
+        </p:txBody>
+      </p:sp>
     </p:spTree>
     <p:extLst>
       <p:ext uri="{BB962C8B-B14F-4D97-AF65-F5344CB8AC3E}">
@@ -5008,6 +5028,935 @@
   <p:clrMapOvr>
     <a:masterClrMapping/>
   </p:clrMapOvr>
+  <p:transition spd="slow">
+    <p:push dir="u"/>
+  </p:transition>
+  <p:timing>
+    <p:tnLst>
+      <p:par>
+        <p:cTn id="1" dur="indefinite" restart="never" nodeType="tmRoot">
+          <p:childTnLst>
+            <p:seq concurrent="1" nextAc="seek">
+              <p:cTn id="2" dur="indefinite" nodeType="mainSeq">
+                <p:childTnLst>
+                  <p:par>
+                    <p:cTn id="3" fill="hold">
+                      <p:stCondLst>
+                        <p:cond delay="indefinite"/>
+                      </p:stCondLst>
+                      <p:childTnLst>
+                        <p:par>
+                          <p:cTn id="4" fill="hold">
+                            <p:stCondLst>
+                              <p:cond delay="0"/>
+                            </p:stCondLst>
+                            <p:childTnLst>
+                              <p:par>
+                                <p:cTn id="5" presetID="1" presetClass="entr" presetSubtype="0" fill="hold" grpId="0" nodeType="clickEffect">
+                                  <p:stCondLst>
+                                    <p:cond delay="0"/>
+                                  </p:stCondLst>
+                                  <p:childTnLst>
+                                    <p:set>
+                                      <p:cBhvr>
+                                        <p:cTn id="6" dur="1" fill="hold">
+                                          <p:stCondLst>
+                                            <p:cond delay="0"/>
+                                          </p:stCondLst>
+                                        </p:cTn>
+                                        <p:tgtEl>
+                                          <p:spTgt spid="2"/>
+                                        </p:tgtEl>
+                                        <p:attrNameLst>
+                                          <p:attrName>style.visibility</p:attrName>
+                                        </p:attrNameLst>
+                                      </p:cBhvr>
+                                      <p:to>
+                                        <p:strVal val="visible"/>
+                                      </p:to>
+                                    </p:set>
+                                  </p:childTnLst>
+                                </p:cTn>
+                              </p:par>
+                            </p:childTnLst>
+                          </p:cTn>
+                        </p:par>
+                      </p:childTnLst>
+                    </p:cTn>
+                  </p:par>
+                  <p:par>
+                    <p:cTn id="7" fill="hold">
+                      <p:stCondLst>
+                        <p:cond delay="indefinite"/>
+                      </p:stCondLst>
+                      <p:childTnLst>
+                        <p:par>
+                          <p:cTn id="8" fill="hold">
+                            <p:stCondLst>
+                              <p:cond delay="0"/>
+                            </p:stCondLst>
+                            <p:childTnLst>
+                              <p:par>
+                                <p:cTn id="9" presetID="42" presetClass="entr" presetSubtype="0" fill="hold" nodeType="clickEffect">
+                                  <p:stCondLst>
+                                    <p:cond delay="0"/>
+                                  </p:stCondLst>
+                                  <p:childTnLst>
+                                    <p:set>
+                                      <p:cBhvr>
+                                        <p:cTn id="10" dur="1" fill="hold">
+                                          <p:stCondLst>
+                                            <p:cond delay="0"/>
+                                          </p:stCondLst>
+                                        </p:cTn>
+                                        <p:tgtEl>
+                                          <p:spTgt spid="3">
+                                            <p:txEl>
+                                              <p:pRg st="0" end="0"/>
+                                            </p:txEl>
+                                          </p:spTgt>
+                                        </p:tgtEl>
+                                        <p:attrNameLst>
+                                          <p:attrName>style.visibility</p:attrName>
+                                        </p:attrNameLst>
+                                      </p:cBhvr>
+                                      <p:to>
+                                        <p:strVal val="visible"/>
+                                      </p:to>
+                                    </p:set>
+                                    <p:animEffect transition="in" filter="fade">
+                                      <p:cBhvr>
+                                        <p:cTn id="11" dur="1000"/>
+                                        <p:tgtEl>
+                                          <p:spTgt spid="3">
+                                            <p:txEl>
+                                              <p:pRg st="0" end="0"/>
+                                            </p:txEl>
+                                          </p:spTgt>
+                                        </p:tgtEl>
+                                      </p:cBhvr>
+                                    </p:animEffect>
+                                    <p:anim calcmode="lin" valueType="num">
+                                      <p:cBhvr>
+                                        <p:cTn id="12" dur="1000" fill="hold"/>
+                                        <p:tgtEl>
+                                          <p:spTgt spid="3">
+                                            <p:txEl>
+                                              <p:pRg st="0" end="0"/>
+                                            </p:txEl>
+                                          </p:spTgt>
+                                        </p:tgtEl>
+                                        <p:attrNameLst>
+                                          <p:attrName>ppt_x</p:attrName>
+                                        </p:attrNameLst>
+                                      </p:cBhvr>
+                                      <p:tavLst>
+                                        <p:tav tm="0">
+                                          <p:val>
+                                            <p:strVal val="#ppt_x"/>
+                                          </p:val>
+                                        </p:tav>
+                                        <p:tav tm="100000">
+                                          <p:val>
+                                            <p:strVal val="#ppt_x"/>
+                                          </p:val>
+                                        </p:tav>
+                                      </p:tavLst>
+                                    </p:anim>
+                                    <p:anim calcmode="lin" valueType="num">
+                                      <p:cBhvr>
+                                        <p:cTn id="13" dur="1000" fill="hold"/>
+                                        <p:tgtEl>
+                                          <p:spTgt spid="3">
+                                            <p:txEl>
+                                              <p:pRg st="0" end="0"/>
+                                            </p:txEl>
+                                          </p:spTgt>
+                                        </p:tgtEl>
+                                        <p:attrNameLst>
+                                          <p:attrName>ppt_y</p:attrName>
+                                        </p:attrNameLst>
+                                      </p:cBhvr>
+                                      <p:tavLst>
+                                        <p:tav tm="0">
+                                          <p:val>
+                                            <p:strVal val="#ppt_y+.1"/>
+                                          </p:val>
+                                        </p:tav>
+                                        <p:tav tm="100000">
+                                          <p:val>
+                                            <p:strVal val="#ppt_y"/>
+                                          </p:val>
+                                        </p:tav>
+                                      </p:tavLst>
+                                    </p:anim>
+                                  </p:childTnLst>
+                                </p:cTn>
+                              </p:par>
+                            </p:childTnLst>
+                          </p:cTn>
+                        </p:par>
+                      </p:childTnLst>
+                    </p:cTn>
+                  </p:par>
+                  <p:par>
+                    <p:cTn id="14" fill="hold">
+                      <p:stCondLst>
+                        <p:cond delay="indefinite"/>
+                      </p:stCondLst>
+                      <p:childTnLst>
+                        <p:par>
+                          <p:cTn id="15" fill="hold">
+                            <p:stCondLst>
+                              <p:cond delay="0"/>
+                            </p:stCondLst>
+                            <p:childTnLst>
+                              <p:par>
+                                <p:cTn id="16" presetID="42" presetClass="entr" presetSubtype="0" fill="hold" nodeType="clickEffect">
+                                  <p:stCondLst>
+                                    <p:cond delay="0"/>
+                                  </p:stCondLst>
+                                  <p:childTnLst>
+                                    <p:set>
+                                      <p:cBhvr>
+                                        <p:cTn id="17" dur="1" fill="hold">
+                                          <p:stCondLst>
+                                            <p:cond delay="0"/>
+                                          </p:stCondLst>
+                                        </p:cTn>
+                                        <p:tgtEl>
+                                          <p:spTgt spid="3">
+                                            <p:txEl>
+                                              <p:pRg st="1" end="1"/>
+                                            </p:txEl>
+                                          </p:spTgt>
+                                        </p:tgtEl>
+                                        <p:attrNameLst>
+                                          <p:attrName>style.visibility</p:attrName>
+                                        </p:attrNameLst>
+                                      </p:cBhvr>
+                                      <p:to>
+                                        <p:strVal val="visible"/>
+                                      </p:to>
+                                    </p:set>
+                                    <p:animEffect transition="in" filter="fade">
+                                      <p:cBhvr>
+                                        <p:cTn id="18" dur="1000"/>
+                                        <p:tgtEl>
+                                          <p:spTgt spid="3">
+                                            <p:txEl>
+                                              <p:pRg st="1" end="1"/>
+                                            </p:txEl>
+                                          </p:spTgt>
+                                        </p:tgtEl>
+                                      </p:cBhvr>
+                                    </p:animEffect>
+                                    <p:anim calcmode="lin" valueType="num">
+                                      <p:cBhvr>
+                                        <p:cTn id="19" dur="1000" fill="hold"/>
+                                        <p:tgtEl>
+                                          <p:spTgt spid="3">
+                                            <p:txEl>
+                                              <p:pRg st="1" end="1"/>
+                                            </p:txEl>
+                                          </p:spTgt>
+                                        </p:tgtEl>
+                                        <p:attrNameLst>
+                                          <p:attrName>ppt_x</p:attrName>
+                                        </p:attrNameLst>
+                                      </p:cBhvr>
+                                      <p:tavLst>
+                                        <p:tav tm="0">
+                                          <p:val>
+                                            <p:strVal val="#ppt_x"/>
+                                          </p:val>
+                                        </p:tav>
+                                        <p:tav tm="100000">
+                                          <p:val>
+                                            <p:strVal val="#ppt_x"/>
+                                          </p:val>
+                                        </p:tav>
+                                      </p:tavLst>
+                                    </p:anim>
+                                    <p:anim calcmode="lin" valueType="num">
+                                      <p:cBhvr>
+                                        <p:cTn id="20" dur="1000" fill="hold"/>
+                                        <p:tgtEl>
+                                          <p:spTgt spid="3">
+                                            <p:txEl>
+                                              <p:pRg st="1" end="1"/>
+                                            </p:txEl>
+                                          </p:spTgt>
+                                        </p:tgtEl>
+                                        <p:attrNameLst>
+                                          <p:attrName>ppt_y</p:attrName>
+                                        </p:attrNameLst>
+                                      </p:cBhvr>
+                                      <p:tavLst>
+                                        <p:tav tm="0">
+                                          <p:val>
+                                            <p:strVal val="#ppt_y+.1"/>
+                                          </p:val>
+                                        </p:tav>
+                                        <p:tav tm="100000">
+                                          <p:val>
+                                            <p:strVal val="#ppt_y"/>
+                                          </p:val>
+                                        </p:tav>
+                                      </p:tavLst>
+                                    </p:anim>
+                                  </p:childTnLst>
+                                </p:cTn>
+                              </p:par>
+                            </p:childTnLst>
+                          </p:cTn>
+                        </p:par>
+                      </p:childTnLst>
+                    </p:cTn>
+                  </p:par>
+                  <p:par>
+                    <p:cTn id="21" fill="hold">
+                      <p:stCondLst>
+                        <p:cond delay="indefinite"/>
+                      </p:stCondLst>
+                      <p:childTnLst>
+                        <p:par>
+                          <p:cTn id="22" fill="hold">
+                            <p:stCondLst>
+                              <p:cond delay="0"/>
+                            </p:stCondLst>
+                            <p:childTnLst>
+                              <p:par>
+                                <p:cTn id="23" presetID="42" presetClass="entr" presetSubtype="0" fill="hold" nodeType="clickEffect">
+                                  <p:stCondLst>
+                                    <p:cond delay="0"/>
+                                  </p:stCondLst>
+                                  <p:childTnLst>
+                                    <p:set>
+                                      <p:cBhvr>
+                                        <p:cTn id="24" dur="1" fill="hold">
+                                          <p:stCondLst>
+                                            <p:cond delay="0"/>
+                                          </p:stCondLst>
+                                        </p:cTn>
+                                        <p:tgtEl>
+                                          <p:spTgt spid="3">
+                                            <p:txEl>
+                                              <p:pRg st="2" end="2"/>
+                                            </p:txEl>
+                                          </p:spTgt>
+                                        </p:tgtEl>
+                                        <p:attrNameLst>
+                                          <p:attrName>style.visibility</p:attrName>
+                                        </p:attrNameLst>
+                                      </p:cBhvr>
+                                      <p:to>
+                                        <p:strVal val="visible"/>
+                                      </p:to>
+                                    </p:set>
+                                    <p:animEffect transition="in" filter="fade">
+                                      <p:cBhvr>
+                                        <p:cTn id="25" dur="1000"/>
+                                        <p:tgtEl>
+                                          <p:spTgt spid="3">
+                                            <p:txEl>
+                                              <p:pRg st="2" end="2"/>
+                                            </p:txEl>
+                                          </p:spTgt>
+                                        </p:tgtEl>
+                                      </p:cBhvr>
+                                    </p:animEffect>
+                                    <p:anim calcmode="lin" valueType="num">
+                                      <p:cBhvr>
+                                        <p:cTn id="26" dur="1000" fill="hold"/>
+                                        <p:tgtEl>
+                                          <p:spTgt spid="3">
+                                            <p:txEl>
+                                              <p:pRg st="2" end="2"/>
+                                            </p:txEl>
+                                          </p:spTgt>
+                                        </p:tgtEl>
+                                        <p:attrNameLst>
+                                          <p:attrName>ppt_x</p:attrName>
+                                        </p:attrNameLst>
+                                      </p:cBhvr>
+                                      <p:tavLst>
+                                        <p:tav tm="0">
+                                          <p:val>
+                                            <p:strVal val="#ppt_x"/>
+                                          </p:val>
+                                        </p:tav>
+                                        <p:tav tm="100000">
+                                          <p:val>
+                                            <p:strVal val="#ppt_x"/>
+                                          </p:val>
+                                        </p:tav>
+                                      </p:tavLst>
+                                    </p:anim>
+                                    <p:anim calcmode="lin" valueType="num">
+                                      <p:cBhvr>
+                                        <p:cTn id="27" dur="1000" fill="hold"/>
+                                        <p:tgtEl>
+                                          <p:spTgt spid="3">
+                                            <p:txEl>
+                                              <p:pRg st="2" end="2"/>
+                                            </p:txEl>
+                                          </p:spTgt>
+                                        </p:tgtEl>
+                                        <p:attrNameLst>
+                                          <p:attrName>ppt_y</p:attrName>
+                                        </p:attrNameLst>
+                                      </p:cBhvr>
+                                      <p:tavLst>
+                                        <p:tav tm="0">
+                                          <p:val>
+                                            <p:strVal val="#ppt_y+.1"/>
+                                          </p:val>
+                                        </p:tav>
+                                        <p:tav tm="100000">
+                                          <p:val>
+                                            <p:strVal val="#ppt_y"/>
+                                          </p:val>
+                                        </p:tav>
+                                      </p:tavLst>
+                                    </p:anim>
+                                  </p:childTnLst>
+                                </p:cTn>
+                              </p:par>
+                              <p:par>
+                                <p:cTn id="28" presetID="42" presetClass="entr" presetSubtype="0" fill="hold" nodeType="withEffect">
+                                  <p:stCondLst>
+                                    <p:cond delay="0"/>
+                                  </p:stCondLst>
+                                  <p:childTnLst>
+                                    <p:set>
+                                      <p:cBhvr>
+                                        <p:cTn id="29" dur="1" fill="hold">
+                                          <p:stCondLst>
+                                            <p:cond delay="0"/>
+                                          </p:stCondLst>
+                                        </p:cTn>
+                                        <p:tgtEl>
+                                          <p:spTgt spid="3">
+                                            <p:txEl>
+                                              <p:pRg st="3" end="3"/>
+                                            </p:txEl>
+                                          </p:spTgt>
+                                        </p:tgtEl>
+                                        <p:attrNameLst>
+                                          <p:attrName>style.visibility</p:attrName>
+                                        </p:attrNameLst>
+                                      </p:cBhvr>
+                                      <p:to>
+                                        <p:strVal val="visible"/>
+                                      </p:to>
+                                    </p:set>
+                                    <p:animEffect transition="in" filter="fade">
+                                      <p:cBhvr>
+                                        <p:cTn id="30" dur="1000"/>
+                                        <p:tgtEl>
+                                          <p:spTgt spid="3">
+                                            <p:txEl>
+                                              <p:pRg st="3" end="3"/>
+                                            </p:txEl>
+                                          </p:spTgt>
+                                        </p:tgtEl>
+                                      </p:cBhvr>
+                                    </p:animEffect>
+                                    <p:anim calcmode="lin" valueType="num">
+                                      <p:cBhvr>
+                                        <p:cTn id="31" dur="1000" fill="hold"/>
+                                        <p:tgtEl>
+                                          <p:spTgt spid="3">
+                                            <p:txEl>
+                                              <p:pRg st="3" end="3"/>
+                                            </p:txEl>
+                                          </p:spTgt>
+                                        </p:tgtEl>
+                                        <p:attrNameLst>
+                                          <p:attrName>ppt_x</p:attrName>
+                                        </p:attrNameLst>
+                                      </p:cBhvr>
+                                      <p:tavLst>
+                                        <p:tav tm="0">
+                                          <p:val>
+                                            <p:strVal val="#ppt_x"/>
+                                          </p:val>
+                                        </p:tav>
+                                        <p:tav tm="100000">
+                                          <p:val>
+                                            <p:strVal val="#ppt_x"/>
+                                          </p:val>
+                                        </p:tav>
+                                      </p:tavLst>
+                                    </p:anim>
+                                    <p:anim calcmode="lin" valueType="num">
+                                      <p:cBhvr>
+                                        <p:cTn id="32" dur="1000" fill="hold"/>
+                                        <p:tgtEl>
+                                          <p:spTgt spid="3">
+                                            <p:txEl>
+                                              <p:pRg st="3" end="3"/>
+                                            </p:txEl>
+                                          </p:spTgt>
+                                        </p:tgtEl>
+                                        <p:attrNameLst>
+                                          <p:attrName>ppt_y</p:attrName>
+                                        </p:attrNameLst>
+                                      </p:cBhvr>
+                                      <p:tavLst>
+                                        <p:tav tm="0">
+                                          <p:val>
+                                            <p:strVal val="#ppt_y+.1"/>
+                                          </p:val>
+                                        </p:tav>
+                                        <p:tav tm="100000">
+                                          <p:val>
+                                            <p:strVal val="#ppt_y"/>
+                                          </p:val>
+                                        </p:tav>
+                                      </p:tavLst>
+                                    </p:anim>
+                                  </p:childTnLst>
+                                </p:cTn>
+                              </p:par>
+                              <p:par>
+                                <p:cTn id="33" presetID="42" presetClass="entr" presetSubtype="0" fill="hold" nodeType="withEffect">
+                                  <p:stCondLst>
+                                    <p:cond delay="0"/>
+                                  </p:stCondLst>
+                                  <p:childTnLst>
+                                    <p:set>
+                                      <p:cBhvr>
+                                        <p:cTn id="34" dur="1" fill="hold">
+                                          <p:stCondLst>
+                                            <p:cond delay="0"/>
+                                          </p:stCondLst>
+                                        </p:cTn>
+                                        <p:tgtEl>
+                                          <p:spTgt spid="3">
+                                            <p:txEl>
+                                              <p:pRg st="4" end="4"/>
+                                            </p:txEl>
+                                          </p:spTgt>
+                                        </p:tgtEl>
+                                        <p:attrNameLst>
+                                          <p:attrName>style.visibility</p:attrName>
+                                        </p:attrNameLst>
+                                      </p:cBhvr>
+                                      <p:to>
+                                        <p:strVal val="visible"/>
+                                      </p:to>
+                                    </p:set>
+                                    <p:animEffect transition="in" filter="fade">
+                                      <p:cBhvr>
+                                        <p:cTn id="35" dur="1000"/>
+                                        <p:tgtEl>
+                                          <p:spTgt spid="3">
+                                            <p:txEl>
+                                              <p:pRg st="4" end="4"/>
+                                            </p:txEl>
+                                          </p:spTgt>
+                                        </p:tgtEl>
+                                      </p:cBhvr>
+                                    </p:animEffect>
+                                    <p:anim calcmode="lin" valueType="num">
+                                      <p:cBhvr>
+                                        <p:cTn id="36" dur="1000" fill="hold"/>
+                                        <p:tgtEl>
+                                          <p:spTgt spid="3">
+                                            <p:txEl>
+                                              <p:pRg st="4" end="4"/>
+                                            </p:txEl>
+                                          </p:spTgt>
+                                        </p:tgtEl>
+                                        <p:attrNameLst>
+                                          <p:attrName>ppt_x</p:attrName>
+                                        </p:attrNameLst>
+                                      </p:cBhvr>
+                                      <p:tavLst>
+                                        <p:tav tm="0">
+                                          <p:val>
+                                            <p:strVal val="#ppt_x"/>
+                                          </p:val>
+                                        </p:tav>
+                                        <p:tav tm="100000">
+                                          <p:val>
+                                            <p:strVal val="#ppt_x"/>
+                                          </p:val>
+                                        </p:tav>
+                                      </p:tavLst>
+                                    </p:anim>
+                                    <p:anim calcmode="lin" valueType="num">
+                                      <p:cBhvr>
+                                        <p:cTn id="37" dur="1000" fill="hold"/>
+                                        <p:tgtEl>
+                                          <p:spTgt spid="3">
+                                            <p:txEl>
+                                              <p:pRg st="4" end="4"/>
+                                            </p:txEl>
+                                          </p:spTgt>
+                                        </p:tgtEl>
+                                        <p:attrNameLst>
+                                          <p:attrName>ppt_y</p:attrName>
+                                        </p:attrNameLst>
+                                      </p:cBhvr>
+                                      <p:tavLst>
+                                        <p:tav tm="0">
+                                          <p:val>
+                                            <p:strVal val="#ppt_y+.1"/>
+                                          </p:val>
+                                        </p:tav>
+                                        <p:tav tm="100000">
+                                          <p:val>
+                                            <p:strVal val="#ppt_y"/>
+                                          </p:val>
+                                        </p:tav>
+                                      </p:tavLst>
+                                    </p:anim>
+                                  </p:childTnLst>
+                                </p:cTn>
+                              </p:par>
+                              <p:par>
+                                <p:cTn id="38" presetID="42" presetClass="entr" presetSubtype="0" fill="hold" nodeType="withEffect">
+                                  <p:stCondLst>
+                                    <p:cond delay="0"/>
+                                  </p:stCondLst>
+                                  <p:childTnLst>
+                                    <p:set>
+                                      <p:cBhvr>
+                                        <p:cTn id="39" dur="1" fill="hold">
+                                          <p:stCondLst>
+                                            <p:cond delay="0"/>
+                                          </p:stCondLst>
+                                        </p:cTn>
+                                        <p:tgtEl>
+                                          <p:spTgt spid="3">
+                                            <p:txEl>
+                                              <p:pRg st="5" end="5"/>
+                                            </p:txEl>
+                                          </p:spTgt>
+                                        </p:tgtEl>
+                                        <p:attrNameLst>
+                                          <p:attrName>style.visibility</p:attrName>
+                                        </p:attrNameLst>
+                                      </p:cBhvr>
+                                      <p:to>
+                                        <p:strVal val="visible"/>
+                                      </p:to>
+                                    </p:set>
+                                    <p:animEffect transition="in" filter="fade">
+                                      <p:cBhvr>
+                                        <p:cTn id="40" dur="1000"/>
+                                        <p:tgtEl>
+                                          <p:spTgt spid="3">
+                                            <p:txEl>
+                                              <p:pRg st="5" end="5"/>
+                                            </p:txEl>
+                                          </p:spTgt>
+                                        </p:tgtEl>
+                                      </p:cBhvr>
+                                    </p:animEffect>
+                                    <p:anim calcmode="lin" valueType="num">
+                                      <p:cBhvr>
+                                        <p:cTn id="41" dur="1000" fill="hold"/>
+                                        <p:tgtEl>
+                                          <p:spTgt spid="3">
+                                            <p:txEl>
+                                              <p:pRg st="5" end="5"/>
+                                            </p:txEl>
+                                          </p:spTgt>
+                                        </p:tgtEl>
+                                        <p:attrNameLst>
+                                          <p:attrName>ppt_x</p:attrName>
+                                        </p:attrNameLst>
+                                      </p:cBhvr>
+                                      <p:tavLst>
+                                        <p:tav tm="0">
+                                          <p:val>
+                                            <p:strVal val="#ppt_x"/>
+                                          </p:val>
+                                        </p:tav>
+                                        <p:tav tm="100000">
+                                          <p:val>
+                                            <p:strVal val="#ppt_x"/>
+                                          </p:val>
+                                        </p:tav>
+                                      </p:tavLst>
+                                    </p:anim>
+                                    <p:anim calcmode="lin" valueType="num">
+                                      <p:cBhvr>
+                                        <p:cTn id="42" dur="1000" fill="hold"/>
+                                        <p:tgtEl>
+                                          <p:spTgt spid="3">
+                                            <p:txEl>
+                                              <p:pRg st="5" end="5"/>
+                                            </p:txEl>
+                                          </p:spTgt>
+                                        </p:tgtEl>
+                                        <p:attrNameLst>
+                                          <p:attrName>ppt_y</p:attrName>
+                                        </p:attrNameLst>
+                                      </p:cBhvr>
+                                      <p:tavLst>
+                                        <p:tav tm="0">
+                                          <p:val>
+                                            <p:strVal val="#ppt_y+.1"/>
+                                          </p:val>
+                                        </p:tav>
+                                        <p:tav tm="100000">
+                                          <p:val>
+                                            <p:strVal val="#ppt_y"/>
+                                          </p:val>
+                                        </p:tav>
+                                      </p:tavLst>
+                                    </p:anim>
+                                  </p:childTnLst>
+                                </p:cTn>
+                              </p:par>
+                              <p:par>
+                                <p:cTn id="43" presetID="42" presetClass="entr" presetSubtype="0" fill="hold" nodeType="withEffect">
+                                  <p:stCondLst>
+                                    <p:cond delay="0"/>
+                                  </p:stCondLst>
+                                  <p:childTnLst>
+                                    <p:set>
+                                      <p:cBhvr>
+                                        <p:cTn id="44" dur="1" fill="hold">
+                                          <p:stCondLst>
+                                            <p:cond delay="0"/>
+                                          </p:stCondLst>
+                                        </p:cTn>
+                                        <p:tgtEl>
+                                          <p:spTgt spid="3">
+                                            <p:txEl>
+                                              <p:pRg st="6" end="6"/>
+                                            </p:txEl>
+                                          </p:spTgt>
+                                        </p:tgtEl>
+                                        <p:attrNameLst>
+                                          <p:attrName>style.visibility</p:attrName>
+                                        </p:attrNameLst>
+                                      </p:cBhvr>
+                                      <p:to>
+                                        <p:strVal val="visible"/>
+                                      </p:to>
+                                    </p:set>
+                                    <p:animEffect transition="in" filter="fade">
+                                      <p:cBhvr>
+                                        <p:cTn id="45" dur="1000"/>
+                                        <p:tgtEl>
+                                          <p:spTgt spid="3">
+                                            <p:txEl>
+                                              <p:pRg st="6" end="6"/>
+                                            </p:txEl>
+                                          </p:spTgt>
+                                        </p:tgtEl>
+                                      </p:cBhvr>
+                                    </p:animEffect>
+                                    <p:anim calcmode="lin" valueType="num">
+                                      <p:cBhvr>
+                                        <p:cTn id="46" dur="1000" fill="hold"/>
+                                        <p:tgtEl>
+                                          <p:spTgt spid="3">
+                                            <p:txEl>
+                                              <p:pRg st="6" end="6"/>
+                                            </p:txEl>
+                                          </p:spTgt>
+                                        </p:tgtEl>
+                                        <p:attrNameLst>
+                                          <p:attrName>ppt_x</p:attrName>
+                                        </p:attrNameLst>
+                                      </p:cBhvr>
+                                      <p:tavLst>
+                                        <p:tav tm="0">
+                                          <p:val>
+                                            <p:strVal val="#ppt_x"/>
+                                          </p:val>
+                                        </p:tav>
+                                        <p:tav tm="100000">
+                                          <p:val>
+                                            <p:strVal val="#ppt_x"/>
+                                          </p:val>
+                                        </p:tav>
+                                      </p:tavLst>
+                                    </p:anim>
+                                    <p:anim calcmode="lin" valueType="num">
+                                      <p:cBhvr>
+                                        <p:cTn id="47" dur="1000" fill="hold"/>
+                                        <p:tgtEl>
+                                          <p:spTgt spid="3">
+                                            <p:txEl>
+                                              <p:pRg st="6" end="6"/>
+                                            </p:txEl>
+                                          </p:spTgt>
+                                        </p:tgtEl>
+                                        <p:attrNameLst>
+                                          <p:attrName>ppt_y</p:attrName>
+                                        </p:attrNameLst>
+                                      </p:cBhvr>
+                                      <p:tavLst>
+                                        <p:tav tm="0">
+                                          <p:val>
+                                            <p:strVal val="#ppt_y+.1"/>
+                                          </p:val>
+                                        </p:tav>
+                                        <p:tav tm="100000">
+                                          <p:val>
+                                            <p:strVal val="#ppt_y"/>
+                                          </p:val>
+                                        </p:tav>
+                                      </p:tavLst>
+                                    </p:anim>
+                                  </p:childTnLst>
+                                </p:cTn>
+                              </p:par>
+                            </p:childTnLst>
+                          </p:cTn>
+                        </p:par>
+                      </p:childTnLst>
+                    </p:cTn>
+                  </p:par>
+                  <p:par>
+                    <p:cTn id="48" fill="hold">
+                      <p:stCondLst>
+                        <p:cond delay="indefinite"/>
+                      </p:stCondLst>
+                      <p:childTnLst>
+                        <p:par>
+                          <p:cTn id="49" fill="hold">
+                            <p:stCondLst>
+                              <p:cond delay="0"/>
+                            </p:stCondLst>
+                            <p:childTnLst>
+                              <p:par>
+                                <p:cTn id="50" presetID="42" presetClass="entr" presetSubtype="0" fill="hold" nodeType="clickEffect">
+                                  <p:stCondLst>
+                                    <p:cond delay="0"/>
+                                  </p:stCondLst>
+                                  <p:childTnLst>
+                                    <p:set>
+                                      <p:cBhvr>
+                                        <p:cTn id="51" dur="1" fill="hold">
+                                          <p:stCondLst>
+                                            <p:cond delay="0"/>
+                                          </p:stCondLst>
+                                        </p:cTn>
+                                        <p:tgtEl>
+                                          <p:spTgt spid="3">
+                                            <p:txEl>
+                                              <p:pRg st="7" end="7"/>
+                                            </p:txEl>
+                                          </p:spTgt>
+                                        </p:tgtEl>
+                                        <p:attrNameLst>
+                                          <p:attrName>style.visibility</p:attrName>
+                                        </p:attrNameLst>
+                                      </p:cBhvr>
+                                      <p:to>
+                                        <p:strVal val="visible"/>
+                                      </p:to>
+                                    </p:set>
+                                    <p:animEffect transition="in" filter="fade">
+                                      <p:cBhvr>
+                                        <p:cTn id="52" dur="1000"/>
+                                        <p:tgtEl>
+                                          <p:spTgt spid="3">
+                                            <p:txEl>
+                                              <p:pRg st="7" end="7"/>
+                                            </p:txEl>
+                                          </p:spTgt>
+                                        </p:tgtEl>
+                                      </p:cBhvr>
+                                    </p:animEffect>
+                                    <p:anim calcmode="lin" valueType="num">
+                                      <p:cBhvr>
+                                        <p:cTn id="53" dur="1000" fill="hold"/>
+                                        <p:tgtEl>
+                                          <p:spTgt spid="3">
+                                            <p:txEl>
+                                              <p:pRg st="7" end="7"/>
+                                            </p:txEl>
+                                          </p:spTgt>
+                                        </p:tgtEl>
+                                        <p:attrNameLst>
+                                          <p:attrName>ppt_x</p:attrName>
+                                        </p:attrNameLst>
+                                      </p:cBhvr>
+                                      <p:tavLst>
+                                        <p:tav tm="0">
+                                          <p:val>
+                                            <p:strVal val="#ppt_x"/>
+                                          </p:val>
+                                        </p:tav>
+                                        <p:tav tm="100000">
+                                          <p:val>
+                                            <p:strVal val="#ppt_x"/>
+                                          </p:val>
+                                        </p:tav>
+                                      </p:tavLst>
+                                    </p:anim>
+                                    <p:anim calcmode="lin" valueType="num">
+                                      <p:cBhvr>
+                                        <p:cTn id="54" dur="1000" fill="hold"/>
+                                        <p:tgtEl>
+                                          <p:spTgt spid="3">
+                                            <p:txEl>
+                                              <p:pRg st="7" end="7"/>
+                                            </p:txEl>
+                                          </p:spTgt>
+                                        </p:tgtEl>
+                                        <p:attrNameLst>
+                                          <p:attrName>ppt_y</p:attrName>
+                                        </p:attrNameLst>
+                                      </p:cBhvr>
+                                      <p:tavLst>
+                                        <p:tav tm="0">
+                                          <p:val>
+                                            <p:strVal val="#ppt_y+.1"/>
+                                          </p:val>
+                                        </p:tav>
+                                        <p:tav tm="100000">
+                                          <p:val>
+                                            <p:strVal val="#ppt_y"/>
+                                          </p:val>
+                                        </p:tav>
+                                      </p:tavLst>
+                                    </p:anim>
+                                  </p:childTnLst>
+                                </p:cTn>
+                              </p:par>
+                            </p:childTnLst>
+                          </p:cTn>
+                        </p:par>
+                      </p:childTnLst>
+                    </p:cTn>
+                  </p:par>
+                </p:childTnLst>
+              </p:cTn>
+              <p:prevCondLst>
+                <p:cond evt="onPrev" delay="0">
+                  <p:tgtEl>
+                    <p:sldTgt/>
+                  </p:tgtEl>
+                </p:cond>
+              </p:prevCondLst>
+              <p:nextCondLst>
+                <p:cond evt="onNext" delay="0">
+                  <p:tgtEl>
+                    <p:sldTgt/>
+                  </p:tgtEl>
+                </p:cond>
+              </p:nextCondLst>
+            </p:seq>
+          </p:childTnLst>
+        </p:cTn>
+      </p:par>
+    </p:tnLst>
+    <p:bldLst>
+      <p:bldP spid="2" grpId="0" animBg="1"/>
+    </p:bldLst>
+  </p:timing>
 </p:sld>
 </file>
 
@@ -5081,8 +6030,8 @@
         </p:nvSpPr>
         <p:spPr>
           <a:xfrm>
-            <a:off x="1709885" y="1213312"/>
-            <a:ext cx="8229600" cy="1028035"/>
+            <a:off x="1292033" y="1167115"/>
+            <a:ext cx="9650190" cy="1028035"/>
           </a:xfrm>
         </p:spPr>
         <p:txBody>
@@ -5095,12 +6044,21 @@
             </a:r>
             <a:r>
               <a:rPr lang="en-US" i="1" dirty="0"/>
-              <a:t>B. pseudomallei</a:t>
+              <a:t>B. </a:t>
+            </a:r>
+            <a:r>
+              <a:rPr lang="en-US" i="1" dirty="0" err="1"/>
+              <a:t>pseudomallei</a:t>
             </a:r>
             <a:r>
               <a:rPr lang="en-US" dirty="0"/>
-              <a:t> infection</a:t>
-            </a:r>
+              <a:t> </a:t>
+            </a:r>
+            <a:r>
+              <a:rPr lang="en-US" dirty="0" smtClean="0"/>
+              <a:t>infection using proteins</a:t>
+            </a:r>
+            <a:endParaRPr lang="en-US" dirty="0"/>
           </a:p>
           <a:p>
             <a:pPr marL="514350" indent="-514350">
@@ -5183,7 +6141,13 @@
       </p:pic>
       <p:grpSp>
         <p:nvGrpSpPr>
-          <p:cNvPr id="16" name="Group 15"/>
+          <p:cNvPr id="27" name="Group 26">
+            <a:extLst>
+              <a:ext uri="{FF2B5EF4-FFF2-40B4-BE49-F238E27FC236}">
+                <a16:creationId xmlns="" xmlns:a16="http://schemas.microsoft.com/office/drawing/2014/main" id="{FD835BF2-854A-C64B-9B19-4E10B149FB0D}"/>
+              </a:ext>
+            </a:extLst>
+          </p:cNvPr>
           <p:cNvGrpSpPr/>
           <p:nvPr/>
         </p:nvGrpSpPr>
@@ -5191,16 +6155,16 @@
           <a:xfrm>
             <a:off x="9007847" y="2034926"/>
             <a:ext cx="1863275" cy="958843"/>
-            <a:chOff x="3919540" y="2053892"/>
-            <a:chExt cx="1863275" cy="958843"/>
+            <a:chOff x="4315087" y="1157317"/>
+            <a:chExt cx="1376910" cy="743761"/>
           </a:xfrm>
         </p:grpSpPr>
         <p:grpSp>
           <p:nvGrpSpPr>
-            <p:cNvPr id="27" name="Group 26">
+            <p:cNvPr id="28" name="Group 27">
               <a:extLst>
                 <a:ext uri="{FF2B5EF4-FFF2-40B4-BE49-F238E27FC236}">
-                  <a16:creationId xmlns="" xmlns:a16="http://schemas.microsoft.com/office/drawing/2014/main" id="{FD835BF2-854A-C64B-9B19-4E10B149FB0D}"/>
+                  <a16:creationId xmlns="" xmlns:a16="http://schemas.microsoft.com/office/drawing/2014/main" id="{681DC5A4-2E2E-6246-AA54-41C41A6E49D7}"/>
                 </a:ext>
               </a:extLst>
             </p:cNvPr>
@@ -5209,18 +6173,163 @@
           </p:nvGrpSpPr>
           <p:grpSpPr>
             <a:xfrm>
-              <a:off x="3919540" y="2053892"/>
-              <a:ext cx="1863275" cy="958843"/>
+              <a:off x="4315087" y="1157317"/>
+              <a:ext cx="1376910" cy="670602"/>
               <a:chOff x="4315087" y="1157317"/>
-              <a:chExt cx="1376910" cy="743761"/>
+              <a:chExt cx="1376910" cy="670602"/>
             </a:xfrm>
           </p:grpSpPr>
+          <p:sp>
+            <p:nvSpPr>
+              <p:cNvPr id="30" name="Oval 29">
+                <a:extLst>
+                  <a:ext uri="{FF2B5EF4-FFF2-40B4-BE49-F238E27FC236}">
+                    <a16:creationId xmlns="" xmlns:a16="http://schemas.microsoft.com/office/drawing/2014/main" id="{70BEAFAF-D05A-2F43-A7E6-B9229A0A202F}"/>
+                  </a:ext>
+                </a:extLst>
+              </p:cNvPr>
+              <p:cNvSpPr/>
+              <p:nvPr/>
+            </p:nvSpPr>
+            <p:spPr>
+              <a:xfrm>
+                <a:off x="4315087" y="1436916"/>
+                <a:ext cx="350991" cy="391003"/>
+              </a:xfrm>
+              <a:prstGeom prst="ellipse">
+                <a:avLst/>
+              </a:prstGeom>
+              <a:gradFill flip="none" rotWithShape="1">
+                <a:gsLst>
+                  <a:gs pos="0">
+                    <a:schemeClr val="accent2">
+                      <a:lumMod val="0"/>
+                      <a:lumOff val="100000"/>
+                    </a:schemeClr>
+                  </a:gs>
+                  <a:gs pos="35000">
+                    <a:schemeClr val="accent2">
+                      <a:lumMod val="0"/>
+                      <a:lumOff val="100000"/>
+                    </a:schemeClr>
+                  </a:gs>
+                  <a:gs pos="100000">
+                    <a:schemeClr val="accent2">
+                      <a:lumMod val="100000"/>
+                    </a:schemeClr>
+                  </a:gs>
+                </a:gsLst>
+                <a:path path="circle">
+                  <a:fillToRect l="50000" t="-80000" r="50000" b="180000"/>
+                </a:path>
+                <a:tileRect/>
+              </a:gradFill>
+            </p:spPr>
+            <p:style>
+              <a:lnRef idx="2">
+                <a:schemeClr val="accent1">
+                  <a:shade val="50000"/>
+                </a:schemeClr>
+              </a:lnRef>
+              <a:fillRef idx="1">
+                <a:schemeClr val="accent1"/>
+              </a:fillRef>
+              <a:effectRef idx="0">
+                <a:schemeClr val="accent1"/>
+              </a:effectRef>
+              <a:fontRef idx="minor">
+                <a:schemeClr val="lt1"/>
+              </a:fontRef>
+            </p:style>
+            <p:txBody>
+              <a:bodyPr rtlCol="0" anchor="ctr"/>
+              <a:lstStyle/>
+              <a:p>
+                <a:pPr algn="ctr"/>
+                <a:endParaRPr lang="en-US"/>
+              </a:p>
+            </p:txBody>
+          </p:sp>
+          <p:sp>
+            <p:nvSpPr>
+              <p:cNvPr id="31" name="Oval 30">
+                <a:extLst>
+                  <a:ext uri="{FF2B5EF4-FFF2-40B4-BE49-F238E27FC236}">
+                    <a16:creationId xmlns="" xmlns:a16="http://schemas.microsoft.com/office/drawing/2014/main" id="{8478C433-D1C7-314B-BFBE-F9AAFA3DB9BD}"/>
+                  </a:ext>
+                </a:extLst>
+              </p:cNvPr>
+              <p:cNvSpPr/>
+              <p:nvPr/>
+            </p:nvSpPr>
+            <p:spPr>
+              <a:xfrm>
+                <a:off x="4570056" y="1570271"/>
+                <a:ext cx="246903" cy="133355"/>
+              </a:xfrm>
+              <a:prstGeom prst="ellipse">
+                <a:avLst/>
+              </a:prstGeom>
+              <a:gradFill flip="none" rotWithShape="1">
+                <a:gsLst>
+                  <a:gs pos="0">
+                    <a:schemeClr val="accent5">
+                      <a:lumMod val="40000"/>
+                      <a:lumOff val="60000"/>
+                    </a:schemeClr>
+                  </a:gs>
+                  <a:gs pos="46000">
+                    <a:schemeClr val="accent5">
+                      <a:lumMod val="95000"/>
+                      <a:lumOff val="5000"/>
+                    </a:schemeClr>
+                  </a:gs>
+                  <a:gs pos="100000">
+                    <a:schemeClr val="accent5">
+                      <a:lumMod val="60000"/>
+                    </a:schemeClr>
+                  </a:gs>
+                </a:gsLst>
+                <a:path path="circle">
+                  <a:fillToRect l="50000" t="130000" r="50000" b="-30000"/>
+                </a:path>
+                <a:tileRect/>
+              </a:gradFill>
+            </p:spPr>
+            <p:style>
+              <a:lnRef idx="2">
+                <a:schemeClr val="accent1">
+                  <a:shade val="50000"/>
+                </a:schemeClr>
+              </a:lnRef>
+              <a:fillRef idx="1">
+                <a:schemeClr val="accent1"/>
+              </a:fillRef>
+              <a:effectRef idx="0">
+                <a:schemeClr val="accent1"/>
+              </a:effectRef>
+              <a:fontRef idx="minor">
+                <a:schemeClr val="lt1"/>
+              </a:fontRef>
+            </p:style>
+            <p:txBody>
+              <a:bodyPr rtlCol="0" anchor="ctr"/>
+              <a:lstStyle/>
+              <a:p>
+                <a:pPr algn="ctr"/>
+                <a:r>
+                  <a:rPr lang="en-US" sz="1400" dirty="0"/>
+                  <a:t>A</a:t>
+                </a:r>
+              </a:p>
+            </p:txBody>
+          </p:sp>
           <p:grpSp>
             <p:nvGrpSpPr>
-              <p:cNvPr id="28" name="Group 27">
+              <p:cNvPr id="32" name="Group 31">
                 <a:extLst>
                   <a:ext uri="{FF2B5EF4-FFF2-40B4-BE49-F238E27FC236}">
-                    <a16:creationId xmlns="" xmlns:a16="http://schemas.microsoft.com/office/drawing/2014/main" id="{681DC5A4-2E2E-6246-AA54-41C41A6E49D7}"/>
+                    <a16:creationId xmlns="" xmlns:a16="http://schemas.microsoft.com/office/drawing/2014/main" id="{0142F057-96DB-AC48-B8D0-CA4C07E463F3}"/>
                   </a:ext>
                 </a:extLst>
               </p:cNvPr>
@@ -5228,19 +6337,66 @@
               <p:nvPr/>
             </p:nvGrpSpPr>
             <p:grpSpPr>
-              <a:xfrm>
-                <a:off x="4315087" y="1157317"/>
-                <a:ext cx="1376910" cy="670602"/>
-                <a:chOff x="4315087" y="1157317"/>
-                <a:chExt cx="1376910" cy="670602"/>
+              <a:xfrm rot="16392256">
+                <a:off x="5075900" y="1077835"/>
+                <a:ext cx="536616" cy="695579"/>
+                <a:chOff x="4775365" y="1205500"/>
+                <a:chExt cx="536616" cy="695579"/>
               </a:xfrm>
             </p:grpSpPr>
+            <p:pic>
+              <p:nvPicPr>
+                <p:cNvPr id="34" name="Picture 2" descr="Image result for antibody">
+                  <a:extLst>
+                    <a:ext uri="{FF2B5EF4-FFF2-40B4-BE49-F238E27FC236}">
+                      <a16:creationId xmlns="" xmlns:a16="http://schemas.microsoft.com/office/drawing/2014/main" id="{72B30E13-E31C-8244-964B-A576481E6DD1}"/>
+                    </a:ext>
+                  </a:extLst>
+                </p:cNvPr>
+                <p:cNvPicPr>
+                  <a:picLocks noChangeAspect="1" noChangeArrowheads="1"/>
+                </p:cNvPicPr>
+                <p:nvPr/>
+              </p:nvPicPr>
+              <p:blipFill>
+                <a:blip r:embed="rId4" cstate="print">
+                  <a:extLst>
+                    <a:ext uri="{28A0092B-C50C-407E-A947-70E740481C1C}">
+                      <a14:useLocalDpi xmlns:a14="http://schemas.microsoft.com/office/drawing/2010/main" val="0"/>
+                    </a:ext>
+                  </a:extLst>
+                </a:blip>
+                <a:srcRect/>
+                <a:stretch>
+                  <a:fillRect/>
+                </a:stretch>
+              </p:blipFill>
+              <p:spPr bwMode="auto">
+                <a:xfrm rot="17557307">
+                  <a:off x="4644469" y="1336396"/>
+                  <a:ext cx="695579" cy="433787"/>
+                </a:xfrm>
+                <a:prstGeom prst="rect">
+                  <a:avLst/>
+                </a:prstGeom>
+                <a:noFill/>
+                <a:extLst>
+                  <a:ext uri="{909E8E84-426E-40DD-AFC4-6F175D3DCCD1}">
+                    <a14:hiddenFill xmlns:a14="http://schemas.microsoft.com/office/drawing/2010/main">
+                      <a:solidFill>
+                        <a:srgbClr val="FFFFFF"/>
+                      </a:solidFill>
+                    </a14:hiddenFill>
+                  </a:ext>
+                </a:extLst>
+              </p:spPr>
+            </p:pic>
             <p:sp>
               <p:nvSpPr>
-                <p:cNvPr id="30" name="Oval 29">
+                <p:cNvPr id="35" name="Explosion 1 34">
                   <a:extLst>
                     <a:ext uri="{FF2B5EF4-FFF2-40B4-BE49-F238E27FC236}">
-                      <a16:creationId xmlns="" xmlns:a16="http://schemas.microsoft.com/office/drawing/2014/main" id="{70BEAFAF-D05A-2F43-A7E6-B9229A0A202F}"/>
+                      <a16:creationId xmlns="" xmlns:a16="http://schemas.microsoft.com/office/drawing/2014/main" id="{B5D03979-A01B-A14B-A960-416EB6D49898}"/>
                     </a:ext>
                   </a:extLst>
                 </p:cNvPr>
@@ -5249,289 +6405,27 @@
               </p:nvSpPr>
               <p:spPr>
                 <a:xfrm>
-                  <a:off x="4315087" y="1436916"/>
-                  <a:ext cx="350991" cy="391003"/>
-                </a:xfrm>
-                <a:prstGeom prst="ellipse">
-                  <a:avLst/>
-                </a:prstGeom>
-                <a:gradFill flip="none" rotWithShape="1">
-                  <a:gsLst>
-                    <a:gs pos="0">
-                      <a:schemeClr val="accent2">
-                        <a:lumMod val="0"/>
-                        <a:lumOff val="100000"/>
-                      </a:schemeClr>
-                    </a:gs>
-                    <a:gs pos="35000">
-                      <a:schemeClr val="accent2">
-                        <a:lumMod val="0"/>
-                        <a:lumOff val="100000"/>
-                      </a:schemeClr>
-                    </a:gs>
-                    <a:gs pos="100000">
-                      <a:schemeClr val="accent2">
-                        <a:lumMod val="100000"/>
-                      </a:schemeClr>
-                    </a:gs>
-                  </a:gsLst>
-                  <a:path path="circle">
-                    <a:fillToRect l="50000" t="-80000" r="50000" b="180000"/>
-                  </a:path>
-                  <a:tileRect/>
-                </a:gradFill>
-              </p:spPr>
-              <p:style>
-                <a:lnRef idx="2">
-                  <a:schemeClr val="accent1">
-                    <a:shade val="50000"/>
-                  </a:schemeClr>
-                </a:lnRef>
-                <a:fillRef idx="1">
-                  <a:schemeClr val="accent1"/>
-                </a:fillRef>
-                <a:effectRef idx="0">
-                  <a:schemeClr val="accent1"/>
-                </a:effectRef>
-                <a:fontRef idx="minor">
-                  <a:schemeClr val="lt1"/>
-                </a:fontRef>
-              </p:style>
-              <p:txBody>
-                <a:bodyPr rtlCol="0" anchor="ctr"/>
-                <a:lstStyle/>
-                <a:p>
-                  <a:pPr algn="ctr"/>
-                  <a:endParaRPr lang="en-US"/>
-                </a:p>
-              </p:txBody>
-            </p:sp>
-            <p:sp>
-              <p:nvSpPr>
-                <p:cNvPr id="31" name="Oval 30">
-                  <a:extLst>
-                    <a:ext uri="{FF2B5EF4-FFF2-40B4-BE49-F238E27FC236}">
-                      <a16:creationId xmlns="" xmlns:a16="http://schemas.microsoft.com/office/drawing/2014/main" id="{8478C433-D1C7-314B-BFBE-F9AAFA3DB9BD}"/>
-                    </a:ext>
-                  </a:extLst>
-                </p:cNvPr>
-                <p:cNvSpPr/>
-                <p:nvPr/>
-              </p:nvSpPr>
-              <p:spPr>
-                <a:xfrm>
-                  <a:off x="4570056" y="1570271"/>
-                  <a:ext cx="246903" cy="133355"/>
-                </a:xfrm>
-                <a:prstGeom prst="ellipse">
-                  <a:avLst/>
-                </a:prstGeom>
-                <a:gradFill flip="none" rotWithShape="1">
-                  <a:gsLst>
-                    <a:gs pos="0">
-                      <a:schemeClr val="accent5">
-                        <a:lumMod val="40000"/>
-                        <a:lumOff val="60000"/>
-                      </a:schemeClr>
-                    </a:gs>
-                    <a:gs pos="46000">
-                      <a:schemeClr val="accent5">
-                        <a:lumMod val="95000"/>
-                        <a:lumOff val="5000"/>
-                      </a:schemeClr>
-                    </a:gs>
-                    <a:gs pos="100000">
-                      <a:schemeClr val="accent5">
-                        <a:lumMod val="60000"/>
-                      </a:schemeClr>
-                    </a:gs>
-                  </a:gsLst>
-                  <a:path path="circle">
-                    <a:fillToRect l="50000" t="130000" r="50000" b="-30000"/>
-                  </a:path>
-                  <a:tileRect/>
-                </a:gradFill>
-              </p:spPr>
-              <p:style>
-                <a:lnRef idx="2">
-                  <a:schemeClr val="accent1">
-                    <a:shade val="50000"/>
-                  </a:schemeClr>
-                </a:lnRef>
-                <a:fillRef idx="1">
-                  <a:schemeClr val="accent1"/>
-                </a:fillRef>
-                <a:effectRef idx="0">
-                  <a:schemeClr val="accent1"/>
-                </a:effectRef>
-                <a:fontRef idx="minor">
-                  <a:schemeClr val="lt1"/>
-                </a:fontRef>
-              </p:style>
-              <p:txBody>
-                <a:bodyPr rtlCol="0" anchor="ctr"/>
-                <a:lstStyle/>
-                <a:p>
-                  <a:pPr algn="ctr"/>
-                  <a:r>
-                    <a:rPr lang="en-US" sz="1400" dirty="0"/>
-                    <a:t>A</a:t>
-                  </a:r>
-                </a:p>
-              </p:txBody>
-            </p:sp>
-            <p:grpSp>
-              <p:nvGrpSpPr>
-                <p:cNvPr id="32" name="Group 31">
-                  <a:extLst>
-                    <a:ext uri="{FF2B5EF4-FFF2-40B4-BE49-F238E27FC236}">
-                      <a16:creationId xmlns="" xmlns:a16="http://schemas.microsoft.com/office/drawing/2014/main" id="{0142F057-96DB-AC48-B8D0-CA4C07E463F3}"/>
-                    </a:ext>
-                  </a:extLst>
-                </p:cNvPr>
-                <p:cNvGrpSpPr/>
-                <p:nvPr/>
-              </p:nvGrpSpPr>
-              <p:grpSpPr>
-                <a:xfrm rot="16392256">
-                  <a:off x="5075900" y="1077835"/>
-                  <a:ext cx="536616" cy="695579"/>
-                  <a:chOff x="4775365" y="1205500"/>
-                  <a:chExt cx="536616" cy="695579"/>
-                </a:xfrm>
-              </p:grpSpPr>
-              <p:pic>
-                <p:nvPicPr>
-                  <p:cNvPr id="34" name="Picture 2" descr="Image result for antibody">
-                    <a:extLst>
-                      <a:ext uri="{FF2B5EF4-FFF2-40B4-BE49-F238E27FC236}">
-                        <a16:creationId xmlns="" xmlns:a16="http://schemas.microsoft.com/office/drawing/2014/main" id="{72B30E13-E31C-8244-964B-A576481E6DD1}"/>
-                      </a:ext>
-                    </a:extLst>
-                  </p:cNvPr>
-                  <p:cNvPicPr>
-                    <a:picLocks noChangeAspect="1" noChangeArrowheads="1"/>
-                  </p:cNvPicPr>
-                  <p:nvPr/>
-                </p:nvPicPr>
-                <p:blipFill>
-                  <a:blip r:embed="rId4" cstate="print">
-                    <a:extLst>
-                      <a:ext uri="{28A0092B-C50C-407E-A947-70E740481C1C}">
-                        <a14:useLocalDpi xmlns:a14="http://schemas.microsoft.com/office/drawing/2010/main" val="0"/>
-                      </a:ext>
-                    </a:extLst>
-                  </a:blip>
-                  <a:srcRect/>
-                  <a:stretch>
-                    <a:fillRect/>
-                  </a:stretch>
-                </p:blipFill>
-                <p:spPr bwMode="auto">
-                  <a:xfrm rot="17557307">
-                    <a:off x="4644469" y="1336396"/>
-                    <a:ext cx="695579" cy="433787"/>
-                  </a:xfrm>
-                  <a:prstGeom prst="rect">
-                    <a:avLst/>
-                  </a:prstGeom>
-                  <a:noFill/>
-                  <a:extLst>
-                    <a:ext uri="{909E8E84-426E-40DD-AFC4-6F175D3DCCD1}">
-                      <a14:hiddenFill xmlns:a14="http://schemas.microsoft.com/office/drawing/2010/main">
-                        <a:solidFill>
-                          <a:srgbClr val="FFFFFF"/>
-                        </a:solidFill>
-                      </a14:hiddenFill>
-                    </a:ext>
-                  </a:extLst>
-                </p:spPr>
-              </p:pic>
-              <p:sp>
-                <p:nvSpPr>
-                  <p:cNvPr id="35" name="Explosion 1 34">
-                    <a:extLst>
-                      <a:ext uri="{FF2B5EF4-FFF2-40B4-BE49-F238E27FC236}">
-                        <a16:creationId xmlns="" xmlns:a16="http://schemas.microsoft.com/office/drawing/2014/main" id="{B5D03979-A01B-A14B-A960-416EB6D49898}"/>
-                      </a:ext>
-                    </a:extLst>
-                  </p:cNvPr>
-                  <p:cNvSpPr/>
-                  <p:nvPr/>
-                </p:nvSpPr>
-                <p:spPr>
-                  <a:xfrm>
-                    <a:off x="5130750" y="1508911"/>
-                    <a:ext cx="181231" cy="196230"/>
-                  </a:xfrm>
-                  <a:prstGeom prst="irregularSeal1">
-                    <a:avLst/>
-                  </a:prstGeom>
-                  <a:ln>
-                    <a:solidFill>
-                      <a:schemeClr val="tx1"/>
-                    </a:solidFill>
-                  </a:ln>
-                </p:spPr>
-                <p:style>
-                  <a:lnRef idx="1">
-                    <a:schemeClr val="accent4"/>
-                  </a:lnRef>
-                  <a:fillRef idx="3">
-                    <a:schemeClr val="accent4"/>
-                  </a:fillRef>
-                  <a:effectRef idx="2">
-                    <a:schemeClr val="accent4"/>
-                  </a:effectRef>
-                  <a:fontRef idx="minor">
-                    <a:schemeClr val="lt1"/>
-                  </a:fontRef>
-                </p:style>
-                <p:txBody>
-                  <a:bodyPr rtlCol="0" anchor="ctr"/>
-                  <a:lstStyle/>
-                  <a:p>
-                    <a:pPr algn="ctr"/>
-                    <a:endParaRPr lang="en-US"/>
-                  </a:p>
-                </p:txBody>
-              </p:sp>
-            </p:grpSp>
-            <p:sp>
-              <p:nvSpPr>
-                <p:cNvPr id="33" name="Explosion 1 32">
-                  <a:extLst>
-                    <a:ext uri="{FF2B5EF4-FFF2-40B4-BE49-F238E27FC236}">
-                      <a16:creationId xmlns="" xmlns:a16="http://schemas.microsoft.com/office/drawing/2014/main" id="{F2C69E3C-57D7-7F4B-BDD1-11E4664B39EB}"/>
-                    </a:ext>
-                  </a:extLst>
-                </p:cNvPr>
-                <p:cNvSpPr/>
-                <p:nvPr/>
-              </p:nvSpPr>
-              <p:spPr>
-                <a:xfrm>
-                  <a:off x="4315087" y="1391022"/>
-                  <a:ext cx="142142" cy="162267"/>
+                  <a:off x="5130750" y="1508911"/>
+                  <a:ext cx="181231" cy="196230"/>
                 </a:xfrm>
                 <a:prstGeom prst="irregularSeal1">
                   <a:avLst/>
                 </a:prstGeom>
-                <a:solidFill>
-                  <a:srgbClr val="FF0000"/>
-                </a:solidFill>
+                <a:ln>
+                  <a:solidFill>
+                    <a:schemeClr val="tx1"/>
+                  </a:solidFill>
+                </a:ln>
               </p:spPr>
               <p:style>
-                <a:lnRef idx="2">
-                  <a:schemeClr val="accent1">
-                    <a:shade val="50000"/>
-                  </a:schemeClr>
+                <a:lnRef idx="1">
+                  <a:schemeClr val="accent4"/>
                 </a:lnRef>
-                <a:fillRef idx="1">
-                  <a:schemeClr val="accent1"/>
+                <a:fillRef idx="3">
+                  <a:schemeClr val="accent4"/>
                 </a:fillRef>
-                <a:effectRef idx="0">
-                  <a:schemeClr val="accent1"/>
+                <a:effectRef idx="2">
+                  <a:schemeClr val="accent4"/>
                 </a:effectRef>
                 <a:fontRef idx="minor">
                   <a:schemeClr val="lt1"/>
@@ -5547,57 +6441,714 @@
               </p:txBody>
             </p:sp>
           </p:grpSp>
-          <p:pic>
-            <p:nvPicPr>
-              <p:cNvPr id="29" name="Picture 2" descr="Image result for antibody">
+          <p:sp>
+            <p:nvSpPr>
+              <p:cNvPr id="33" name="Explosion 1 32">
                 <a:extLst>
                   <a:ext uri="{FF2B5EF4-FFF2-40B4-BE49-F238E27FC236}">
-                    <a16:creationId xmlns="" xmlns:a16="http://schemas.microsoft.com/office/drawing/2014/main" id="{8CD79C49-DBA1-4A47-8437-F52A006CE1F5}"/>
+                    <a16:creationId xmlns="" xmlns:a16="http://schemas.microsoft.com/office/drawing/2014/main" id="{F2C69E3C-57D7-7F4B-BDD1-11E4664B39EB}"/>
                   </a:ext>
                 </a:extLst>
               </p:cNvPr>
-              <p:cNvPicPr>
-                <a:picLocks noChangeAspect="1" noChangeArrowheads="1"/>
-              </p:cNvPicPr>
+              <p:cNvSpPr/>
               <p:nvPr/>
-            </p:nvPicPr>
-            <p:blipFill>
-              <a:blip r:embed="rId4" cstate="print">
-                <a:extLst>
-                  <a:ext uri="{28A0092B-C50C-407E-A947-70E740481C1C}">
-                    <a14:useLocalDpi xmlns:a14="http://schemas.microsoft.com/office/drawing/2010/main" val="0"/>
-                  </a:ext>
-                </a:extLst>
-              </a:blip>
-              <a:srcRect/>
-              <a:stretch>
-                <a:fillRect/>
-              </a:stretch>
-            </p:blipFill>
-            <p:spPr bwMode="auto">
-              <a:xfrm rot="17557307">
-                <a:off x="4661602" y="1336395"/>
-                <a:ext cx="695579" cy="433787"/>
+            </p:nvSpPr>
+            <p:spPr>
+              <a:xfrm>
+                <a:off x="4315087" y="1391022"/>
+                <a:ext cx="142142" cy="162267"/>
               </a:xfrm>
-              <a:prstGeom prst="rect">
+              <a:prstGeom prst="irregularSeal1">
                 <a:avLst/>
               </a:prstGeom>
-              <a:noFill/>
+              <a:solidFill>
+                <a:srgbClr val="FF0000"/>
+              </a:solidFill>
+            </p:spPr>
+            <p:style>
+              <a:lnRef idx="2">
+                <a:schemeClr val="accent1">
+                  <a:shade val="50000"/>
+                </a:schemeClr>
+              </a:lnRef>
+              <a:fillRef idx="1">
+                <a:schemeClr val="accent1"/>
+              </a:fillRef>
+              <a:effectRef idx="0">
+                <a:schemeClr val="accent1"/>
+              </a:effectRef>
+              <a:fontRef idx="minor">
+                <a:schemeClr val="lt1"/>
+              </a:fontRef>
+            </p:style>
+            <p:txBody>
+              <a:bodyPr rtlCol="0" anchor="ctr"/>
+              <a:lstStyle/>
+              <a:p>
+                <a:pPr algn="ctr"/>
+                <a:endParaRPr lang="en-US"/>
+              </a:p>
+            </p:txBody>
+          </p:sp>
+        </p:grpSp>
+        <p:pic>
+          <p:nvPicPr>
+            <p:cNvPr id="29" name="Picture 2" descr="Image result for antibody">
               <a:extLst>
-                <a:ext uri="{909E8E84-426E-40DD-AFC4-6F175D3DCCD1}">
-                  <a14:hiddenFill xmlns:a14="http://schemas.microsoft.com/office/drawing/2010/main">
-                    <a:solidFill>
-                      <a:srgbClr val="FFFFFF"/>
-                    </a:solidFill>
-                  </a14:hiddenFill>
+                <a:ext uri="{FF2B5EF4-FFF2-40B4-BE49-F238E27FC236}">
+                  <a16:creationId xmlns="" xmlns:a16="http://schemas.microsoft.com/office/drawing/2014/main" id="{8CD79C49-DBA1-4A47-8437-F52A006CE1F5}"/>
                 </a:ext>
               </a:extLst>
-            </p:spPr>
-          </p:pic>
-        </p:grpSp>
+            </p:cNvPr>
+            <p:cNvPicPr>
+              <a:picLocks noChangeAspect="1" noChangeArrowheads="1"/>
+            </p:cNvPicPr>
+            <p:nvPr/>
+          </p:nvPicPr>
+          <p:blipFill>
+            <a:blip r:embed="rId4" cstate="print">
+              <a:extLst>
+                <a:ext uri="{28A0092B-C50C-407E-A947-70E740481C1C}">
+                  <a14:useLocalDpi xmlns:a14="http://schemas.microsoft.com/office/drawing/2010/main" val="0"/>
+                </a:ext>
+              </a:extLst>
+            </a:blip>
+            <a:srcRect/>
+            <a:stretch>
+              <a:fillRect/>
+            </a:stretch>
+          </p:blipFill>
+          <p:spPr bwMode="auto">
+            <a:xfrm rot="17557307">
+              <a:off x="4661602" y="1336395"/>
+              <a:ext cx="695579" cy="433787"/>
+            </a:xfrm>
+            <a:prstGeom prst="rect">
+              <a:avLst/>
+            </a:prstGeom>
+            <a:noFill/>
+            <a:extLst>
+              <a:ext uri="{909E8E84-426E-40DD-AFC4-6F175D3DCCD1}">
+                <a14:hiddenFill xmlns:a14="http://schemas.microsoft.com/office/drawing/2010/main">
+                  <a:solidFill>
+                    <a:srgbClr val="FFFFFF"/>
+                  </a:solidFill>
+                </a14:hiddenFill>
+              </a:ext>
+            </a:extLst>
+          </p:spPr>
+        </p:pic>
+      </p:grpSp>
+      <p:sp>
+        <p:nvSpPr>
+          <p:cNvPr id="44" name="Explosion 1 43">
+            <a:extLst>
+              <a:ext uri="{FF2B5EF4-FFF2-40B4-BE49-F238E27FC236}">
+                <a16:creationId xmlns="" xmlns:a16="http://schemas.microsoft.com/office/drawing/2014/main" id="{5D18684F-6348-8C4C-BAC1-AAFCFC1129E2}"/>
+              </a:ext>
+            </a:extLst>
+          </p:cNvPr>
+          <p:cNvSpPr/>
+          <p:nvPr/>
+        </p:nvSpPr>
+        <p:spPr>
+          <a:xfrm>
+            <a:off x="9011625" y="2739218"/>
+            <a:ext cx="192351" cy="209192"/>
+          </a:xfrm>
+          <a:prstGeom prst="irregularSeal1">
+            <a:avLst/>
+          </a:prstGeom>
+          <a:solidFill>
+            <a:srgbClr val="92D050"/>
+          </a:solidFill>
+        </p:spPr>
+        <p:style>
+          <a:lnRef idx="2">
+            <a:schemeClr val="accent1">
+              <a:shade val="50000"/>
+            </a:schemeClr>
+          </a:lnRef>
+          <a:fillRef idx="1">
+            <a:schemeClr val="accent1"/>
+          </a:fillRef>
+          <a:effectRef idx="0">
+            <a:schemeClr val="accent1"/>
+          </a:effectRef>
+          <a:fontRef idx="minor">
+            <a:schemeClr val="lt1"/>
+          </a:fontRef>
+        </p:style>
+        <p:txBody>
+          <a:bodyPr rtlCol="0" anchor="ctr"/>
+          <a:lstStyle/>
+          <a:p>
+            <a:pPr algn="ctr"/>
+            <a:endParaRPr lang="en-US" dirty="0"/>
+          </a:p>
+        </p:txBody>
+      </p:sp>
+      <p:sp>
+        <p:nvSpPr>
+          <p:cNvPr id="7" name="TextBox 6"/>
+          <p:cNvSpPr txBox="1"/>
+          <p:nvPr/>
+        </p:nvSpPr>
+        <p:spPr>
+          <a:xfrm>
+            <a:off x="4677943" y="1701015"/>
+            <a:ext cx="2659959" cy="400110"/>
+          </a:xfrm>
+          <a:prstGeom prst="rect">
+            <a:avLst/>
+          </a:prstGeom>
+          <a:noFill/>
+        </p:spPr>
+        <p:txBody>
+          <a:bodyPr wrap="none" rtlCol="0">
+            <a:spAutoFit/>
+          </a:bodyPr>
+          <a:lstStyle/>
+          <a:p>
+            <a:r>
+              <a:rPr lang="en-US" sz="2000" b="1" dirty="0" smtClean="0"/>
+              <a:t>MAGPIX Technology</a:t>
+            </a:r>
+            <a:endParaRPr lang="en-US" sz="2000" b="1" dirty="0"/>
+          </a:p>
+        </p:txBody>
+      </p:sp>
+      <p:sp>
+        <p:nvSpPr>
+          <p:cNvPr id="17" name="TextBox 16"/>
+          <p:cNvSpPr txBox="1"/>
+          <p:nvPr/>
+        </p:nvSpPr>
+        <p:spPr>
+          <a:xfrm>
+            <a:off x="279322" y="4519129"/>
+            <a:ext cx="4152002" cy="2308324"/>
+          </a:xfrm>
+          <a:prstGeom prst="rect">
+            <a:avLst/>
+          </a:prstGeom>
+          <a:noFill/>
+        </p:spPr>
+        <p:txBody>
+          <a:bodyPr wrap="square" rtlCol="0">
+            <a:spAutoFit/>
+          </a:bodyPr>
+          <a:lstStyle/>
+          <a:p>
+            <a:pPr marL="285750" marR="0" lvl="0" indent="-285750" algn="ctr" defTabSz="914400" eaLnBrk="1" fontAlgn="auto" latinLnBrk="0" hangingPunct="1">
+              <a:lnSpc>
+                <a:spcPct val="100000"/>
+              </a:lnSpc>
+              <a:spcBef>
+                <a:spcPts val="0"/>
+              </a:spcBef>
+              <a:spcAft>
+                <a:spcPts val="0"/>
+              </a:spcAft>
+              <a:buClrTx/>
+              <a:buSzTx/>
+              <a:buFont typeface="Arial" charset="0"/>
+              <a:buNone/>
+              <a:tabLst/>
+              <a:defRPr/>
+            </a:pPr>
+            <a:r>
+              <a:rPr lang="en-US" b="1" dirty="0" smtClean="0"/>
+              <a:t>Similarity to an ELISA </a:t>
+            </a:r>
+            <a:r>
+              <a:rPr lang="en-US" dirty="0" smtClean="0"/>
+              <a:t>(Enzyme Linked Immunosorbent Assay)</a:t>
+            </a:r>
+          </a:p>
+          <a:p>
+            <a:pPr marL="342900" marR="0" lvl="0" indent="-342900" defTabSz="914400" eaLnBrk="1" fontAlgn="auto" latinLnBrk="0" hangingPunct="1">
+              <a:lnSpc>
+                <a:spcPct val="100000"/>
+              </a:lnSpc>
+              <a:spcBef>
+                <a:spcPts val="0"/>
+              </a:spcBef>
+              <a:spcAft>
+                <a:spcPts val="0"/>
+              </a:spcAft>
+              <a:buClrTx/>
+              <a:buSzTx/>
+              <a:buFont typeface="+mj-lt"/>
+              <a:buAutoNum type="arabicPeriod"/>
+              <a:tabLst/>
+              <a:defRPr/>
+            </a:pPr>
+            <a:r>
+              <a:rPr lang="en-US" dirty="0" smtClean="0"/>
+              <a:t>Bind one protein per well </a:t>
+            </a:r>
+          </a:p>
+          <a:p>
+            <a:pPr marL="342900" marR="0" lvl="0" indent="-342900" defTabSz="914400" eaLnBrk="1" fontAlgn="auto" latinLnBrk="0" hangingPunct="1">
+              <a:lnSpc>
+                <a:spcPct val="100000"/>
+              </a:lnSpc>
+              <a:spcBef>
+                <a:spcPts val="0"/>
+              </a:spcBef>
+              <a:spcAft>
+                <a:spcPts val="0"/>
+              </a:spcAft>
+              <a:buClrTx/>
+              <a:buSzTx/>
+              <a:buFont typeface="+mj-lt"/>
+              <a:buAutoNum type="arabicPeriod"/>
+              <a:tabLst/>
+              <a:defRPr/>
+            </a:pPr>
+            <a:r>
+              <a:rPr lang="en-US" dirty="0" smtClean="0"/>
+              <a:t>Add primary antibody (patient serum) </a:t>
+            </a:r>
+          </a:p>
+          <a:p>
+            <a:pPr marL="342900" marR="0" lvl="0" indent="-342900" defTabSz="914400" eaLnBrk="1" fontAlgn="auto" latinLnBrk="0" hangingPunct="1">
+              <a:lnSpc>
+                <a:spcPct val="100000"/>
+              </a:lnSpc>
+              <a:spcBef>
+                <a:spcPts val="0"/>
+              </a:spcBef>
+              <a:spcAft>
+                <a:spcPts val="0"/>
+              </a:spcAft>
+              <a:buClrTx/>
+              <a:buSzTx/>
+              <a:buFont typeface="+mj-lt"/>
+              <a:buAutoNum type="arabicPeriod"/>
+              <a:tabLst/>
+              <a:defRPr/>
+            </a:pPr>
+            <a:r>
+              <a:rPr lang="en-US" dirty="0" smtClean="0"/>
+              <a:t>Add secondary antibody bound to HRP (enzyme) for detection</a:t>
+            </a:r>
+          </a:p>
+          <a:p>
+            <a:pPr marR="0" lvl="0" defTabSz="914400" eaLnBrk="1" fontAlgn="auto" latinLnBrk="0" hangingPunct="1">
+              <a:lnSpc>
+                <a:spcPct val="100000"/>
+              </a:lnSpc>
+              <a:spcBef>
+                <a:spcPts val="0"/>
+              </a:spcBef>
+              <a:spcAft>
+                <a:spcPts val="0"/>
+              </a:spcAft>
+              <a:buClrTx/>
+              <a:buSzTx/>
+              <a:tabLst/>
+              <a:defRPr/>
+            </a:pPr>
+            <a:r>
+              <a:rPr lang="en-US" u="sng" dirty="0" smtClean="0"/>
+              <a:t>Base our result off one protein per well</a:t>
+            </a:r>
+          </a:p>
+          <a:p>
+            <a:pPr marL="342900" marR="0" lvl="0" indent="-342900" defTabSz="914400" eaLnBrk="1" fontAlgn="auto" latinLnBrk="0" hangingPunct="1">
+              <a:lnSpc>
+                <a:spcPct val="100000"/>
+              </a:lnSpc>
+              <a:spcBef>
+                <a:spcPts val="0"/>
+              </a:spcBef>
+              <a:spcAft>
+                <a:spcPts val="0"/>
+              </a:spcAft>
+              <a:buClrTx/>
+              <a:buSzTx/>
+              <a:buFont typeface="+mj-lt"/>
+              <a:buAutoNum type="arabicPeriod"/>
+              <a:tabLst/>
+              <a:defRPr/>
+            </a:pPr>
+            <a:endParaRPr lang="en-US" dirty="0"/>
+          </a:p>
+        </p:txBody>
+      </p:sp>
+      <p:pic>
+        <p:nvPicPr>
+          <p:cNvPr id="4" name="Picture 3"/>
+          <p:cNvPicPr>
+            <a:picLocks noChangeAspect="1"/>
+          </p:cNvPicPr>
+          <p:nvPr/>
+        </p:nvPicPr>
+        <p:blipFill>
+          <a:blip r:embed="rId5"/>
+          <a:stretch>
+            <a:fillRect/>
+          </a:stretch>
+        </p:blipFill>
+        <p:spPr>
+          <a:xfrm>
+            <a:off x="279321" y="1896154"/>
+            <a:ext cx="4051300" cy="2006600"/>
+          </a:xfrm>
+          <a:prstGeom prst="rect">
+            <a:avLst/>
+          </a:prstGeom>
+        </p:spPr>
+      </p:pic>
+      <p:sp>
+        <p:nvSpPr>
+          <p:cNvPr id="5" name="TextBox 4"/>
+          <p:cNvSpPr txBox="1"/>
+          <p:nvPr/>
+        </p:nvSpPr>
+        <p:spPr>
+          <a:xfrm>
+            <a:off x="4330621" y="2101125"/>
+            <a:ext cx="4710654" cy="4524315"/>
+          </a:xfrm>
+          <a:prstGeom prst="rect">
+            <a:avLst/>
+          </a:prstGeom>
+          <a:noFill/>
+        </p:spPr>
+        <p:txBody>
+          <a:bodyPr wrap="square" rtlCol="0">
+            <a:spAutoFit/>
+          </a:bodyPr>
+          <a:lstStyle/>
+          <a:p>
+            <a:pPr marL="285750" marR="0" lvl="0" indent="-285750" defTabSz="914400" eaLnBrk="1" fontAlgn="auto" latinLnBrk="0" hangingPunct="1">
+              <a:lnSpc>
+                <a:spcPct val="100000"/>
+              </a:lnSpc>
+              <a:spcBef>
+                <a:spcPts val="0"/>
+              </a:spcBef>
+              <a:spcAft>
+                <a:spcPts val="0"/>
+              </a:spcAft>
+              <a:buClrTx/>
+              <a:buSzTx/>
+              <a:buFont typeface="Arial" charset="0"/>
+              <a:buChar char="•"/>
+              <a:tabLst/>
+              <a:defRPr/>
+            </a:pPr>
+            <a:r>
+              <a:rPr lang="en-US" dirty="0" smtClean="0"/>
+              <a:t>Indirectly detecting pathogen in </a:t>
+            </a:r>
+          </a:p>
+          <a:p>
+            <a:pPr marL="285750" marR="0" lvl="0" indent="-285750" defTabSz="914400" eaLnBrk="1" fontAlgn="auto" latinLnBrk="0" hangingPunct="1">
+              <a:lnSpc>
+                <a:spcPct val="100000"/>
+              </a:lnSpc>
+              <a:spcBef>
+                <a:spcPts val="0"/>
+              </a:spcBef>
+              <a:spcAft>
+                <a:spcPts val="0"/>
+              </a:spcAft>
+              <a:buClrTx/>
+              <a:buSzTx/>
+              <a:buFont typeface="Arial" charset="0"/>
+              <a:buNone/>
+              <a:tabLst/>
+              <a:defRPr/>
+            </a:pPr>
+            <a:r>
+              <a:rPr lang="en-US" dirty="0" smtClean="0"/>
+              <a:t>A host through hosts antibody response</a:t>
+            </a:r>
+          </a:p>
+          <a:p>
+            <a:pPr marL="342900" marR="0" lvl="0" indent="-342900" defTabSz="914400" eaLnBrk="1" fontAlgn="auto" latinLnBrk="0" hangingPunct="1">
+              <a:lnSpc>
+                <a:spcPct val="100000"/>
+              </a:lnSpc>
+              <a:spcBef>
+                <a:spcPts val="0"/>
+              </a:spcBef>
+              <a:spcAft>
+                <a:spcPts val="0"/>
+              </a:spcAft>
+              <a:buClrTx/>
+              <a:buSzTx/>
+              <a:buFont typeface="+mj-lt"/>
+              <a:buAutoNum type="arabicPeriod"/>
+              <a:tabLst/>
+              <a:defRPr/>
+            </a:pPr>
+            <a:r>
+              <a:rPr lang="en-US" dirty="0" smtClean="0"/>
+              <a:t>Bind protein to a bead </a:t>
+            </a:r>
+          </a:p>
+          <a:p>
+            <a:pPr marL="800100" lvl="1" indent="-342900" defTabSz="914400">
+              <a:buFont typeface="+mj-lt"/>
+              <a:buAutoNum type="arabicPeriod"/>
+            </a:pPr>
+            <a:r>
+              <a:rPr lang="en-US" dirty="0" smtClean="0"/>
+              <a:t>Bead contains unique composition of red &amp; green fluorophores</a:t>
+            </a:r>
+          </a:p>
+          <a:p>
+            <a:pPr marL="800100" lvl="1" indent="-342900" defTabSz="914400">
+              <a:buFont typeface="+mj-lt"/>
+              <a:buAutoNum type="arabicPeriod"/>
+            </a:pPr>
+            <a:r>
+              <a:rPr lang="en-US" dirty="0" smtClean="0"/>
+              <a:t>Up to 50 different beads</a:t>
+            </a:r>
+          </a:p>
+          <a:p>
+            <a:pPr marL="342900" indent="-342900" defTabSz="914400">
+              <a:buFont typeface="+mj-lt"/>
+              <a:buAutoNum type="arabicPeriod"/>
+            </a:pPr>
+            <a:r>
+              <a:rPr lang="en-US" dirty="0" smtClean="0"/>
+              <a:t>Bind different proteins to different beads</a:t>
+            </a:r>
+          </a:p>
+          <a:p>
+            <a:pPr marL="342900" indent="-342900" defTabSz="914400">
+              <a:buFont typeface="+mj-lt"/>
+              <a:buAutoNum type="arabicPeriod"/>
+            </a:pPr>
+            <a:r>
+              <a:rPr lang="en-US" dirty="0" smtClean="0"/>
+              <a:t>Mix up all the beads and put into one well</a:t>
+            </a:r>
+          </a:p>
+          <a:p>
+            <a:pPr marL="342900" indent="-342900" defTabSz="914400">
+              <a:buFont typeface="+mj-lt"/>
+              <a:buAutoNum type="arabicPeriod"/>
+            </a:pPr>
+            <a:r>
+              <a:rPr lang="en-US" dirty="0" smtClean="0"/>
+              <a:t>Add primary antibody (patient serum) to well</a:t>
+            </a:r>
+          </a:p>
+          <a:p>
+            <a:pPr marL="342900" indent="-342900" defTabSz="914400">
+              <a:buFont typeface="+mj-lt"/>
+              <a:buAutoNum type="arabicPeriod"/>
+            </a:pPr>
+            <a:r>
+              <a:rPr lang="en-US" dirty="0" smtClean="0"/>
+              <a:t>Add detection antibody bound to </a:t>
+            </a:r>
+            <a:r>
+              <a:rPr lang="en-US" dirty="0" err="1" smtClean="0"/>
+              <a:t>fluorescer</a:t>
+            </a:r>
+            <a:r>
+              <a:rPr lang="en-US" dirty="0" smtClean="0"/>
+              <a:t> for detection</a:t>
+            </a:r>
+          </a:p>
+          <a:p>
+            <a:pPr marL="342900" indent="-342900" defTabSz="914400">
+              <a:buFont typeface="Arial" charset="0"/>
+              <a:buChar char="•"/>
+            </a:pPr>
+            <a:r>
+              <a:rPr lang="en-US" dirty="0" smtClean="0"/>
+              <a:t>Measurements</a:t>
+            </a:r>
+          </a:p>
+          <a:p>
+            <a:pPr marL="800100" lvl="1" indent="-342900" defTabSz="914400">
+              <a:buFont typeface="Arial" charset="0"/>
+              <a:buChar char="•"/>
+            </a:pPr>
+            <a:r>
+              <a:rPr lang="en-US" dirty="0" smtClean="0"/>
+              <a:t>Presence: Count</a:t>
+            </a:r>
+          </a:p>
+          <a:p>
+            <a:pPr marL="800100" lvl="1" indent="-342900" defTabSz="914400">
+              <a:buFont typeface="Arial" charset="0"/>
+              <a:buChar char="•"/>
+            </a:pPr>
+            <a:r>
+              <a:rPr lang="en-US" dirty="0" smtClean="0"/>
+              <a:t>Intensity: Median</a:t>
+            </a:r>
+          </a:p>
+          <a:p>
+            <a:pPr marL="342900" marR="0" lvl="0" indent="-342900" defTabSz="914400" eaLnBrk="1" fontAlgn="auto" latinLnBrk="0" hangingPunct="1">
+              <a:lnSpc>
+                <a:spcPct val="100000"/>
+              </a:lnSpc>
+              <a:spcBef>
+                <a:spcPts val="0"/>
+              </a:spcBef>
+              <a:spcAft>
+                <a:spcPts val="0"/>
+              </a:spcAft>
+              <a:buClrTx/>
+              <a:buSzTx/>
+              <a:buFont typeface="+mj-lt"/>
+              <a:buAutoNum type="arabicPeriod"/>
+              <a:tabLst/>
+              <a:defRPr/>
+            </a:pPr>
+            <a:endParaRPr lang="en-US" dirty="0"/>
+          </a:p>
+        </p:txBody>
+      </p:sp>
+      <p:grpSp>
+        <p:nvGrpSpPr>
+          <p:cNvPr id="6" name="Group 5"/>
+          <p:cNvGrpSpPr/>
+          <p:nvPr/>
+        </p:nvGrpSpPr>
+        <p:grpSpPr>
+          <a:xfrm>
+            <a:off x="6935310" y="5374257"/>
+            <a:ext cx="480160" cy="504074"/>
+            <a:chOff x="6972879" y="5803044"/>
+            <a:chExt cx="480160" cy="504074"/>
+          </a:xfrm>
+        </p:grpSpPr>
         <p:sp>
           <p:nvSpPr>
-            <p:cNvPr id="44" name="Explosion 1 43">
+            <p:cNvPr id="20" name="Oval 19">
+              <a:extLst>
+                <a:ext uri="{FF2B5EF4-FFF2-40B4-BE49-F238E27FC236}">
+                  <a16:creationId xmlns="" xmlns:a16="http://schemas.microsoft.com/office/drawing/2014/main" id="{70BEAFAF-D05A-2F43-A7E6-B9229A0A202F}"/>
+                </a:ext>
+              </a:extLst>
+            </p:cNvPr>
+            <p:cNvSpPr/>
+            <p:nvPr/>
+          </p:nvSpPr>
+          <p:spPr>
+            <a:xfrm>
+              <a:off x="6978068" y="5803044"/>
+              <a:ext cx="474971" cy="504074"/>
+            </a:xfrm>
+            <a:prstGeom prst="ellipse">
+              <a:avLst/>
+            </a:prstGeom>
+            <a:gradFill flip="none" rotWithShape="1">
+              <a:gsLst>
+                <a:gs pos="0">
+                  <a:schemeClr val="accent2">
+                    <a:lumMod val="0"/>
+                    <a:lumOff val="100000"/>
+                  </a:schemeClr>
+                </a:gs>
+                <a:gs pos="35000">
+                  <a:schemeClr val="accent2">
+                    <a:lumMod val="0"/>
+                    <a:lumOff val="100000"/>
+                  </a:schemeClr>
+                </a:gs>
+                <a:gs pos="100000">
+                  <a:schemeClr val="accent2">
+                    <a:lumMod val="100000"/>
+                  </a:schemeClr>
+                </a:gs>
+              </a:gsLst>
+              <a:path path="circle">
+                <a:fillToRect l="50000" t="-80000" r="50000" b="180000"/>
+              </a:path>
+              <a:tileRect/>
+            </a:gradFill>
+          </p:spPr>
+          <p:style>
+            <a:lnRef idx="2">
+              <a:schemeClr val="accent1">
+                <a:shade val="50000"/>
+              </a:schemeClr>
+            </a:lnRef>
+            <a:fillRef idx="1">
+              <a:schemeClr val="accent1"/>
+            </a:fillRef>
+            <a:effectRef idx="0">
+              <a:schemeClr val="accent1"/>
+            </a:effectRef>
+            <a:fontRef idx="minor">
+              <a:schemeClr val="lt1"/>
+            </a:fontRef>
+          </p:style>
+          <p:txBody>
+            <a:bodyPr rtlCol="0" anchor="ctr"/>
+            <a:lstStyle/>
+            <a:p>
+              <a:pPr algn="ctr"/>
+              <a:endParaRPr lang="en-US"/>
+            </a:p>
+          </p:txBody>
+        </p:sp>
+        <p:sp>
+          <p:nvSpPr>
+            <p:cNvPr id="21" name="Explosion 1 20">
+              <a:extLst>
+                <a:ext uri="{FF2B5EF4-FFF2-40B4-BE49-F238E27FC236}">
+                  <a16:creationId xmlns="" xmlns:a16="http://schemas.microsoft.com/office/drawing/2014/main" id="{F2C69E3C-57D7-7F4B-BDD1-11E4664B39EB}"/>
+                </a:ext>
+              </a:extLst>
+            </p:cNvPr>
+            <p:cNvSpPr/>
+            <p:nvPr/>
+          </p:nvSpPr>
+          <p:spPr>
+            <a:xfrm flipH="1">
+              <a:off x="6972879" y="5803044"/>
+              <a:ext cx="207670" cy="257022"/>
+            </a:xfrm>
+            <a:prstGeom prst="irregularSeal1">
+              <a:avLst/>
+            </a:prstGeom>
+            <a:solidFill>
+              <a:srgbClr val="FF0000"/>
+            </a:solidFill>
+          </p:spPr>
+          <p:style>
+            <a:lnRef idx="2">
+              <a:schemeClr val="accent1">
+                <a:shade val="50000"/>
+              </a:schemeClr>
+            </a:lnRef>
+            <a:fillRef idx="1">
+              <a:schemeClr val="accent1"/>
+            </a:fillRef>
+            <a:effectRef idx="0">
+              <a:schemeClr val="accent1"/>
+            </a:effectRef>
+            <a:fontRef idx="minor">
+              <a:schemeClr val="lt1"/>
+            </a:fontRef>
+          </p:style>
+          <p:txBody>
+            <a:bodyPr rtlCol="0" anchor="ctr"/>
+            <a:lstStyle/>
+            <a:p>
+              <a:pPr algn="ctr"/>
+              <a:endParaRPr lang="en-US"/>
+            </a:p>
+          </p:txBody>
+        </p:sp>
+        <p:sp>
+          <p:nvSpPr>
+            <p:cNvPr id="22" name="Explosion 1 21">
               <a:extLst>
                 <a:ext uri="{FF2B5EF4-FFF2-40B4-BE49-F238E27FC236}">
                   <a16:creationId xmlns="" xmlns:a16="http://schemas.microsoft.com/office/drawing/2014/main" id="{5D18684F-6348-8C4C-BAC1-AAFCFC1129E2}"/>
@@ -5609,7 +7160,7 @@
           </p:nvSpPr>
           <p:spPr>
             <a:xfrm>
-              <a:off x="3923318" y="2758184"/>
+              <a:off x="6972879" y="6097926"/>
               <a:ext cx="192351" cy="209192"/>
             </a:xfrm>
             <a:prstGeom prst="irregularSeal1">
@@ -5647,418 +7198,50 @@
       </p:grpSp>
       <p:sp>
         <p:nvSpPr>
-          <p:cNvPr id="7" name="TextBox 6"/>
-          <p:cNvSpPr txBox="1"/>
+          <p:cNvPr id="24" name="Explosion 1 23">
+            <a:extLst>
+              <a:ext uri="{FF2B5EF4-FFF2-40B4-BE49-F238E27FC236}">
+                <a16:creationId xmlns="" xmlns:a16="http://schemas.microsoft.com/office/drawing/2014/main" id="{B5D03979-A01B-A14B-A960-416EB6D49898}"/>
+              </a:ext>
+            </a:extLst>
+          </p:cNvPr>
+          <p:cNvSpPr/>
           <p:nvPr/>
         </p:nvSpPr>
         <p:spPr>
-          <a:xfrm>
-            <a:off x="4677943" y="1701015"/>
-            <a:ext cx="2659959" cy="400110"/>
+          <a:xfrm rot="16392256">
+            <a:off x="6942288" y="6074589"/>
+            <a:ext cx="233640" cy="265544"/>
           </a:xfrm>
-          <a:prstGeom prst="rect">
+          <a:prstGeom prst="irregularSeal1">
             <a:avLst/>
           </a:prstGeom>
-          <a:noFill/>
+          <a:ln>
+            <a:solidFill>
+              <a:schemeClr val="tx1"/>
+            </a:solidFill>
+          </a:ln>
         </p:spPr>
+        <p:style>
+          <a:lnRef idx="1">
+            <a:schemeClr val="accent4"/>
+          </a:lnRef>
+          <a:fillRef idx="3">
+            <a:schemeClr val="accent4"/>
+          </a:fillRef>
+          <a:effectRef idx="2">
+            <a:schemeClr val="accent4"/>
+          </a:effectRef>
+          <a:fontRef idx="minor">
+            <a:schemeClr val="lt1"/>
+          </a:fontRef>
+        </p:style>
         <p:txBody>
-          <a:bodyPr wrap="none" rtlCol="0">
-            <a:spAutoFit/>
-          </a:bodyPr>
+          <a:bodyPr rtlCol="0" anchor="ctr"/>
           <a:lstStyle/>
           <a:p>
-            <a:r>
-              <a:rPr lang="en-US" sz="2000" b="1" smtClean="0"/>
-              <a:t>MAGPIX Technology</a:t>
-            </a:r>
-            <a:endParaRPr lang="en-US" sz="2000" b="1"/>
-          </a:p>
-        </p:txBody>
-      </p:sp>
-      <p:sp>
-        <p:nvSpPr>
-          <p:cNvPr id="17" name="TextBox 16"/>
-          <p:cNvSpPr txBox="1"/>
-          <p:nvPr/>
-        </p:nvSpPr>
-        <p:spPr>
-          <a:xfrm>
-            <a:off x="279322" y="4519129"/>
-            <a:ext cx="4152002" cy="2308324"/>
-          </a:xfrm>
-          <a:prstGeom prst="rect">
-            <a:avLst/>
-          </a:prstGeom>
-          <a:noFill/>
-        </p:spPr>
-        <p:txBody>
-          <a:bodyPr wrap="square" rtlCol="0">
-            <a:spAutoFit/>
-          </a:bodyPr>
-          <a:lstStyle/>
-          <a:p>
-            <a:pPr marL="285750" marR="0" lvl="0" indent="-285750" algn="ctr" defTabSz="914400" eaLnBrk="1" fontAlgn="auto" latinLnBrk="0" hangingPunct="1">
-              <a:lnSpc>
-                <a:spcPct val="100000"/>
-              </a:lnSpc>
-              <a:spcBef>
-                <a:spcPts val="0"/>
-              </a:spcBef>
-              <a:spcAft>
-                <a:spcPts val="0"/>
-              </a:spcAft>
-              <a:buClrTx/>
-              <a:buSzTx/>
-              <a:buFont typeface="Arial" charset="0"/>
-              <a:buNone/>
-              <a:tabLst/>
-              <a:defRPr/>
-            </a:pPr>
-            <a:r>
-              <a:rPr lang="en-US" b="1" dirty="0" smtClean="0"/>
-              <a:t>Similarity to an ELISA </a:t>
-            </a:r>
-            <a:r>
-              <a:rPr lang="en-US" dirty="0" smtClean="0"/>
-              <a:t>(Enzyme Linked Immunosorbent Assay)</a:t>
-            </a:r>
-          </a:p>
-          <a:p>
-            <a:pPr marL="342900" marR="0" lvl="0" indent="-342900" defTabSz="914400" eaLnBrk="1" fontAlgn="auto" latinLnBrk="0" hangingPunct="1">
-              <a:lnSpc>
-                <a:spcPct val="100000"/>
-              </a:lnSpc>
-              <a:spcBef>
-                <a:spcPts val="0"/>
-              </a:spcBef>
-              <a:spcAft>
-                <a:spcPts val="0"/>
-              </a:spcAft>
-              <a:buClrTx/>
-              <a:buSzTx/>
-              <a:buFont typeface="+mj-lt"/>
-              <a:buAutoNum type="arabicPeriod"/>
-              <a:tabLst/>
-              <a:defRPr/>
-            </a:pPr>
-            <a:r>
-              <a:rPr lang="en-US" dirty="0" smtClean="0"/>
-              <a:t>Bind one protein per well </a:t>
-            </a:r>
-          </a:p>
-          <a:p>
-            <a:pPr marL="342900" marR="0" lvl="0" indent="-342900" defTabSz="914400" eaLnBrk="1" fontAlgn="auto" latinLnBrk="0" hangingPunct="1">
-              <a:lnSpc>
-                <a:spcPct val="100000"/>
-              </a:lnSpc>
-              <a:spcBef>
-                <a:spcPts val="0"/>
-              </a:spcBef>
-              <a:spcAft>
-                <a:spcPts val="0"/>
-              </a:spcAft>
-              <a:buClrTx/>
-              <a:buSzTx/>
-              <a:buFont typeface="+mj-lt"/>
-              <a:buAutoNum type="arabicPeriod"/>
-              <a:tabLst/>
-              <a:defRPr/>
-            </a:pPr>
-            <a:r>
-              <a:rPr lang="en-US" dirty="0" smtClean="0"/>
-              <a:t>Add primary antibody (patient serum) </a:t>
-            </a:r>
-          </a:p>
-          <a:p>
-            <a:pPr marL="342900" marR="0" lvl="0" indent="-342900" defTabSz="914400" eaLnBrk="1" fontAlgn="auto" latinLnBrk="0" hangingPunct="1">
-              <a:lnSpc>
-                <a:spcPct val="100000"/>
-              </a:lnSpc>
-              <a:spcBef>
-                <a:spcPts val="0"/>
-              </a:spcBef>
-              <a:spcAft>
-                <a:spcPts val="0"/>
-              </a:spcAft>
-              <a:buClrTx/>
-              <a:buSzTx/>
-              <a:buFont typeface="+mj-lt"/>
-              <a:buAutoNum type="arabicPeriod"/>
-              <a:tabLst/>
-              <a:defRPr/>
-            </a:pPr>
-            <a:r>
-              <a:rPr lang="en-US" dirty="0" smtClean="0"/>
-              <a:t>Add secondary antibody bound to HRP (enzyme) for detection</a:t>
-            </a:r>
-          </a:p>
-          <a:p>
-            <a:pPr marR="0" lvl="0" defTabSz="914400" eaLnBrk="1" fontAlgn="auto" latinLnBrk="0" hangingPunct="1">
-              <a:lnSpc>
-                <a:spcPct val="100000"/>
-              </a:lnSpc>
-              <a:spcBef>
-                <a:spcPts val="0"/>
-              </a:spcBef>
-              <a:spcAft>
-                <a:spcPts val="0"/>
-              </a:spcAft>
-              <a:buClrTx/>
-              <a:buSzTx/>
-              <a:tabLst/>
-              <a:defRPr/>
-            </a:pPr>
-            <a:r>
-              <a:rPr lang="en-US" dirty="0" smtClean="0"/>
-              <a:t>Base our result off one antigen per well</a:t>
-            </a:r>
-            <a:endParaRPr lang="en-US" dirty="0" smtClean="0"/>
-          </a:p>
-          <a:p>
-            <a:pPr marL="342900" marR="0" lvl="0" indent="-342900" defTabSz="914400" eaLnBrk="1" fontAlgn="auto" latinLnBrk="0" hangingPunct="1">
-              <a:lnSpc>
-                <a:spcPct val="100000"/>
-              </a:lnSpc>
-              <a:spcBef>
-                <a:spcPts val="0"/>
-              </a:spcBef>
-              <a:spcAft>
-                <a:spcPts val="0"/>
-              </a:spcAft>
-              <a:buClrTx/>
-              <a:buSzTx/>
-              <a:buFont typeface="+mj-lt"/>
-              <a:buAutoNum type="arabicPeriod"/>
-              <a:tabLst/>
-              <a:defRPr/>
-            </a:pPr>
-            <a:endParaRPr lang="en-US" dirty="0"/>
-          </a:p>
-        </p:txBody>
-      </p:sp>
-      <p:pic>
-        <p:nvPicPr>
-          <p:cNvPr id="4" name="Picture 3"/>
-          <p:cNvPicPr>
-            <a:picLocks noChangeAspect="1"/>
-          </p:cNvPicPr>
-          <p:nvPr/>
-        </p:nvPicPr>
-        <p:blipFill>
-          <a:blip r:embed="rId5"/>
-          <a:stretch>
-            <a:fillRect/>
-          </a:stretch>
-        </p:blipFill>
-        <p:spPr>
-          <a:xfrm>
-            <a:off x="279321" y="1896154"/>
-            <a:ext cx="4051300" cy="2006600"/>
-          </a:xfrm>
-          <a:prstGeom prst="rect">
-            <a:avLst/>
-          </a:prstGeom>
-        </p:spPr>
-      </p:pic>
-      <p:sp>
-        <p:nvSpPr>
-          <p:cNvPr id="5" name="TextBox 4"/>
-          <p:cNvSpPr txBox="1"/>
-          <p:nvPr/>
-        </p:nvSpPr>
-        <p:spPr>
-          <a:xfrm>
-            <a:off x="4379613" y="2156168"/>
-            <a:ext cx="4421830" cy="4801314"/>
-          </a:xfrm>
-          <a:prstGeom prst="rect">
-            <a:avLst/>
-          </a:prstGeom>
-          <a:noFill/>
-        </p:spPr>
-        <p:txBody>
-          <a:bodyPr wrap="square" rtlCol="0">
-            <a:spAutoFit/>
-          </a:bodyPr>
-          <a:lstStyle/>
-          <a:p>
-            <a:pPr marL="285750" marR="0" lvl="0" indent="-285750" defTabSz="914400" eaLnBrk="1" fontAlgn="auto" latinLnBrk="0" hangingPunct="1">
-              <a:lnSpc>
-                <a:spcPct val="100000"/>
-              </a:lnSpc>
-              <a:spcBef>
-                <a:spcPts val="0"/>
-              </a:spcBef>
-              <a:spcAft>
-                <a:spcPts val="0"/>
-              </a:spcAft>
-              <a:buClrTx/>
-              <a:buSzTx/>
-              <a:buFont typeface="Arial" charset="0"/>
-              <a:buChar char="•"/>
-              <a:tabLst/>
-              <a:defRPr/>
-            </a:pPr>
-            <a:r>
-              <a:rPr lang="en-US" dirty="0" smtClean="0"/>
-              <a:t>Indirectly detecting pathogen in </a:t>
-            </a:r>
-          </a:p>
-          <a:p>
-            <a:pPr marL="285750" marR="0" lvl="0" indent="-285750" defTabSz="914400" eaLnBrk="1" fontAlgn="auto" latinLnBrk="0" hangingPunct="1">
-              <a:lnSpc>
-                <a:spcPct val="100000"/>
-              </a:lnSpc>
-              <a:spcBef>
-                <a:spcPts val="0"/>
-              </a:spcBef>
-              <a:spcAft>
-                <a:spcPts val="0"/>
-              </a:spcAft>
-              <a:buClrTx/>
-              <a:buSzTx/>
-              <a:buFont typeface="Arial" charset="0"/>
-              <a:buNone/>
-              <a:tabLst/>
-              <a:defRPr/>
-            </a:pPr>
-            <a:r>
-              <a:rPr lang="en-US" dirty="0" smtClean="0"/>
-              <a:t>A host through hosts antibody response</a:t>
-            </a:r>
-          </a:p>
-          <a:p>
-            <a:pPr marL="342900" marR="0" lvl="0" indent="-342900" defTabSz="914400" eaLnBrk="1" fontAlgn="auto" latinLnBrk="0" hangingPunct="1">
-              <a:lnSpc>
-                <a:spcPct val="100000"/>
-              </a:lnSpc>
-              <a:spcBef>
-                <a:spcPts val="0"/>
-              </a:spcBef>
-              <a:spcAft>
-                <a:spcPts val="0"/>
-              </a:spcAft>
-              <a:buClrTx/>
-              <a:buSzTx/>
-              <a:buFont typeface="+mj-lt"/>
-              <a:buAutoNum type="arabicPeriod"/>
-              <a:tabLst/>
-              <a:defRPr/>
-            </a:pPr>
-            <a:r>
-              <a:rPr lang="en-US" dirty="0" smtClean="0"/>
-              <a:t>Bind protein to a bead </a:t>
-            </a:r>
-          </a:p>
-          <a:p>
-            <a:pPr marL="800100" lvl="1" indent="-342900" defTabSz="914400">
-              <a:buFont typeface="+mj-lt"/>
-              <a:buAutoNum type="arabicPeriod"/>
-            </a:pPr>
-            <a:r>
-              <a:rPr lang="en-US" dirty="0" smtClean="0"/>
-              <a:t>Bead contains unique red &amp; green fluorophores</a:t>
-            </a:r>
-          </a:p>
-          <a:p>
-            <a:pPr marL="800100" lvl="1" indent="-342900" defTabSz="914400">
-              <a:buFont typeface="+mj-lt"/>
-              <a:buAutoNum type="arabicPeriod"/>
-            </a:pPr>
-            <a:r>
-              <a:rPr lang="en-US" dirty="0" smtClean="0"/>
-              <a:t>Up to 50 bead regions</a:t>
-            </a:r>
-          </a:p>
-          <a:p>
-            <a:pPr marL="342900" indent="-342900" defTabSz="914400">
-              <a:buFont typeface="+mj-lt"/>
-              <a:buAutoNum type="arabicPeriod"/>
-            </a:pPr>
-            <a:r>
-              <a:rPr lang="en-US" dirty="0" smtClean="0"/>
-              <a:t>Bind different proteins to different bead regions</a:t>
-            </a:r>
-          </a:p>
-          <a:p>
-            <a:pPr marL="342900" indent="-342900" defTabSz="914400">
-              <a:buFont typeface="+mj-lt"/>
-              <a:buAutoNum type="arabicPeriod"/>
-            </a:pPr>
-            <a:r>
-              <a:rPr lang="en-US" dirty="0" smtClean="0"/>
-              <a:t>Mix up all the beads and put into one well</a:t>
-            </a:r>
-          </a:p>
-          <a:p>
-            <a:pPr marL="342900" indent="-342900" defTabSz="914400">
-              <a:buFont typeface="+mj-lt"/>
-              <a:buAutoNum type="arabicPeriod"/>
-            </a:pPr>
-            <a:r>
-              <a:rPr lang="en-US" dirty="0" smtClean="0"/>
-              <a:t>Add primary antibody (patient serum) to well</a:t>
-            </a:r>
-          </a:p>
-          <a:p>
-            <a:pPr marL="342900" indent="-342900" defTabSz="914400">
-              <a:buFont typeface="+mj-lt"/>
-              <a:buAutoNum type="arabicPeriod"/>
-            </a:pPr>
-            <a:r>
-              <a:rPr lang="en-US" dirty="0" smtClean="0"/>
-              <a:t>Add detection antibody bound to biotin for detection</a:t>
-            </a:r>
-          </a:p>
-          <a:p>
-            <a:pPr marL="342900" indent="-342900" defTabSz="914400">
-              <a:buFont typeface="Arial" charset="0"/>
-              <a:buChar char="•"/>
-            </a:pPr>
-            <a:r>
-              <a:rPr lang="en-US" dirty="0" smtClean="0"/>
-              <a:t>Measurements</a:t>
-            </a:r>
-          </a:p>
-          <a:p>
-            <a:pPr marL="800100" lvl="1" indent="-342900" defTabSz="914400">
-              <a:buFont typeface="Arial" charset="0"/>
-              <a:buChar char="•"/>
-            </a:pPr>
-            <a:r>
-              <a:rPr lang="en-US" dirty="0" smtClean="0"/>
-              <a:t>Presence: Count</a:t>
-            </a:r>
-          </a:p>
-          <a:p>
-            <a:pPr marL="800100" lvl="1" indent="-342900" defTabSz="914400">
-              <a:buFont typeface="Arial" charset="0"/>
-              <a:buChar char="•"/>
-            </a:pPr>
-            <a:r>
-              <a:rPr lang="en-US" dirty="0" smtClean="0"/>
-              <a:t>Intensity: Median</a:t>
-            </a:r>
-          </a:p>
-          <a:p>
-            <a:pPr marL="342900" marR="0" lvl="0" indent="-342900" defTabSz="914400" eaLnBrk="1" fontAlgn="auto" latinLnBrk="0" hangingPunct="1">
-              <a:lnSpc>
-                <a:spcPct val="100000"/>
-              </a:lnSpc>
-              <a:spcBef>
-                <a:spcPts val="0"/>
-              </a:spcBef>
-              <a:spcAft>
-                <a:spcPts val="0"/>
-              </a:spcAft>
-              <a:buClrTx/>
-              <a:buSzTx/>
-              <a:buFont typeface="+mj-lt"/>
-              <a:buAutoNum type="arabicPeriod"/>
-              <a:tabLst/>
-              <a:defRPr/>
-            </a:pPr>
-            <a:endParaRPr lang="en-US" dirty="0"/>
+            <a:pPr algn="ctr"/>
+            <a:endParaRPr lang="en-US"/>
           </a:p>
         </p:txBody>
       </p:sp>
@@ -6075,9 +7258,2242 @@
   <p:timing>
     <p:tnLst>
       <p:par>
-        <p:cTn id="1" dur="indefinite" restart="never" nodeType="tmRoot"/>
+        <p:cTn id="1" dur="indefinite" restart="never" nodeType="tmRoot">
+          <p:childTnLst>
+            <p:seq concurrent="1" nextAc="seek">
+              <p:cTn id="2" dur="indefinite" nodeType="mainSeq">
+                <p:childTnLst>
+                  <p:par>
+                    <p:cTn id="3" fill="hold">
+                      <p:stCondLst>
+                        <p:cond delay="indefinite"/>
+                      </p:stCondLst>
+                      <p:childTnLst>
+                        <p:par>
+                          <p:cTn id="4" fill="hold">
+                            <p:stCondLst>
+                              <p:cond delay="0"/>
+                            </p:stCondLst>
+                            <p:childTnLst>
+                              <p:par>
+                                <p:cTn id="5" presetID="42" presetClass="entr" presetSubtype="0" fill="hold" grpId="0" nodeType="clickEffect">
+                                  <p:stCondLst>
+                                    <p:cond delay="0"/>
+                                  </p:stCondLst>
+                                  <p:childTnLst>
+                                    <p:set>
+                                      <p:cBhvr>
+                                        <p:cTn id="6" dur="1" fill="hold">
+                                          <p:stCondLst>
+                                            <p:cond delay="0"/>
+                                          </p:stCondLst>
+                                        </p:cTn>
+                                        <p:tgtEl>
+                                          <p:spTgt spid="3">
+                                            <p:txEl>
+                                              <p:pRg st="0" end="0"/>
+                                            </p:txEl>
+                                          </p:spTgt>
+                                        </p:tgtEl>
+                                        <p:attrNameLst>
+                                          <p:attrName>style.visibility</p:attrName>
+                                        </p:attrNameLst>
+                                      </p:cBhvr>
+                                      <p:to>
+                                        <p:strVal val="visible"/>
+                                      </p:to>
+                                    </p:set>
+                                    <p:animEffect transition="in" filter="fade">
+                                      <p:cBhvr>
+                                        <p:cTn id="7" dur="1000"/>
+                                        <p:tgtEl>
+                                          <p:spTgt spid="3">
+                                            <p:txEl>
+                                              <p:pRg st="0" end="0"/>
+                                            </p:txEl>
+                                          </p:spTgt>
+                                        </p:tgtEl>
+                                      </p:cBhvr>
+                                    </p:animEffect>
+                                    <p:anim calcmode="lin" valueType="num">
+                                      <p:cBhvr>
+                                        <p:cTn id="8" dur="1000" fill="hold"/>
+                                        <p:tgtEl>
+                                          <p:spTgt spid="3">
+                                            <p:txEl>
+                                              <p:pRg st="0" end="0"/>
+                                            </p:txEl>
+                                          </p:spTgt>
+                                        </p:tgtEl>
+                                        <p:attrNameLst>
+                                          <p:attrName>ppt_x</p:attrName>
+                                        </p:attrNameLst>
+                                      </p:cBhvr>
+                                      <p:tavLst>
+                                        <p:tav tm="0">
+                                          <p:val>
+                                            <p:strVal val="#ppt_x"/>
+                                          </p:val>
+                                        </p:tav>
+                                        <p:tav tm="100000">
+                                          <p:val>
+                                            <p:strVal val="#ppt_x"/>
+                                          </p:val>
+                                        </p:tav>
+                                      </p:tavLst>
+                                    </p:anim>
+                                    <p:anim calcmode="lin" valueType="num">
+                                      <p:cBhvr>
+                                        <p:cTn id="9" dur="1000" fill="hold"/>
+                                        <p:tgtEl>
+                                          <p:spTgt spid="3">
+                                            <p:txEl>
+                                              <p:pRg st="0" end="0"/>
+                                            </p:txEl>
+                                          </p:spTgt>
+                                        </p:tgtEl>
+                                        <p:attrNameLst>
+                                          <p:attrName>ppt_y</p:attrName>
+                                        </p:attrNameLst>
+                                      </p:cBhvr>
+                                      <p:tavLst>
+                                        <p:tav tm="0">
+                                          <p:val>
+                                            <p:strVal val="#ppt_y+.1"/>
+                                          </p:val>
+                                        </p:tav>
+                                        <p:tav tm="100000">
+                                          <p:val>
+                                            <p:strVal val="#ppt_y"/>
+                                          </p:val>
+                                        </p:tav>
+                                      </p:tavLst>
+                                    </p:anim>
+                                  </p:childTnLst>
+                                </p:cTn>
+                              </p:par>
+                            </p:childTnLst>
+                          </p:cTn>
+                        </p:par>
+                      </p:childTnLst>
+                    </p:cTn>
+                  </p:par>
+                  <p:par>
+                    <p:cTn id="10" fill="hold">
+                      <p:stCondLst>
+                        <p:cond delay="indefinite"/>
+                      </p:stCondLst>
+                      <p:childTnLst>
+                        <p:par>
+                          <p:cTn id="11" fill="hold">
+                            <p:stCondLst>
+                              <p:cond delay="0"/>
+                            </p:stCondLst>
+                            <p:childTnLst>
+                              <p:par>
+                                <p:cTn id="12" presetID="42" presetClass="entr" presetSubtype="0" fill="hold" grpId="0" nodeType="clickEffect">
+                                  <p:stCondLst>
+                                    <p:cond delay="0"/>
+                                  </p:stCondLst>
+                                  <p:childTnLst>
+                                    <p:set>
+                                      <p:cBhvr>
+                                        <p:cTn id="13" dur="1" fill="hold">
+                                          <p:stCondLst>
+                                            <p:cond delay="0"/>
+                                          </p:stCondLst>
+                                        </p:cTn>
+                                        <p:tgtEl>
+                                          <p:spTgt spid="7"/>
+                                        </p:tgtEl>
+                                        <p:attrNameLst>
+                                          <p:attrName>style.visibility</p:attrName>
+                                        </p:attrNameLst>
+                                      </p:cBhvr>
+                                      <p:to>
+                                        <p:strVal val="visible"/>
+                                      </p:to>
+                                    </p:set>
+                                    <p:animEffect transition="in" filter="fade">
+                                      <p:cBhvr>
+                                        <p:cTn id="14" dur="1000"/>
+                                        <p:tgtEl>
+                                          <p:spTgt spid="7"/>
+                                        </p:tgtEl>
+                                      </p:cBhvr>
+                                    </p:animEffect>
+                                    <p:anim calcmode="lin" valueType="num">
+                                      <p:cBhvr>
+                                        <p:cTn id="15" dur="1000" fill="hold"/>
+                                        <p:tgtEl>
+                                          <p:spTgt spid="7"/>
+                                        </p:tgtEl>
+                                        <p:attrNameLst>
+                                          <p:attrName>ppt_x</p:attrName>
+                                        </p:attrNameLst>
+                                      </p:cBhvr>
+                                      <p:tavLst>
+                                        <p:tav tm="0">
+                                          <p:val>
+                                            <p:strVal val="#ppt_x"/>
+                                          </p:val>
+                                        </p:tav>
+                                        <p:tav tm="100000">
+                                          <p:val>
+                                            <p:strVal val="#ppt_x"/>
+                                          </p:val>
+                                        </p:tav>
+                                      </p:tavLst>
+                                    </p:anim>
+                                    <p:anim calcmode="lin" valueType="num">
+                                      <p:cBhvr>
+                                        <p:cTn id="16" dur="1000" fill="hold"/>
+                                        <p:tgtEl>
+                                          <p:spTgt spid="7"/>
+                                        </p:tgtEl>
+                                        <p:attrNameLst>
+                                          <p:attrName>ppt_y</p:attrName>
+                                        </p:attrNameLst>
+                                      </p:cBhvr>
+                                      <p:tavLst>
+                                        <p:tav tm="0">
+                                          <p:val>
+                                            <p:strVal val="#ppt_y+.1"/>
+                                          </p:val>
+                                        </p:tav>
+                                        <p:tav tm="100000">
+                                          <p:val>
+                                            <p:strVal val="#ppt_y"/>
+                                          </p:val>
+                                        </p:tav>
+                                      </p:tavLst>
+                                    </p:anim>
+                                  </p:childTnLst>
+                                </p:cTn>
+                              </p:par>
+                            </p:childTnLst>
+                          </p:cTn>
+                        </p:par>
+                      </p:childTnLst>
+                    </p:cTn>
+                  </p:par>
+                  <p:par>
+                    <p:cTn id="17" fill="hold">
+                      <p:stCondLst>
+                        <p:cond delay="indefinite"/>
+                      </p:stCondLst>
+                      <p:childTnLst>
+                        <p:par>
+                          <p:cTn id="18" fill="hold">
+                            <p:stCondLst>
+                              <p:cond delay="0"/>
+                            </p:stCondLst>
+                            <p:childTnLst>
+                              <p:par>
+                                <p:cTn id="19" presetID="42" presetClass="entr" presetSubtype="0" fill="hold" nodeType="clickEffect">
+                                  <p:stCondLst>
+                                    <p:cond delay="0"/>
+                                  </p:stCondLst>
+                                  <p:childTnLst>
+                                    <p:set>
+                                      <p:cBhvr>
+                                        <p:cTn id="20" dur="1" fill="hold">
+                                          <p:stCondLst>
+                                            <p:cond delay="0"/>
+                                          </p:stCondLst>
+                                        </p:cTn>
+                                        <p:tgtEl>
+                                          <p:spTgt spid="5">
+                                            <p:txEl>
+                                              <p:pRg st="0" end="0"/>
+                                            </p:txEl>
+                                          </p:spTgt>
+                                        </p:tgtEl>
+                                        <p:attrNameLst>
+                                          <p:attrName>style.visibility</p:attrName>
+                                        </p:attrNameLst>
+                                      </p:cBhvr>
+                                      <p:to>
+                                        <p:strVal val="visible"/>
+                                      </p:to>
+                                    </p:set>
+                                    <p:animEffect transition="in" filter="fade">
+                                      <p:cBhvr>
+                                        <p:cTn id="21" dur="1000"/>
+                                        <p:tgtEl>
+                                          <p:spTgt spid="5">
+                                            <p:txEl>
+                                              <p:pRg st="0" end="0"/>
+                                            </p:txEl>
+                                          </p:spTgt>
+                                        </p:tgtEl>
+                                      </p:cBhvr>
+                                    </p:animEffect>
+                                    <p:anim calcmode="lin" valueType="num">
+                                      <p:cBhvr>
+                                        <p:cTn id="22" dur="1000" fill="hold"/>
+                                        <p:tgtEl>
+                                          <p:spTgt spid="5">
+                                            <p:txEl>
+                                              <p:pRg st="0" end="0"/>
+                                            </p:txEl>
+                                          </p:spTgt>
+                                        </p:tgtEl>
+                                        <p:attrNameLst>
+                                          <p:attrName>ppt_x</p:attrName>
+                                        </p:attrNameLst>
+                                      </p:cBhvr>
+                                      <p:tavLst>
+                                        <p:tav tm="0">
+                                          <p:val>
+                                            <p:strVal val="#ppt_x"/>
+                                          </p:val>
+                                        </p:tav>
+                                        <p:tav tm="100000">
+                                          <p:val>
+                                            <p:strVal val="#ppt_x"/>
+                                          </p:val>
+                                        </p:tav>
+                                      </p:tavLst>
+                                    </p:anim>
+                                    <p:anim calcmode="lin" valueType="num">
+                                      <p:cBhvr>
+                                        <p:cTn id="23" dur="1000" fill="hold"/>
+                                        <p:tgtEl>
+                                          <p:spTgt spid="5">
+                                            <p:txEl>
+                                              <p:pRg st="0" end="0"/>
+                                            </p:txEl>
+                                          </p:spTgt>
+                                        </p:tgtEl>
+                                        <p:attrNameLst>
+                                          <p:attrName>ppt_y</p:attrName>
+                                        </p:attrNameLst>
+                                      </p:cBhvr>
+                                      <p:tavLst>
+                                        <p:tav tm="0">
+                                          <p:val>
+                                            <p:strVal val="#ppt_y+.1"/>
+                                          </p:val>
+                                        </p:tav>
+                                        <p:tav tm="100000">
+                                          <p:val>
+                                            <p:strVal val="#ppt_y"/>
+                                          </p:val>
+                                        </p:tav>
+                                      </p:tavLst>
+                                    </p:anim>
+                                  </p:childTnLst>
+                                </p:cTn>
+                              </p:par>
+                              <p:par>
+                                <p:cTn id="24" presetID="42" presetClass="entr" presetSubtype="0" fill="hold" nodeType="withEffect">
+                                  <p:stCondLst>
+                                    <p:cond delay="0"/>
+                                  </p:stCondLst>
+                                  <p:childTnLst>
+                                    <p:set>
+                                      <p:cBhvr>
+                                        <p:cTn id="25" dur="1" fill="hold">
+                                          <p:stCondLst>
+                                            <p:cond delay="0"/>
+                                          </p:stCondLst>
+                                        </p:cTn>
+                                        <p:tgtEl>
+                                          <p:spTgt spid="5">
+                                            <p:txEl>
+                                              <p:pRg st="1" end="1"/>
+                                            </p:txEl>
+                                          </p:spTgt>
+                                        </p:tgtEl>
+                                        <p:attrNameLst>
+                                          <p:attrName>style.visibility</p:attrName>
+                                        </p:attrNameLst>
+                                      </p:cBhvr>
+                                      <p:to>
+                                        <p:strVal val="visible"/>
+                                      </p:to>
+                                    </p:set>
+                                    <p:animEffect transition="in" filter="fade">
+                                      <p:cBhvr>
+                                        <p:cTn id="26" dur="1000"/>
+                                        <p:tgtEl>
+                                          <p:spTgt spid="5">
+                                            <p:txEl>
+                                              <p:pRg st="1" end="1"/>
+                                            </p:txEl>
+                                          </p:spTgt>
+                                        </p:tgtEl>
+                                      </p:cBhvr>
+                                    </p:animEffect>
+                                    <p:anim calcmode="lin" valueType="num">
+                                      <p:cBhvr>
+                                        <p:cTn id="27" dur="1000" fill="hold"/>
+                                        <p:tgtEl>
+                                          <p:spTgt spid="5">
+                                            <p:txEl>
+                                              <p:pRg st="1" end="1"/>
+                                            </p:txEl>
+                                          </p:spTgt>
+                                        </p:tgtEl>
+                                        <p:attrNameLst>
+                                          <p:attrName>ppt_x</p:attrName>
+                                        </p:attrNameLst>
+                                      </p:cBhvr>
+                                      <p:tavLst>
+                                        <p:tav tm="0">
+                                          <p:val>
+                                            <p:strVal val="#ppt_x"/>
+                                          </p:val>
+                                        </p:tav>
+                                        <p:tav tm="100000">
+                                          <p:val>
+                                            <p:strVal val="#ppt_x"/>
+                                          </p:val>
+                                        </p:tav>
+                                      </p:tavLst>
+                                    </p:anim>
+                                    <p:anim calcmode="lin" valueType="num">
+                                      <p:cBhvr>
+                                        <p:cTn id="28" dur="1000" fill="hold"/>
+                                        <p:tgtEl>
+                                          <p:spTgt spid="5">
+                                            <p:txEl>
+                                              <p:pRg st="1" end="1"/>
+                                            </p:txEl>
+                                          </p:spTgt>
+                                        </p:tgtEl>
+                                        <p:attrNameLst>
+                                          <p:attrName>ppt_y</p:attrName>
+                                        </p:attrNameLst>
+                                      </p:cBhvr>
+                                      <p:tavLst>
+                                        <p:tav tm="0">
+                                          <p:val>
+                                            <p:strVal val="#ppt_y+.1"/>
+                                          </p:val>
+                                        </p:tav>
+                                        <p:tav tm="100000">
+                                          <p:val>
+                                            <p:strVal val="#ppt_y"/>
+                                          </p:val>
+                                        </p:tav>
+                                      </p:tavLst>
+                                    </p:anim>
+                                  </p:childTnLst>
+                                </p:cTn>
+                              </p:par>
+                            </p:childTnLst>
+                          </p:cTn>
+                        </p:par>
+                      </p:childTnLst>
+                    </p:cTn>
+                  </p:par>
+                  <p:par>
+                    <p:cTn id="29" fill="hold">
+                      <p:stCondLst>
+                        <p:cond delay="indefinite"/>
+                      </p:stCondLst>
+                      <p:childTnLst>
+                        <p:par>
+                          <p:cTn id="30" fill="hold">
+                            <p:stCondLst>
+                              <p:cond delay="0"/>
+                            </p:stCondLst>
+                            <p:childTnLst>
+                              <p:par>
+                                <p:cTn id="31" presetID="42" presetClass="entr" presetSubtype="0" fill="hold" nodeType="clickEffect">
+                                  <p:stCondLst>
+                                    <p:cond delay="0"/>
+                                  </p:stCondLst>
+                                  <p:childTnLst>
+                                    <p:set>
+                                      <p:cBhvr>
+                                        <p:cTn id="32" dur="1" fill="hold">
+                                          <p:stCondLst>
+                                            <p:cond delay="0"/>
+                                          </p:stCondLst>
+                                        </p:cTn>
+                                        <p:tgtEl>
+                                          <p:spTgt spid="17">
+                                            <p:txEl>
+                                              <p:pRg st="0" end="0"/>
+                                            </p:txEl>
+                                          </p:spTgt>
+                                        </p:tgtEl>
+                                        <p:attrNameLst>
+                                          <p:attrName>style.visibility</p:attrName>
+                                        </p:attrNameLst>
+                                      </p:cBhvr>
+                                      <p:to>
+                                        <p:strVal val="visible"/>
+                                      </p:to>
+                                    </p:set>
+                                    <p:animEffect transition="in" filter="fade">
+                                      <p:cBhvr>
+                                        <p:cTn id="33" dur="1000"/>
+                                        <p:tgtEl>
+                                          <p:spTgt spid="17">
+                                            <p:txEl>
+                                              <p:pRg st="0" end="0"/>
+                                            </p:txEl>
+                                          </p:spTgt>
+                                        </p:tgtEl>
+                                      </p:cBhvr>
+                                    </p:animEffect>
+                                    <p:anim calcmode="lin" valueType="num">
+                                      <p:cBhvr>
+                                        <p:cTn id="34" dur="1000" fill="hold"/>
+                                        <p:tgtEl>
+                                          <p:spTgt spid="17">
+                                            <p:txEl>
+                                              <p:pRg st="0" end="0"/>
+                                            </p:txEl>
+                                          </p:spTgt>
+                                        </p:tgtEl>
+                                        <p:attrNameLst>
+                                          <p:attrName>ppt_x</p:attrName>
+                                        </p:attrNameLst>
+                                      </p:cBhvr>
+                                      <p:tavLst>
+                                        <p:tav tm="0">
+                                          <p:val>
+                                            <p:strVal val="#ppt_x"/>
+                                          </p:val>
+                                        </p:tav>
+                                        <p:tav tm="100000">
+                                          <p:val>
+                                            <p:strVal val="#ppt_x"/>
+                                          </p:val>
+                                        </p:tav>
+                                      </p:tavLst>
+                                    </p:anim>
+                                    <p:anim calcmode="lin" valueType="num">
+                                      <p:cBhvr>
+                                        <p:cTn id="35" dur="1000" fill="hold"/>
+                                        <p:tgtEl>
+                                          <p:spTgt spid="17">
+                                            <p:txEl>
+                                              <p:pRg st="0" end="0"/>
+                                            </p:txEl>
+                                          </p:spTgt>
+                                        </p:tgtEl>
+                                        <p:attrNameLst>
+                                          <p:attrName>ppt_y</p:attrName>
+                                        </p:attrNameLst>
+                                      </p:cBhvr>
+                                      <p:tavLst>
+                                        <p:tav tm="0">
+                                          <p:val>
+                                            <p:strVal val="#ppt_y+.1"/>
+                                          </p:val>
+                                        </p:tav>
+                                        <p:tav tm="100000">
+                                          <p:val>
+                                            <p:strVal val="#ppt_y"/>
+                                          </p:val>
+                                        </p:tav>
+                                      </p:tavLst>
+                                    </p:anim>
+                                  </p:childTnLst>
+                                </p:cTn>
+                              </p:par>
+                            </p:childTnLst>
+                          </p:cTn>
+                        </p:par>
+                      </p:childTnLst>
+                    </p:cTn>
+                  </p:par>
+                  <p:par>
+                    <p:cTn id="36" fill="hold">
+                      <p:stCondLst>
+                        <p:cond delay="indefinite"/>
+                      </p:stCondLst>
+                      <p:childTnLst>
+                        <p:par>
+                          <p:cTn id="37" fill="hold">
+                            <p:stCondLst>
+                              <p:cond delay="0"/>
+                            </p:stCondLst>
+                            <p:childTnLst>
+                              <p:par>
+                                <p:cTn id="38" presetID="42" presetClass="entr" presetSubtype="0" fill="hold" nodeType="clickEffect">
+                                  <p:stCondLst>
+                                    <p:cond delay="0"/>
+                                  </p:stCondLst>
+                                  <p:childTnLst>
+                                    <p:set>
+                                      <p:cBhvr>
+                                        <p:cTn id="39" dur="1" fill="hold">
+                                          <p:stCondLst>
+                                            <p:cond delay="0"/>
+                                          </p:stCondLst>
+                                        </p:cTn>
+                                        <p:tgtEl>
+                                          <p:spTgt spid="17">
+                                            <p:txEl>
+                                              <p:pRg st="1" end="1"/>
+                                            </p:txEl>
+                                          </p:spTgt>
+                                        </p:tgtEl>
+                                        <p:attrNameLst>
+                                          <p:attrName>style.visibility</p:attrName>
+                                        </p:attrNameLst>
+                                      </p:cBhvr>
+                                      <p:to>
+                                        <p:strVal val="visible"/>
+                                      </p:to>
+                                    </p:set>
+                                    <p:animEffect transition="in" filter="fade">
+                                      <p:cBhvr>
+                                        <p:cTn id="40" dur="1000"/>
+                                        <p:tgtEl>
+                                          <p:spTgt spid="17">
+                                            <p:txEl>
+                                              <p:pRg st="1" end="1"/>
+                                            </p:txEl>
+                                          </p:spTgt>
+                                        </p:tgtEl>
+                                      </p:cBhvr>
+                                    </p:animEffect>
+                                    <p:anim calcmode="lin" valueType="num">
+                                      <p:cBhvr>
+                                        <p:cTn id="41" dur="1000" fill="hold"/>
+                                        <p:tgtEl>
+                                          <p:spTgt spid="17">
+                                            <p:txEl>
+                                              <p:pRg st="1" end="1"/>
+                                            </p:txEl>
+                                          </p:spTgt>
+                                        </p:tgtEl>
+                                        <p:attrNameLst>
+                                          <p:attrName>ppt_x</p:attrName>
+                                        </p:attrNameLst>
+                                      </p:cBhvr>
+                                      <p:tavLst>
+                                        <p:tav tm="0">
+                                          <p:val>
+                                            <p:strVal val="#ppt_x"/>
+                                          </p:val>
+                                        </p:tav>
+                                        <p:tav tm="100000">
+                                          <p:val>
+                                            <p:strVal val="#ppt_x"/>
+                                          </p:val>
+                                        </p:tav>
+                                      </p:tavLst>
+                                    </p:anim>
+                                    <p:anim calcmode="lin" valueType="num">
+                                      <p:cBhvr>
+                                        <p:cTn id="42" dur="1000" fill="hold"/>
+                                        <p:tgtEl>
+                                          <p:spTgt spid="17">
+                                            <p:txEl>
+                                              <p:pRg st="1" end="1"/>
+                                            </p:txEl>
+                                          </p:spTgt>
+                                        </p:tgtEl>
+                                        <p:attrNameLst>
+                                          <p:attrName>ppt_y</p:attrName>
+                                        </p:attrNameLst>
+                                      </p:cBhvr>
+                                      <p:tavLst>
+                                        <p:tav tm="0">
+                                          <p:val>
+                                            <p:strVal val="#ppt_y+.1"/>
+                                          </p:val>
+                                        </p:tav>
+                                        <p:tav tm="100000">
+                                          <p:val>
+                                            <p:strVal val="#ppt_y"/>
+                                          </p:val>
+                                        </p:tav>
+                                      </p:tavLst>
+                                    </p:anim>
+                                  </p:childTnLst>
+                                </p:cTn>
+                              </p:par>
+                              <p:par>
+                                <p:cTn id="43" presetID="42" presetClass="entr" presetSubtype="0" fill="hold" nodeType="withEffect">
+                                  <p:stCondLst>
+                                    <p:cond delay="0"/>
+                                  </p:stCondLst>
+                                  <p:childTnLst>
+                                    <p:set>
+                                      <p:cBhvr>
+                                        <p:cTn id="44" dur="1" fill="hold">
+                                          <p:stCondLst>
+                                            <p:cond delay="0"/>
+                                          </p:stCondLst>
+                                        </p:cTn>
+                                        <p:tgtEl>
+                                          <p:spTgt spid="17">
+                                            <p:txEl>
+                                              <p:pRg st="2" end="2"/>
+                                            </p:txEl>
+                                          </p:spTgt>
+                                        </p:tgtEl>
+                                        <p:attrNameLst>
+                                          <p:attrName>style.visibility</p:attrName>
+                                        </p:attrNameLst>
+                                      </p:cBhvr>
+                                      <p:to>
+                                        <p:strVal val="visible"/>
+                                      </p:to>
+                                    </p:set>
+                                    <p:animEffect transition="in" filter="fade">
+                                      <p:cBhvr>
+                                        <p:cTn id="45" dur="1000"/>
+                                        <p:tgtEl>
+                                          <p:spTgt spid="17">
+                                            <p:txEl>
+                                              <p:pRg st="2" end="2"/>
+                                            </p:txEl>
+                                          </p:spTgt>
+                                        </p:tgtEl>
+                                      </p:cBhvr>
+                                    </p:animEffect>
+                                    <p:anim calcmode="lin" valueType="num">
+                                      <p:cBhvr>
+                                        <p:cTn id="46" dur="1000" fill="hold"/>
+                                        <p:tgtEl>
+                                          <p:spTgt spid="17">
+                                            <p:txEl>
+                                              <p:pRg st="2" end="2"/>
+                                            </p:txEl>
+                                          </p:spTgt>
+                                        </p:tgtEl>
+                                        <p:attrNameLst>
+                                          <p:attrName>ppt_x</p:attrName>
+                                        </p:attrNameLst>
+                                      </p:cBhvr>
+                                      <p:tavLst>
+                                        <p:tav tm="0">
+                                          <p:val>
+                                            <p:strVal val="#ppt_x"/>
+                                          </p:val>
+                                        </p:tav>
+                                        <p:tav tm="100000">
+                                          <p:val>
+                                            <p:strVal val="#ppt_x"/>
+                                          </p:val>
+                                        </p:tav>
+                                      </p:tavLst>
+                                    </p:anim>
+                                    <p:anim calcmode="lin" valueType="num">
+                                      <p:cBhvr>
+                                        <p:cTn id="47" dur="1000" fill="hold"/>
+                                        <p:tgtEl>
+                                          <p:spTgt spid="17">
+                                            <p:txEl>
+                                              <p:pRg st="2" end="2"/>
+                                            </p:txEl>
+                                          </p:spTgt>
+                                        </p:tgtEl>
+                                        <p:attrNameLst>
+                                          <p:attrName>ppt_y</p:attrName>
+                                        </p:attrNameLst>
+                                      </p:cBhvr>
+                                      <p:tavLst>
+                                        <p:tav tm="0">
+                                          <p:val>
+                                            <p:strVal val="#ppt_y+.1"/>
+                                          </p:val>
+                                        </p:tav>
+                                        <p:tav tm="100000">
+                                          <p:val>
+                                            <p:strVal val="#ppt_y"/>
+                                          </p:val>
+                                        </p:tav>
+                                      </p:tavLst>
+                                    </p:anim>
+                                  </p:childTnLst>
+                                </p:cTn>
+                              </p:par>
+                              <p:par>
+                                <p:cTn id="48" presetID="42" presetClass="entr" presetSubtype="0" fill="hold" nodeType="withEffect">
+                                  <p:stCondLst>
+                                    <p:cond delay="0"/>
+                                  </p:stCondLst>
+                                  <p:childTnLst>
+                                    <p:set>
+                                      <p:cBhvr>
+                                        <p:cTn id="49" dur="1" fill="hold">
+                                          <p:stCondLst>
+                                            <p:cond delay="0"/>
+                                          </p:stCondLst>
+                                        </p:cTn>
+                                        <p:tgtEl>
+                                          <p:spTgt spid="17">
+                                            <p:txEl>
+                                              <p:pRg st="3" end="3"/>
+                                            </p:txEl>
+                                          </p:spTgt>
+                                        </p:tgtEl>
+                                        <p:attrNameLst>
+                                          <p:attrName>style.visibility</p:attrName>
+                                        </p:attrNameLst>
+                                      </p:cBhvr>
+                                      <p:to>
+                                        <p:strVal val="visible"/>
+                                      </p:to>
+                                    </p:set>
+                                    <p:animEffect transition="in" filter="fade">
+                                      <p:cBhvr>
+                                        <p:cTn id="50" dur="1000"/>
+                                        <p:tgtEl>
+                                          <p:spTgt spid="17">
+                                            <p:txEl>
+                                              <p:pRg st="3" end="3"/>
+                                            </p:txEl>
+                                          </p:spTgt>
+                                        </p:tgtEl>
+                                      </p:cBhvr>
+                                    </p:animEffect>
+                                    <p:anim calcmode="lin" valueType="num">
+                                      <p:cBhvr>
+                                        <p:cTn id="51" dur="1000" fill="hold"/>
+                                        <p:tgtEl>
+                                          <p:spTgt spid="17">
+                                            <p:txEl>
+                                              <p:pRg st="3" end="3"/>
+                                            </p:txEl>
+                                          </p:spTgt>
+                                        </p:tgtEl>
+                                        <p:attrNameLst>
+                                          <p:attrName>ppt_x</p:attrName>
+                                        </p:attrNameLst>
+                                      </p:cBhvr>
+                                      <p:tavLst>
+                                        <p:tav tm="0">
+                                          <p:val>
+                                            <p:strVal val="#ppt_x"/>
+                                          </p:val>
+                                        </p:tav>
+                                        <p:tav tm="100000">
+                                          <p:val>
+                                            <p:strVal val="#ppt_x"/>
+                                          </p:val>
+                                        </p:tav>
+                                      </p:tavLst>
+                                    </p:anim>
+                                    <p:anim calcmode="lin" valueType="num">
+                                      <p:cBhvr>
+                                        <p:cTn id="52" dur="1000" fill="hold"/>
+                                        <p:tgtEl>
+                                          <p:spTgt spid="17">
+                                            <p:txEl>
+                                              <p:pRg st="3" end="3"/>
+                                            </p:txEl>
+                                          </p:spTgt>
+                                        </p:tgtEl>
+                                        <p:attrNameLst>
+                                          <p:attrName>ppt_y</p:attrName>
+                                        </p:attrNameLst>
+                                      </p:cBhvr>
+                                      <p:tavLst>
+                                        <p:tav tm="0">
+                                          <p:val>
+                                            <p:strVal val="#ppt_y+.1"/>
+                                          </p:val>
+                                        </p:tav>
+                                        <p:tav tm="100000">
+                                          <p:val>
+                                            <p:strVal val="#ppt_y"/>
+                                          </p:val>
+                                        </p:tav>
+                                      </p:tavLst>
+                                    </p:anim>
+                                  </p:childTnLst>
+                                </p:cTn>
+                              </p:par>
+                            </p:childTnLst>
+                          </p:cTn>
+                        </p:par>
+                      </p:childTnLst>
+                    </p:cTn>
+                  </p:par>
+                  <p:par>
+                    <p:cTn id="53" fill="hold">
+                      <p:stCondLst>
+                        <p:cond delay="indefinite"/>
+                      </p:stCondLst>
+                      <p:childTnLst>
+                        <p:par>
+                          <p:cTn id="54" fill="hold">
+                            <p:stCondLst>
+                              <p:cond delay="0"/>
+                            </p:stCondLst>
+                            <p:childTnLst>
+                              <p:par>
+                                <p:cTn id="55" presetID="42" presetClass="entr" presetSubtype="0" fill="hold" nodeType="clickEffect">
+                                  <p:stCondLst>
+                                    <p:cond delay="0"/>
+                                  </p:stCondLst>
+                                  <p:childTnLst>
+                                    <p:set>
+                                      <p:cBhvr>
+                                        <p:cTn id="56" dur="1" fill="hold">
+                                          <p:stCondLst>
+                                            <p:cond delay="0"/>
+                                          </p:stCondLst>
+                                        </p:cTn>
+                                        <p:tgtEl>
+                                          <p:spTgt spid="17">
+                                            <p:txEl>
+                                              <p:pRg st="4" end="4"/>
+                                            </p:txEl>
+                                          </p:spTgt>
+                                        </p:tgtEl>
+                                        <p:attrNameLst>
+                                          <p:attrName>style.visibility</p:attrName>
+                                        </p:attrNameLst>
+                                      </p:cBhvr>
+                                      <p:to>
+                                        <p:strVal val="visible"/>
+                                      </p:to>
+                                    </p:set>
+                                    <p:animEffect transition="in" filter="fade">
+                                      <p:cBhvr>
+                                        <p:cTn id="57" dur="1000"/>
+                                        <p:tgtEl>
+                                          <p:spTgt spid="17">
+                                            <p:txEl>
+                                              <p:pRg st="4" end="4"/>
+                                            </p:txEl>
+                                          </p:spTgt>
+                                        </p:tgtEl>
+                                      </p:cBhvr>
+                                    </p:animEffect>
+                                    <p:anim calcmode="lin" valueType="num">
+                                      <p:cBhvr>
+                                        <p:cTn id="58" dur="1000" fill="hold"/>
+                                        <p:tgtEl>
+                                          <p:spTgt spid="17">
+                                            <p:txEl>
+                                              <p:pRg st="4" end="4"/>
+                                            </p:txEl>
+                                          </p:spTgt>
+                                        </p:tgtEl>
+                                        <p:attrNameLst>
+                                          <p:attrName>ppt_x</p:attrName>
+                                        </p:attrNameLst>
+                                      </p:cBhvr>
+                                      <p:tavLst>
+                                        <p:tav tm="0">
+                                          <p:val>
+                                            <p:strVal val="#ppt_x"/>
+                                          </p:val>
+                                        </p:tav>
+                                        <p:tav tm="100000">
+                                          <p:val>
+                                            <p:strVal val="#ppt_x"/>
+                                          </p:val>
+                                        </p:tav>
+                                      </p:tavLst>
+                                    </p:anim>
+                                    <p:anim calcmode="lin" valueType="num">
+                                      <p:cBhvr>
+                                        <p:cTn id="59" dur="1000" fill="hold"/>
+                                        <p:tgtEl>
+                                          <p:spTgt spid="17">
+                                            <p:txEl>
+                                              <p:pRg st="4" end="4"/>
+                                            </p:txEl>
+                                          </p:spTgt>
+                                        </p:tgtEl>
+                                        <p:attrNameLst>
+                                          <p:attrName>ppt_y</p:attrName>
+                                        </p:attrNameLst>
+                                      </p:cBhvr>
+                                      <p:tavLst>
+                                        <p:tav tm="0">
+                                          <p:val>
+                                            <p:strVal val="#ppt_y+.1"/>
+                                          </p:val>
+                                        </p:tav>
+                                        <p:tav tm="100000">
+                                          <p:val>
+                                            <p:strVal val="#ppt_y"/>
+                                          </p:val>
+                                        </p:tav>
+                                      </p:tavLst>
+                                    </p:anim>
+                                  </p:childTnLst>
+                                </p:cTn>
+                              </p:par>
+                            </p:childTnLst>
+                          </p:cTn>
+                        </p:par>
+                      </p:childTnLst>
+                    </p:cTn>
+                  </p:par>
+                  <p:par>
+                    <p:cTn id="60" fill="hold">
+                      <p:stCondLst>
+                        <p:cond delay="indefinite"/>
+                      </p:stCondLst>
+                      <p:childTnLst>
+                        <p:par>
+                          <p:cTn id="61" fill="hold">
+                            <p:stCondLst>
+                              <p:cond delay="0"/>
+                            </p:stCondLst>
+                            <p:childTnLst>
+                              <p:par>
+                                <p:cTn id="62" presetID="42" presetClass="entr" presetSubtype="0" fill="hold" nodeType="clickEffect">
+                                  <p:stCondLst>
+                                    <p:cond delay="0"/>
+                                  </p:stCondLst>
+                                  <p:childTnLst>
+                                    <p:set>
+                                      <p:cBhvr>
+                                        <p:cTn id="63" dur="1" fill="hold">
+                                          <p:stCondLst>
+                                            <p:cond delay="0"/>
+                                          </p:stCondLst>
+                                        </p:cTn>
+                                        <p:tgtEl>
+                                          <p:spTgt spid="5">
+                                            <p:txEl>
+                                              <p:pRg st="2" end="2"/>
+                                            </p:txEl>
+                                          </p:spTgt>
+                                        </p:tgtEl>
+                                        <p:attrNameLst>
+                                          <p:attrName>style.visibility</p:attrName>
+                                        </p:attrNameLst>
+                                      </p:cBhvr>
+                                      <p:to>
+                                        <p:strVal val="visible"/>
+                                      </p:to>
+                                    </p:set>
+                                    <p:animEffect transition="in" filter="fade">
+                                      <p:cBhvr>
+                                        <p:cTn id="64" dur="1000"/>
+                                        <p:tgtEl>
+                                          <p:spTgt spid="5">
+                                            <p:txEl>
+                                              <p:pRg st="2" end="2"/>
+                                            </p:txEl>
+                                          </p:spTgt>
+                                        </p:tgtEl>
+                                      </p:cBhvr>
+                                    </p:animEffect>
+                                    <p:anim calcmode="lin" valueType="num">
+                                      <p:cBhvr>
+                                        <p:cTn id="65" dur="1000" fill="hold"/>
+                                        <p:tgtEl>
+                                          <p:spTgt spid="5">
+                                            <p:txEl>
+                                              <p:pRg st="2" end="2"/>
+                                            </p:txEl>
+                                          </p:spTgt>
+                                        </p:tgtEl>
+                                        <p:attrNameLst>
+                                          <p:attrName>ppt_x</p:attrName>
+                                        </p:attrNameLst>
+                                      </p:cBhvr>
+                                      <p:tavLst>
+                                        <p:tav tm="0">
+                                          <p:val>
+                                            <p:strVal val="#ppt_x"/>
+                                          </p:val>
+                                        </p:tav>
+                                        <p:tav tm="100000">
+                                          <p:val>
+                                            <p:strVal val="#ppt_x"/>
+                                          </p:val>
+                                        </p:tav>
+                                      </p:tavLst>
+                                    </p:anim>
+                                    <p:anim calcmode="lin" valueType="num">
+                                      <p:cBhvr>
+                                        <p:cTn id="66" dur="1000" fill="hold"/>
+                                        <p:tgtEl>
+                                          <p:spTgt spid="5">
+                                            <p:txEl>
+                                              <p:pRg st="2" end="2"/>
+                                            </p:txEl>
+                                          </p:spTgt>
+                                        </p:tgtEl>
+                                        <p:attrNameLst>
+                                          <p:attrName>ppt_y</p:attrName>
+                                        </p:attrNameLst>
+                                      </p:cBhvr>
+                                      <p:tavLst>
+                                        <p:tav tm="0">
+                                          <p:val>
+                                            <p:strVal val="#ppt_y+.1"/>
+                                          </p:val>
+                                        </p:tav>
+                                        <p:tav tm="100000">
+                                          <p:val>
+                                            <p:strVal val="#ppt_y"/>
+                                          </p:val>
+                                        </p:tav>
+                                      </p:tavLst>
+                                    </p:anim>
+                                  </p:childTnLst>
+                                </p:cTn>
+                              </p:par>
+                            </p:childTnLst>
+                          </p:cTn>
+                        </p:par>
+                      </p:childTnLst>
+                    </p:cTn>
+                  </p:par>
+                  <p:par>
+                    <p:cTn id="67" fill="hold">
+                      <p:stCondLst>
+                        <p:cond delay="indefinite"/>
+                      </p:stCondLst>
+                      <p:childTnLst>
+                        <p:par>
+                          <p:cTn id="68" fill="hold">
+                            <p:stCondLst>
+                              <p:cond delay="0"/>
+                            </p:stCondLst>
+                            <p:childTnLst>
+                              <p:par>
+                                <p:cTn id="69" presetID="42" presetClass="entr" presetSubtype="0" fill="hold" nodeType="clickEffect">
+                                  <p:stCondLst>
+                                    <p:cond delay="0"/>
+                                  </p:stCondLst>
+                                  <p:childTnLst>
+                                    <p:set>
+                                      <p:cBhvr>
+                                        <p:cTn id="70" dur="1" fill="hold">
+                                          <p:stCondLst>
+                                            <p:cond delay="0"/>
+                                          </p:stCondLst>
+                                        </p:cTn>
+                                        <p:tgtEl>
+                                          <p:spTgt spid="5">
+                                            <p:txEl>
+                                              <p:pRg st="3" end="3"/>
+                                            </p:txEl>
+                                          </p:spTgt>
+                                        </p:tgtEl>
+                                        <p:attrNameLst>
+                                          <p:attrName>style.visibility</p:attrName>
+                                        </p:attrNameLst>
+                                      </p:cBhvr>
+                                      <p:to>
+                                        <p:strVal val="visible"/>
+                                      </p:to>
+                                    </p:set>
+                                    <p:animEffect transition="in" filter="fade">
+                                      <p:cBhvr>
+                                        <p:cTn id="71" dur="1000"/>
+                                        <p:tgtEl>
+                                          <p:spTgt spid="5">
+                                            <p:txEl>
+                                              <p:pRg st="3" end="3"/>
+                                            </p:txEl>
+                                          </p:spTgt>
+                                        </p:tgtEl>
+                                      </p:cBhvr>
+                                    </p:animEffect>
+                                    <p:anim calcmode="lin" valueType="num">
+                                      <p:cBhvr>
+                                        <p:cTn id="72" dur="1000" fill="hold"/>
+                                        <p:tgtEl>
+                                          <p:spTgt spid="5">
+                                            <p:txEl>
+                                              <p:pRg st="3" end="3"/>
+                                            </p:txEl>
+                                          </p:spTgt>
+                                        </p:tgtEl>
+                                        <p:attrNameLst>
+                                          <p:attrName>ppt_x</p:attrName>
+                                        </p:attrNameLst>
+                                      </p:cBhvr>
+                                      <p:tavLst>
+                                        <p:tav tm="0">
+                                          <p:val>
+                                            <p:strVal val="#ppt_x"/>
+                                          </p:val>
+                                        </p:tav>
+                                        <p:tav tm="100000">
+                                          <p:val>
+                                            <p:strVal val="#ppt_x"/>
+                                          </p:val>
+                                        </p:tav>
+                                      </p:tavLst>
+                                    </p:anim>
+                                    <p:anim calcmode="lin" valueType="num">
+                                      <p:cBhvr>
+                                        <p:cTn id="73" dur="1000" fill="hold"/>
+                                        <p:tgtEl>
+                                          <p:spTgt spid="5">
+                                            <p:txEl>
+                                              <p:pRg st="3" end="3"/>
+                                            </p:txEl>
+                                          </p:spTgt>
+                                        </p:tgtEl>
+                                        <p:attrNameLst>
+                                          <p:attrName>ppt_y</p:attrName>
+                                        </p:attrNameLst>
+                                      </p:cBhvr>
+                                      <p:tavLst>
+                                        <p:tav tm="0">
+                                          <p:val>
+                                            <p:strVal val="#ppt_y+.1"/>
+                                          </p:val>
+                                        </p:tav>
+                                        <p:tav tm="100000">
+                                          <p:val>
+                                            <p:strVal val="#ppt_y"/>
+                                          </p:val>
+                                        </p:tav>
+                                      </p:tavLst>
+                                    </p:anim>
+                                  </p:childTnLst>
+                                </p:cTn>
+                              </p:par>
+                              <p:par>
+                                <p:cTn id="74" presetID="42" presetClass="entr" presetSubtype="0" fill="hold" nodeType="withEffect">
+                                  <p:stCondLst>
+                                    <p:cond delay="0"/>
+                                  </p:stCondLst>
+                                  <p:childTnLst>
+                                    <p:set>
+                                      <p:cBhvr>
+                                        <p:cTn id="75" dur="1" fill="hold">
+                                          <p:stCondLst>
+                                            <p:cond delay="0"/>
+                                          </p:stCondLst>
+                                        </p:cTn>
+                                        <p:tgtEl>
+                                          <p:spTgt spid="5">
+                                            <p:txEl>
+                                              <p:pRg st="4" end="4"/>
+                                            </p:txEl>
+                                          </p:spTgt>
+                                        </p:tgtEl>
+                                        <p:attrNameLst>
+                                          <p:attrName>style.visibility</p:attrName>
+                                        </p:attrNameLst>
+                                      </p:cBhvr>
+                                      <p:to>
+                                        <p:strVal val="visible"/>
+                                      </p:to>
+                                    </p:set>
+                                    <p:animEffect transition="in" filter="fade">
+                                      <p:cBhvr>
+                                        <p:cTn id="76" dur="1000"/>
+                                        <p:tgtEl>
+                                          <p:spTgt spid="5">
+                                            <p:txEl>
+                                              <p:pRg st="4" end="4"/>
+                                            </p:txEl>
+                                          </p:spTgt>
+                                        </p:tgtEl>
+                                      </p:cBhvr>
+                                    </p:animEffect>
+                                    <p:anim calcmode="lin" valueType="num">
+                                      <p:cBhvr>
+                                        <p:cTn id="77" dur="1000" fill="hold"/>
+                                        <p:tgtEl>
+                                          <p:spTgt spid="5">
+                                            <p:txEl>
+                                              <p:pRg st="4" end="4"/>
+                                            </p:txEl>
+                                          </p:spTgt>
+                                        </p:tgtEl>
+                                        <p:attrNameLst>
+                                          <p:attrName>ppt_x</p:attrName>
+                                        </p:attrNameLst>
+                                      </p:cBhvr>
+                                      <p:tavLst>
+                                        <p:tav tm="0">
+                                          <p:val>
+                                            <p:strVal val="#ppt_x"/>
+                                          </p:val>
+                                        </p:tav>
+                                        <p:tav tm="100000">
+                                          <p:val>
+                                            <p:strVal val="#ppt_x"/>
+                                          </p:val>
+                                        </p:tav>
+                                      </p:tavLst>
+                                    </p:anim>
+                                    <p:anim calcmode="lin" valueType="num">
+                                      <p:cBhvr>
+                                        <p:cTn id="78" dur="1000" fill="hold"/>
+                                        <p:tgtEl>
+                                          <p:spTgt spid="5">
+                                            <p:txEl>
+                                              <p:pRg st="4" end="4"/>
+                                            </p:txEl>
+                                          </p:spTgt>
+                                        </p:tgtEl>
+                                        <p:attrNameLst>
+                                          <p:attrName>ppt_y</p:attrName>
+                                        </p:attrNameLst>
+                                      </p:cBhvr>
+                                      <p:tavLst>
+                                        <p:tav tm="0">
+                                          <p:val>
+                                            <p:strVal val="#ppt_y+.1"/>
+                                          </p:val>
+                                        </p:tav>
+                                        <p:tav tm="100000">
+                                          <p:val>
+                                            <p:strVal val="#ppt_y"/>
+                                          </p:val>
+                                        </p:tav>
+                                      </p:tavLst>
+                                    </p:anim>
+                                  </p:childTnLst>
+                                </p:cTn>
+                              </p:par>
+                            </p:childTnLst>
+                          </p:cTn>
+                        </p:par>
+                      </p:childTnLst>
+                    </p:cTn>
+                  </p:par>
+                  <p:par>
+                    <p:cTn id="79" fill="hold">
+                      <p:stCondLst>
+                        <p:cond delay="indefinite"/>
+                      </p:stCondLst>
+                      <p:childTnLst>
+                        <p:par>
+                          <p:cTn id="80" fill="hold">
+                            <p:stCondLst>
+                              <p:cond delay="0"/>
+                            </p:stCondLst>
+                            <p:childTnLst>
+                              <p:par>
+                                <p:cTn id="81" presetID="42" presetClass="entr" presetSubtype="0" fill="hold" nodeType="clickEffect">
+                                  <p:stCondLst>
+                                    <p:cond delay="0"/>
+                                  </p:stCondLst>
+                                  <p:childTnLst>
+                                    <p:set>
+                                      <p:cBhvr>
+                                        <p:cTn id="82" dur="1" fill="hold">
+                                          <p:stCondLst>
+                                            <p:cond delay="0"/>
+                                          </p:stCondLst>
+                                        </p:cTn>
+                                        <p:tgtEl>
+                                          <p:spTgt spid="5">
+                                            <p:txEl>
+                                              <p:pRg st="5" end="5"/>
+                                            </p:txEl>
+                                          </p:spTgt>
+                                        </p:tgtEl>
+                                        <p:attrNameLst>
+                                          <p:attrName>style.visibility</p:attrName>
+                                        </p:attrNameLst>
+                                      </p:cBhvr>
+                                      <p:to>
+                                        <p:strVal val="visible"/>
+                                      </p:to>
+                                    </p:set>
+                                    <p:animEffect transition="in" filter="fade">
+                                      <p:cBhvr>
+                                        <p:cTn id="83" dur="1000"/>
+                                        <p:tgtEl>
+                                          <p:spTgt spid="5">
+                                            <p:txEl>
+                                              <p:pRg st="5" end="5"/>
+                                            </p:txEl>
+                                          </p:spTgt>
+                                        </p:tgtEl>
+                                      </p:cBhvr>
+                                    </p:animEffect>
+                                    <p:anim calcmode="lin" valueType="num">
+                                      <p:cBhvr>
+                                        <p:cTn id="84" dur="1000" fill="hold"/>
+                                        <p:tgtEl>
+                                          <p:spTgt spid="5">
+                                            <p:txEl>
+                                              <p:pRg st="5" end="5"/>
+                                            </p:txEl>
+                                          </p:spTgt>
+                                        </p:tgtEl>
+                                        <p:attrNameLst>
+                                          <p:attrName>ppt_x</p:attrName>
+                                        </p:attrNameLst>
+                                      </p:cBhvr>
+                                      <p:tavLst>
+                                        <p:tav tm="0">
+                                          <p:val>
+                                            <p:strVal val="#ppt_x"/>
+                                          </p:val>
+                                        </p:tav>
+                                        <p:tav tm="100000">
+                                          <p:val>
+                                            <p:strVal val="#ppt_x"/>
+                                          </p:val>
+                                        </p:tav>
+                                      </p:tavLst>
+                                    </p:anim>
+                                    <p:anim calcmode="lin" valueType="num">
+                                      <p:cBhvr>
+                                        <p:cTn id="85" dur="1000" fill="hold"/>
+                                        <p:tgtEl>
+                                          <p:spTgt spid="5">
+                                            <p:txEl>
+                                              <p:pRg st="5" end="5"/>
+                                            </p:txEl>
+                                          </p:spTgt>
+                                        </p:tgtEl>
+                                        <p:attrNameLst>
+                                          <p:attrName>ppt_y</p:attrName>
+                                        </p:attrNameLst>
+                                      </p:cBhvr>
+                                      <p:tavLst>
+                                        <p:tav tm="0">
+                                          <p:val>
+                                            <p:strVal val="#ppt_y+.1"/>
+                                          </p:val>
+                                        </p:tav>
+                                        <p:tav tm="100000">
+                                          <p:val>
+                                            <p:strVal val="#ppt_y"/>
+                                          </p:val>
+                                        </p:tav>
+                                      </p:tavLst>
+                                    </p:anim>
+                                  </p:childTnLst>
+                                </p:cTn>
+                              </p:par>
+                              <p:par>
+                                <p:cTn id="86" presetID="42" presetClass="entr" presetSubtype="0" fill="hold" nodeType="withEffect">
+                                  <p:stCondLst>
+                                    <p:cond delay="0"/>
+                                  </p:stCondLst>
+                                  <p:childTnLst>
+                                    <p:set>
+                                      <p:cBhvr>
+                                        <p:cTn id="87" dur="1" fill="hold">
+                                          <p:stCondLst>
+                                            <p:cond delay="0"/>
+                                          </p:stCondLst>
+                                        </p:cTn>
+                                        <p:tgtEl>
+                                          <p:spTgt spid="5">
+                                            <p:txEl>
+                                              <p:pRg st="6" end="6"/>
+                                            </p:txEl>
+                                          </p:spTgt>
+                                        </p:tgtEl>
+                                        <p:attrNameLst>
+                                          <p:attrName>style.visibility</p:attrName>
+                                        </p:attrNameLst>
+                                      </p:cBhvr>
+                                      <p:to>
+                                        <p:strVal val="visible"/>
+                                      </p:to>
+                                    </p:set>
+                                    <p:animEffect transition="in" filter="fade">
+                                      <p:cBhvr>
+                                        <p:cTn id="88" dur="1000"/>
+                                        <p:tgtEl>
+                                          <p:spTgt spid="5">
+                                            <p:txEl>
+                                              <p:pRg st="6" end="6"/>
+                                            </p:txEl>
+                                          </p:spTgt>
+                                        </p:tgtEl>
+                                      </p:cBhvr>
+                                    </p:animEffect>
+                                    <p:anim calcmode="lin" valueType="num">
+                                      <p:cBhvr>
+                                        <p:cTn id="89" dur="1000" fill="hold"/>
+                                        <p:tgtEl>
+                                          <p:spTgt spid="5">
+                                            <p:txEl>
+                                              <p:pRg st="6" end="6"/>
+                                            </p:txEl>
+                                          </p:spTgt>
+                                        </p:tgtEl>
+                                        <p:attrNameLst>
+                                          <p:attrName>ppt_x</p:attrName>
+                                        </p:attrNameLst>
+                                      </p:cBhvr>
+                                      <p:tavLst>
+                                        <p:tav tm="0">
+                                          <p:val>
+                                            <p:strVal val="#ppt_x"/>
+                                          </p:val>
+                                        </p:tav>
+                                        <p:tav tm="100000">
+                                          <p:val>
+                                            <p:strVal val="#ppt_x"/>
+                                          </p:val>
+                                        </p:tav>
+                                      </p:tavLst>
+                                    </p:anim>
+                                    <p:anim calcmode="lin" valueType="num">
+                                      <p:cBhvr>
+                                        <p:cTn id="90" dur="1000" fill="hold"/>
+                                        <p:tgtEl>
+                                          <p:spTgt spid="5">
+                                            <p:txEl>
+                                              <p:pRg st="6" end="6"/>
+                                            </p:txEl>
+                                          </p:spTgt>
+                                        </p:tgtEl>
+                                        <p:attrNameLst>
+                                          <p:attrName>ppt_y</p:attrName>
+                                        </p:attrNameLst>
+                                      </p:cBhvr>
+                                      <p:tavLst>
+                                        <p:tav tm="0">
+                                          <p:val>
+                                            <p:strVal val="#ppt_y+.1"/>
+                                          </p:val>
+                                        </p:tav>
+                                        <p:tav tm="100000">
+                                          <p:val>
+                                            <p:strVal val="#ppt_y"/>
+                                          </p:val>
+                                        </p:tav>
+                                      </p:tavLst>
+                                    </p:anim>
+                                  </p:childTnLst>
+                                </p:cTn>
+                              </p:par>
+                            </p:childTnLst>
+                          </p:cTn>
+                        </p:par>
+                      </p:childTnLst>
+                    </p:cTn>
+                  </p:par>
+                  <p:par>
+                    <p:cTn id="91" fill="hold">
+                      <p:stCondLst>
+                        <p:cond delay="indefinite"/>
+                      </p:stCondLst>
+                      <p:childTnLst>
+                        <p:par>
+                          <p:cTn id="92" fill="hold">
+                            <p:stCondLst>
+                              <p:cond delay="0"/>
+                            </p:stCondLst>
+                            <p:childTnLst>
+                              <p:par>
+                                <p:cTn id="93" presetID="42" presetClass="entr" presetSubtype="0" fill="hold" nodeType="clickEffect">
+                                  <p:stCondLst>
+                                    <p:cond delay="0"/>
+                                  </p:stCondLst>
+                                  <p:childTnLst>
+                                    <p:set>
+                                      <p:cBhvr>
+                                        <p:cTn id="94" dur="1" fill="hold">
+                                          <p:stCondLst>
+                                            <p:cond delay="0"/>
+                                          </p:stCondLst>
+                                        </p:cTn>
+                                        <p:tgtEl>
+                                          <p:spTgt spid="5">
+                                            <p:txEl>
+                                              <p:pRg st="7" end="7"/>
+                                            </p:txEl>
+                                          </p:spTgt>
+                                        </p:tgtEl>
+                                        <p:attrNameLst>
+                                          <p:attrName>style.visibility</p:attrName>
+                                        </p:attrNameLst>
+                                      </p:cBhvr>
+                                      <p:to>
+                                        <p:strVal val="visible"/>
+                                      </p:to>
+                                    </p:set>
+                                    <p:animEffect transition="in" filter="fade">
+                                      <p:cBhvr>
+                                        <p:cTn id="95" dur="1000"/>
+                                        <p:tgtEl>
+                                          <p:spTgt spid="5">
+                                            <p:txEl>
+                                              <p:pRg st="7" end="7"/>
+                                            </p:txEl>
+                                          </p:spTgt>
+                                        </p:tgtEl>
+                                      </p:cBhvr>
+                                    </p:animEffect>
+                                    <p:anim calcmode="lin" valueType="num">
+                                      <p:cBhvr>
+                                        <p:cTn id="96" dur="1000" fill="hold"/>
+                                        <p:tgtEl>
+                                          <p:spTgt spid="5">
+                                            <p:txEl>
+                                              <p:pRg st="7" end="7"/>
+                                            </p:txEl>
+                                          </p:spTgt>
+                                        </p:tgtEl>
+                                        <p:attrNameLst>
+                                          <p:attrName>ppt_x</p:attrName>
+                                        </p:attrNameLst>
+                                      </p:cBhvr>
+                                      <p:tavLst>
+                                        <p:tav tm="0">
+                                          <p:val>
+                                            <p:strVal val="#ppt_x"/>
+                                          </p:val>
+                                        </p:tav>
+                                        <p:tav tm="100000">
+                                          <p:val>
+                                            <p:strVal val="#ppt_x"/>
+                                          </p:val>
+                                        </p:tav>
+                                      </p:tavLst>
+                                    </p:anim>
+                                    <p:anim calcmode="lin" valueType="num">
+                                      <p:cBhvr>
+                                        <p:cTn id="97" dur="1000" fill="hold"/>
+                                        <p:tgtEl>
+                                          <p:spTgt spid="5">
+                                            <p:txEl>
+                                              <p:pRg st="7" end="7"/>
+                                            </p:txEl>
+                                          </p:spTgt>
+                                        </p:tgtEl>
+                                        <p:attrNameLst>
+                                          <p:attrName>ppt_y</p:attrName>
+                                        </p:attrNameLst>
+                                      </p:cBhvr>
+                                      <p:tavLst>
+                                        <p:tav tm="0">
+                                          <p:val>
+                                            <p:strVal val="#ppt_y+.1"/>
+                                          </p:val>
+                                        </p:tav>
+                                        <p:tav tm="100000">
+                                          <p:val>
+                                            <p:strVal val="#ppt_y"/>
+                                          </p:val>
+                                        </p:tav>
+                                      </p:tavLst>
+                                    </p:anim>
+                                  </p:childTnLst>
+                                </p:cTn>
+                              </p:par>
+                              <p:par>
+                                <p:cTn id="98" presetID="42" presetClass="entr" presetSubtype="0" fill="hold" nodeType="withEffect">
+                                  <p:stCondLst>
+                                    <p:cond delay="0"/>
+                                  </p:stCondLst>
+                                  <p:childTnLst>
+                                    <p:set>
+                                      <p:cBhvr>
+                                        <p:cTn id="99" dur="1" fill="hold">
+                                          <p:stCondLst>
+                                            <p:cond delay="0"/>
+                                          </p:stCondLst>
+                                        </p:cTn>
+                                        <p:tgtEl>
+                                          <p:spTgt spid="5">
+                                            <p:txEl>
+                                              <p:pRg st="8" end="8"/>
+                                            </p:txEl>
+                                          </p:spTgt>
+                                        </p:tgtEl>
+                                        <p:attrNameLst>
+                                          <p:attrName>style.visibility</p:attrName>
+                                        </p:attrNameLst>
+                                      </p:cBhvr>
+                                      <p:to>
+                                        <p:strVal val="visible"/>
+                                      </p:to>
+                                    </p:set>
+                                    <p:animEffect transition="in" filter="fade">
+                                      <p:cBhvr>
+                                        <p:cTn id="100" dur="1000"/>
+                                        <p:tgtEl>
+                                          <p:spTgt spid="5">
+                                            <p:txEl>
+                                              <p:pRg st="8" end="8"/>
+                                            </p:txEl>
+                                          </p:spTgt>
+                                        </p:tgtEl>
+                                      </p:cBhvr>
+                                    </p:animEffect>
+                                    <p:anim calcmode="lin" valueType="num">
+                                      <p:cBhvr>
+                                        <p:cTn id="101" dur="1000" fill="hold"/>
+                                        <p:tgtEl>
+                                          <p:spTgt spid="5">
+                                            <p:txEl>
+                                              <p:pRg st="8" end="8"/>
+                                            </p:txEl>
+                                          </p:spTgt>
+                                        </p:tgtEl>
+                                        <p:attrNameLst>
+                                          <p:attrName>ppt_x</p:attrName>
+                                        </p:attrNameLst>
+                                      </p:cBhvr>
+                                      <p:tavLst>
+                                        <p:tav tm="0">
+                                          <p:val>
+                                            <p:strVal val="#ppt_x"/>
+                                          </p:val>
+                                        </p:tav>
+                                        <p:tav tm="100000">
+                                          <p:val>
+                                            <p:strVal val="#ppt_x"/>
+                                          </p:val>
+                                        </p:tav>
+                                      </p:tavLst>
+                                    </p:anim>
+                                    <p:anim calcmode="lin" valueType="num">
+                                      <p:cBhvr>
+                                        <p:cTn id="102" dur="1000" fill="hold"/>
+                                        <p:tgtEl>
+                                          <p:spTgt spid="5">
+                                            <p:txEl>
+                                              <p:pRg st="8" end="8"/>
+                                            </p:txEl>
+                                          </p:spTgt>
+                                        </p:tgtEl>
+                                        <p:attrNameLst>
+                                          <p:attrName>ppt_y</p:attrName>
+                                        </p:attrNameLst>
+                                      </p:cBhvr>
+                                      <p:tavLst>
+                                        <p:tav tm="0">
+                                          <p:val>
+                                            <p:strVal val="#ppt_y+.1"/>
+                                          </p:val>
+                                        </p:tav>
+                                        <p:tav tm="100000">
+                                          <p:val>
+                                            <p:strVal val="#ppt_y"/>
+                                          </p:val>
+                                        </p:tav>
+                                      </p:tavLst>
+                                    </p:anim>
+                                  </p:childTnLst>
+                                </p:cTn>
+                              </p:par>
+                            </p:childTnLst>
+                          </p:cTn>
+                        </p:par>
+                      </p:childTnLst>
+                    </p:cTn>
+                  </p:par>
+                  <p:par>
+                    <p:cTn id="103" fill="hold">
+                      <p:stCondLst>
+                        <p:cond delay="indefinite"/>
+                      </p:stCondLst>
+                      <p:childTnLst>
+                        <p:par>
+                          <p:cTn id="104" fill="hold">
+                            <p:stCondLst>
+                              <p:cond delay="0"/>
+                            </p:stCondLst>
+                            <p:childTnLst>
+                              <p:par>
+                                <p:cTn id="105" presetID="42" presetClass="entr" presetSubtype="0" fill="hold" nodeType="clickEffect">
+                                  <p:stCondLst>
+                                    <p:cond delay="0"/>
+                                  </p:stCondLst>
+                                  <p:childTnLst>
+                                    <p:set>
+                                      <p:cBhvr>
+                                        <p:cTn id="106" dur="1" fill="hold">
+                                          <p:stCondLst>
+                                            <p:cond delay="0"/>
+                                          </p:stCondLst>
+                                        </p:cTn>
+                                        <p:tgtEl>
+                                          <p:spTgt spid="5">
+                                            <p:txEl>
+                                              <p:pRg st="9" end="9"/>
+                                            </p:txEl>
+                                          </p:spTgt>
+                                        </p:tgtEl>
+                                        <p:attrNameLst>
+                                          <p:attrName>style.visibility</p:attrName>
+                                        </p:attrNameLst>
+                                      </p:cBhvr>
+                                      <p:to>
+                                        <p:strVal val="visible"/>
+                                      </p:to>
+                                    </p:set>
+                                    <p:animEffect transition="in" filter="fade">
+                                      <p:cBhvr>
+                                        <p:cTn id="107" dur="1000"/>
+                                        <p:tgtEl>
+                                          <p:spTgt spid="5">
+                                            <p:txEl>
+                                              <p:pRg st="9" end="9"/>
+                                            </p:txEl>
+                                          </p:spTgt>
+                                        </p:tgtEl>
+                                      </p:cBhvr>
+                                    </p:animEffect>
+                                    <p:anim calcmode="lin" valueType="num">
+                                      <p:cBhvr>
+                                        <p:cTn id="108" dur="1000" fill="hold"/>
+                                        <p:tgtEl>
+                                          <p:spTgt spid="5">
+                                            <p:txEl>
+                                              <p:pRg st="9" end="9"/>
+                                            </p:txEl>
+                                          </p:spTgt>
+                                        </p:tgtEl>
+                                        <p:attrNameLst>
+                                          <p:attrName>ppt_x</p:attrName>
+                                        </p:attrNameLst>
+                                      </p:cBhvr>
+                                      <p:tavLst>
+                                        <p:tav tm="0">
+                                          <p:val>
+                                            <p:strVal val="#ppt_x"/>
+                                          </p:val>
+                                        </p:tav>
+                                        <p:tav tm="100000">
+                                          <p:val>
+                                            <p:strVal val="#ppt_x"/>
+                                          </p:val>
+                                        </p:tav>
+                                      </p:tavLst>
+                                    </p:anim>
+                                    <p:anim calcmode="lin" valueType="num">
+                                      <p:cBhvr>
+                                        <p:cTn id="109" dur="1000" fill="hold"/>
+                                        <p:tgtEl>
+                                          <p:spTgt spid="5">
+                                            <p:txEl>
+                                              <p:pRg st="9" end="9"/>
+                                            </p:txEl>
+                                          </p:spTgt>
+                                        </p:tgtEl>
+                                        <p:attrNameLst>
+                                          <p:attrName>ppt_y</p:attrName>
+                                        </p:attrNameLst>
+                                      </p:cBhvr>
+                                      <p:tavLst>
+                                        <p:tav tm="0">
+                                          <p:val>
+                                            <p:strVal val="#ppt_y+.1"/>
+                                          </p:val>
+                                        </p:tav>
+                                        <p:tav tm="100000">
+                                          <p:val>
+                                            <p:strVal val="#ppt_y"/>
+                                          </p:val>
+                                        </p:tav>
+                                      </p:tavLst>
+                                    </p:anim>
+                                  </p:childTnLst>
+                                </p:cTn>
+                              </p:par>
+                              <p:par>
+                                <p:cTn id="110" presetID="42" presetClass="entr" presetSubtype="0" fill="hold" nodeType="withEffect">
+                                  <p:stCondLst>
+                                    <p:cond delay="0"/>
+                                  </p:stCondLst>
+                                  <p:childTnLst>
+                                    <p:set>
+                                      <p:cBhvr>
+                                        <p:cTn id="111" dur="1" fill="hold">
+                                          <p:stCondLst>
+                                            <p:cond delay="0"/>
+                                          </p:stCondLst>
+                                        </p:cTn>
+                                        <p:tgtEl>
+                                          <p:spTgt spid="5">
+                                            <p:txEl>
+                                              <p:pRg st="10" end="10"/>
+                                            </p:txEl>
+                                          </p:spTgt>
+                                        </p:tgtEl>
+                                        <p:attrNameLst>
+                                          <p:attrName>style.visibility</p:attrName>
+                                        </p:attrNameLst>
+                                      </p:cBhvr>
+                                      <p:to>
+                                        <p:strVal val="visible"/>
+                                      </p:to>
+                                    </p:set>
+                                    <p:animEffect transition="in" filter="fade">
+                                      <p:cBhvr>
+                                        <p:cTn id="112" dur="1000"/>
+                                        <p:tgtEl>
+                                          <p:spTgt spid="5">
+                                            <p:txEl>
+                                              <p:pRg st="10" end="10"/>
+                                            </p:txEl>
+                                          </p:spTgt>
+                                        </p:tgtEl>
+                                      </p:cBhvr>
+                                    </p:animEffect>
+                                    <p:anim calcmode="lin" valueType="num">
+                                      <p:cBhvr>
+                                        <p:cTn id="113" dur="1000" fill="hold"/>
+                                        <p:tgtEl>
+                                          <p:spTgt spid="5">
+                                            <p:txEl>
+                                              <p:pRg st="10" end="10"/>
+                                            </p:txEl>
+                                          </p:spTgt>
+                                        </p:tgtEl>
+                                        <p:attrNameLst>
+                                          <p:attrName>ppt_x</p:attrName>
+                                        </p:attrNameLst>
+                                      </p:cBhvr>
+                                      <p:tavLst>
+                                        <p:tav tm="0">
+                                          <p:val>
+                                            <p:strVal val="#ppt_x"/>
+                                          </p:val>
+                                        </p:tav>
+                                        <p:tav tm="100000">
+                                          <p:val>
+                                            <p:strVal val="#ppt_x"/>
+                                          </p:val>
+                                        </p:tav>
+                                      </p:tavLst>
+                                    </p:anim>
+                                    <p:anim calcmode="lin" valueType="num">
+                                      <p:cBhvr>
+                                        <p:cTn id="114" dur="1000" fill="hold"/>
+                                        <p:tgtEl>
+                                          <p:spTgt spid="5">
+                                            <p:txEl>
+                                              <p:pRg st="10" end="10"/>
+                                            </p:txEl>
+                                          </p:spTgt>
+                                        </p:tgtEl>
+                                        <p:attrNameLst>
+                                          <p:attrName>ppt_y</p:attrName>
+                                        </p:attrNameLst>
+                                      </p:cBhvr>
+                                      <p:tavLst>
+                                        <p:tav tm="0">
+                                          <p:val>
+                                            <p:strVal val="#ppt_y+.1"/>
+                                          </p:val>
+                                        </p:tav>
+                                        <p:tav tm="100000">
+                                          <p:val>
+                                            <p:strVal val="#ppt_y"/>
+                                          </p:val>
+                                        </p:tav>
+                                      </p:tavLst>
+                                    </p:anim>
+                                  </p:childTnLst>
+                                </p:cTn>
+                              </p:par>
+                              <p:par>
+                                <p:cTn id="115" presetID="42" presetClass="entr" presetSubtype="0" fill="hold" nodeType="withEffect">
+                                  <p:stCondLst>
+                                    <p:cond delay="0"/>
+                                  </p:stCondLst>
+                                  <p:childTnLst>
+                                    <p:set>
+                                      <p:cBhvr>
+                                        <p:cTn id="116" dur="1" fill="hold">
+                                          <p:stCondLst>
+                                            <p:cond delay="0"/>
+                                          </p:stCondLst>
+                                        </p:cTn>
+                                        <p:tgtEl>
+                                          <p:spTgt spid="5">
+                                            <p:txEl>
+                                              <p:pRg st="11" end="11"/>
+                                            </p:txEl>
+                                          </p:spTgt>
+                                        </p:tgtEl>
+                                        <p:attrNameLst>
+                                          <p:attrName>style.visibility</p:attrName>
+                                        </p:attrNameLst>
+                                      </p:cBhvr>
+                                      <p:to>
+                                        <p:strVal val="visible"/>
+                                      </p:to>
+                                    </p:set>
+                                    <p:animEffect transition="in" filter="fade">
+                                      <p:cBhvr>
+                                        <p:cTn id="117" dur="1000"/>
+                                        <p:tgtEl>
+                                          <p:spTgt spid="5">
+                                            <p:txEl>
+                                              <p:pRg st="11" end="11"/>
+                                            </p:txEl>
+                                          </p:spTgt>
+                                        </p:tgtEl>
+                                      </p:cBhvr>
+                                    </p:animEffect>
+                                    <p:anim calcmode="lin" valueType="num">
+                                      <p:cBhvr>
+                                        <p:cTn id="118" dur="1000" fill="hold"/>
+                                        <p:tgtEl>
+                                          <p:spTgt spid="5">
+                                            <p:txEl>
+                                              <p:pRg st="11" end="11"/>
+                                            </p:txEl>
+                                          </p:spTgt>
+                                        </p:tgtEl>
+                                        <p:attrNameLst>
+                                          <p:attrName>ppt_x</p:attrName>
+                                        </p:attrNameLst>
+                                      </p:cBhvr>
+                                      <p:tavLst>
+                                        <p:tav tm="0">
+                                          <p:val>
+                                            <p:strVal val="#ppt_x"/>
+                                          </p:val>
+                                        </p:tav>
+                                        <p:tav tm="100000">
+                                          <p:val>
+                                            <p:strVal val="#ppt_x"/>
+                                          </p:val>
+                                        </p:tav>
+                                      </p:tavLst>
+                                    </p:anim>
+                                    <p:anim calcmode="lin" valueType="num">
+                                      <p:cBhvr>
+                                        <p:cTn id="119" dur="1000" fill="hold"/>
+                                        <p:tgtEl>
+                                          <p:spTgt spid="5">
+                                            <p:txEl>
+                                              <p:pRg st="11" end="11"/>
+                                            </p:txEl>
+                                          </p:spTgt>
+                                        </p:tgtEl>
+                                        <p:attrNameLst>
+                                          <p:attrName>ppt_y</p:attrName>
+                                        </p:attrNameLst>
+                                      </p:cBhvr>
+                                      <p:tavLst>
+                                        <p:tav tm="0">
+                                          <p:val>
+                                            <p:strVal val="#ppt_y+.1"/>
+                                          </p:val>
+                                        </p:tav>
+                                        <p:tav tm="100000">
+                                          <p:val>
+                                            <p:strVal val="#ppt_y"/>
+                                          </p:val>
+                                        </p:tav>
+                                      </p:tavLst>
+                                    </p:anim>
+                                  </p:childTnLst>
+                                </p:cTn>
+                              </p:par>
+                            </p:childTnLst>
+                          </p:cTn>
+                        </p:par>
+                      </p:childTnLst>
+                    </p:cTn>
+                  </p:par>
+                  <p:par>
+                    <p:cTn id="120" fill="hold">
+                      <p:stCondLst>
+                        <p:cond delay="indefinite"/>
+                      </p:stCondLst>
+                      <p:childTnLst>
+                        <p:par>
+                          <p:cTn id="121" fill="hold">
+                            <p:stCondLst>
+                              <p:cond delay="0"/>
+                            </p:stCondLst>
+                            <p:childTnLst>
+                              <p:par>
+                                <p:cTn id="122" presetID="42" presetClass="entr" presetSubtype="0" fill="hold" nodeType="clickEffect">
+                                  <p:stCondLst>
+                                    <p:cond delay="0"/>
+                                  </p:stCondLst>
+                                  <p:childTnLst>
+                                    <p:set>
+                                      <p:cBhvr>
+                                        <p:cTn id="123" dur="1" fill="hold">
+                                          <p:stCondLst>
+                                            <p:cond delay="0"/>
+                                          </p:stCondLst>
+                                        </p:cTn>
+                                        <p:tgtEl>
+                                          <p:spTgt spid="6"/>
+                                        </p:tgtEl>
+                                        <p:attrNameLst>
+                                          <p:attrName>style.visibility</p:attrName>
+                                        </p:attrNameLst>
+                                      </p:cBhvr>
+                                      <p:to>
+                                        <p:strVal val="visible"/>
+                                      </p:to>
+                                    </p:set>
+                                    <p:animEffect transition="in" filter="fade">
+                                      <p:cBhvr>
+                                        <p:cTn id="124" dur="1000"/>
+                                        <p:tgtEl>
+                                          <p:spTgt spid="6"/>
+                                        </p:tgtEl>
+                                      </p:cBhvr>
+                                    </p:animEffect>
+                                    <p:anim calcmode="lin" valueType="num">
+                                      <p:cBhvr>
+                                        <p:cTn id="125" dur="1000" fill="hold"/>
+                                        <p:tgtEl>
+                                          <p:spTgt spid="6"/>
+                                        </p:tgtEl>
+                                        <p:attrNameLst>
+                                          <p:attrName>ppt_x</p:attrName>
+                                        </p:attrNameLst>
+                                      </p:cBhvr>
+                                      <p:tavLst>
+                                        <p:tav tm="0">
+                                          <p:val>
+                                            <p:strVal val="#ppt_x"/>
+                                          </p:val>
+                                        </p:tav>
+                                        <p:tav tm="100000">
+                                          <p:val>
+                                            <p:strVal val="#ppt_x"/>
+                                          </p:val>
+                                        </p:tav>
+                                      </p:tavLst>
+                                    </p:anim>
+                                    <p:anim calcmode="lin" valueType="num">
+                                      <p:cBhvr>
+                                        <p:cTn id="126" dur="1000" fill="hold"/>
+                                        <p:tgtEl>
+                                          <p:spTgt spid="6"/>
+                                        </p:tgtEl>
+                                        <p:attrNameLst>
+                                          <p:attrName>ppt_y</p:attrName>
+                                        </p:attrNameLst>
+                                      </p:cBhvr>
+                                      <p:tavLst>
+                                        <p:tav tm="0">
+                                          <p:val>
+                                            <p:strVal val="#ppt_y+.1"/>
+                                          </p:val>
+                                        </p:tav>
+                                        <p:tav tm="100000">
+                                          <p:val>
+                                            <p:strVal val="#ppt_y"/>
+                                          </p:val>
+                                        </p:tav>
+                                      </p:tavLst>
+                                    </p:anim>
+                                  </p:childTnLst>
+                                </p:cTn>
+                              </p:par>
+                              <p:par>
+                                <p:cTn id="127" presetID="42" presetClass="entr" presetSubtype="0" fill="hold" grpId="0" nodeType="withEffect">
+                                  <p:stCondLst>
+                                    <p:cond delay="0"/>
+                                  </p:stCondLst>
+                                  <p:childTnLst>
+                                    <p:set>
+                                      <p:cBhvr>
+                                        <p:cTn id="128" dur="1" fill="hold">
+                                          <p:stCondLst>
+                                            <p:cond delay="0"/>
+                                          </p:stCondLst>
+                                        </p:cTn>
+                                        <p:tgtEl>
+                                          <p:spTgt spid="24"/>
+                                        </p:tgtEl>
+                                        <p:attrNameLst>
+                                          <p:attrName>style.visibility</p:attrName>
+                                        </p:attrNameLst>
+                                      </p:cBhvr>
+                                      <p:to>
+                                        <p:strVal val="visible"/>
+                                      </p:to>
+                                    </p:set>
+                                    <p:animEffect transition="in" filter="fade">
+                                      <p:cBhvr>
+                                        <p:cTn id="129" dur="1000"/>
+                                        <p:tgtEl>
+                                          <p:spTgt spid="24"/>
+                                        </p:tgtEl>
+                                      </p:cBhvr>
+                                    </p:animEffect>
+                                    <p:anim calcmode="lin" valueType="num">
+                                      <p:cBhvr>
+                                        <p:cTn id="130" dur="1000" fill="hold"/>
+                                        <p:tgtEl>
+                                          <p:spTgt spid="24"/>
+                                        </p:tgtEl>
+                                        <p:attrNameLst>
+                                          <p:attrName>ppt_x</p:attrName>
+                                        </p:attrNameLst>
+                                      </p:cBhvr>
+                                      <p:tavLst>
+                                        <p:tav tm="0">
+                                          <p:val>
+                                            <p:strVal val="#ppt_x"/>
+                                          </p:val>
+                                        </p:tav>
+                                        <p:tav tm="100000">
+                                          <p:val>
+                                            <p:strVal val="#ppt_x"/>
+                                          </p:val>
+                                        </p:tav>
+                                      </p:tavLst>
+                                    </p:anim>
+                                    <p:anim calcmode="lin" valueType="num">
+                                      <p:cBhvr>
+                                        <p:cTn id="131" dur="1000" fill="hold"/>
+                                        <p:tgtEl>
+                                          <p:spTgt spid="24"/>
+                                        </p:tgtEl>
+                                        <p:attrNameLst>
+                                          <p:attrName>ppt_y</p:attrName>
+                                        </p:attrNameLst>
+                                      </p:cBhvr>
+                                      <p:tavLst>
+                                        <p:tav tm="0">
+                                          <p:val>
+                                            <p:strVal val="#ppt_y+.1"/>
+                                          </p:val>
+                                        </p:tav>
+                                        <p:tav tm="100000">
+                                          <p:val>
+                                            <p:strVal val="#ppt_y"/>
+                                          </p:val>
+                                        </p:tav>
+                                      </p:tavLst>
+                                    </p:anim>
+                                  </p:childTnLst>
+                                </p:cTn>
+                              </p:par>
+                            </p:childTnLst>
+                          </p:cTn>
+                        </p:par>
+                      </p:childTnLst>
+                    </p:cTn>
+                  </p:par>
+                </p:childTnLst>
+              </p:cTn>
+              <p:prevCondLst>
+                <p:cond evt="onPrev" delay="0">
+                  <p:tgtEl>
+                    <p:sldTgt/>
+                  </p:tgtEl>
+                </p:cond>
+              </p:prevCondLst>
+              <p:nextCondLst>
+                <p:cond evt="onNext" delay="0">
+                  <p:tgtEl>
+                    <p:sldTgt/>
+                  </p:tgtEl>
+                </p:cond>
+              </p:nextCondLst>
+            </p:seq>
+          </p:childTnLst>
+        </p:cTn>
       </p:par>
     </p:tnLst>
+    <p:bldLst>
+      <p:bldP spid="3" grpId="0" build="p"/>
+      <p:bldP spid="7" grpId="0"/>
+      <p:bldP spid="24" grpId="0" animBg="1"/>
+    </p:bldLst>
   </p:timing>
 </p:sld>
 </file>
@@ -6813,8 +10229,8 @@
         </p:nvSpPr>
         <p:spPr>
           <a:xfrm>
-            <a:off x="2838987" y="2520928"/>
-            <a:ext cx="5215972" cy="3785652"/>
+            <a:off x="2351522" y="2520928"/>
+            <a:ext cx="6391315" cy="4093428"/>
           </a:xfrm>
           <a:prstGeom prst="rect">
             <a:avLst/>
@@ -6833,15 +10249,7 @@
             </a:pPr>
             <a:r>
               <a:rPr lang="en-US" sz="2000" dirty="0" smtClean="0"/>
-              <a:t>Consists </a:t>
-            </a:r>
-            <a:r>
-              <a:rPr lang="en-US" sz="2000" dirty="0" smtClean="0"/>
-              <a:t>of </a:t>
-            </a:r>
-            <a:r>
-              <a:rPr lang="en-US" sz="2000" dirty="0" smtClean="0"/>
-              <a:t>25 beads</a:t>
+              <a:t>Consists of 25 beads</a:t>
             </a:r>
           </a:p>
           <a:p>
@@ -6863,13 +10271,8 @@
             </a:r>
             <a:r>
               <a:rPr lang="en-US" sz="2000" dirty="0" smtClean="0"/>
-              <a:t> proteins</a:t>
-            </a:r>
-            <a:r>
-              <a:rPr lang="en-US" sz="2000" dirty="0" smtClean="0"/>
-              <a:t> </a:t>
-            </a:r>
-            <a:endParaRPr lang="en-US" sz="2000" dirty="0" smtClean="0"/>
+              <a:t> proteins </a:t>
+            </a:r>
           </a:p>
           <a:p>
             <a:pPr marL="742950" lvl="1" indent="-285750">
@@ -6878,15 +10281,7 @@
             </a:pPr>
             <a:r>
               <a:rPr lang="en-US" sz="2000" dirty="0" smtClean="0"/>
-              <a:t>Additional </a:t>
-            </a:r>
-            <a:r>
-              <a:rPr lang="en-US" sz="2000" dirty="0" smtClean="0"/>
-              <a:t>4 </a:t>
-            </a:r>
-            <a:r>
-              <a:rPr lang="en-US" sz="2000" dirty="0" smtClean="0"/>
-              <a:t>controls</a:t>
+              <a:t>Additional 4 controls</a:t>
             </a:r>
           </a:p>
           <a:p>
@@ -6916,7 +10311,17 @@
             </a:pPr>
             <a:r>
               <a:rPr lang="en-US" sz="2000" dirty="0" smtClean="0"/>
-              <a:t>over 500 patients screened for a retrospective analysis</a:t>
+              <a:t>over 500 patients screened for a retrospective analysis (Non-Melioid and Melioid)</a:t>
+            </a:r>
+          </a:p>
+          <a:p>
+            <a:pPr marL="1200150" lvl="2" indent="-285750">
+              <a:buFont typeface="Arial" charset="0"/>
+              <a:buChar char="•"/>
+            </a:pPr>
+            <a:r>
+              <a:rPr lang="en-US" sz="2000" dirty="0" smtClean="0"/>
+              <a:t>Isotypes: IgM, IgG</a:t>
             </a:r>
           </a:p>
           <a:p>
@@ -6938,7 +10343,6 @@
               <a:rPr lang="en-US" sz="2000" dirty="0" smtClean="0"/>
               <a:t>2-3 CSV files/week</a:t>
             </a:r>
-            <a:endParaRPr lang="en-US" sz="2000" dirty="0" smtClean="0"/>
           </a:p>
           <a:p>
             <a:pPr marL="285750" indent="-285750">
@@ -7016,6 +10420,1147 @@
                       </p:childTnLst>
                     </p:cTn>
                   </p:par>
+                  <p:par>
+                    <p:cTn id="7" fill="hold">
+                      <p:stCondLst>
+                        <p:cond delay="indefinite"/>
+                      </p:stCondLst>
+                      <p:childTnLst>
+                        <p:par>
+                          <p:cTn id="8" fill="hold">
+                            <p:stCondLst>
+                              <p:cond delay="0"/>
+                            </p:stCondLst>
+                            <p:childTnLst>
+                              <p:par>
+                                <p:cTn id="9" presetID="42" presetClass="entr" presetSubtype="0" fill="hold" grpId="0" nodeType="clickEffect">
+                                  <p:stCondLst>
+                                    <p:cond delay="0"/>
+                                  </p:stCondLst>
+                                  <p:childTnLst>
+                                    <p:set>
+                                      <p:cBhvr>
+                                        <p:cTn id="10" dur="1" fill="hold">
+                                          <p:stCondLst>
+                                            <p:cond delay="0"/>
+                                          </p:stCondLst>
+                                        </p:cTn>
+                                        <p:tgtEl>
+                                          <p:spTgt spid="45"/>
+                                        </p:tgtEl>
+                                        <p:attrNameLst>
+                                          <p:attrName>style.visibility</p:attrName>
+                                        </p:attrNameLst>
+                                      </p:cBhvr>
+                                      <p:to>
+                                        <p:strVal val="visible"/>
+                                      </p:to>
+                                    </p:set>
+                                    <p:animEffect transition="in" filter="fade">
+                                      <p:cBhvr>
+                                        <p:cTn id="11" dur="1000"/>
+                                        <p:tgtEl>
+                                          <p:spTgt spid="45"/>
+                                        </p:tgtEl>
+                                      </p:cBhvr>
+                                    </p:animEffect>
+                                    <p:anim calcmode="lin" valueType="num">
+                                      <p:cBhvr>
+                                        <p:cTn id="12" dur="1000" fill="hold"/>
+                                        <p:tgtEl>
+                                          <p:spTgt spid="45"/>
+                                        </p:tgtEl>
+                                        <p:attrNameLst>
+                                          <p:attrName>ppt_x</p:attrName>
+                                        </p:attrNameLst>
+                                      </p:cBhvr>
+                                      <p:tavLst>
+                                        <p:tav tm="0">
+                                          <p:val>
+                                            <p:strVal val="#ppt_x"/>
+                                          </p:val>
+                                        </p:tav>
+                                        <p:tav tm="100000">
+                                          <p:val>
+                                            <p:strVal val="#ppt_x"/>
+                                          </p:val>
+                                        </p:tav>
+                                      </p:tavLst>
+                                    </p:anim>
+                                    <p:anim calcmode="lin" valueType="num">
+                                      <p:cBhvr>
+                                        <p:cTn id="13" dur="1000" fill="hold"/>
+                                        <p:tgtEl>
+                                          <p:spTgt spid="45"/>
+                                        </p:tgtEl>
+                                        <p:attrNameLst>
+                                          <p:attrName>ppt_y</p:attrName>
+                                        </p:attrNameLst>
+                                      </p:cBhvr>
+                                      <p:tavLst>
+                                        <p:tav tm="0">
+                                          <p:val>
+                                            <p:strVal val="#ppt_y+.1"/>
+                                          </p:val>
+                                        </p:tav>
+                                        <p:tav tm="100000">
+                                          <p:val>
+                                            <p:strVal val="#ppt_y"/>
+                                          </p:val>
+                                        </p:tav>
+                                      </p:tavLst>
+                                    </p:anim>
+                                  </p:childTnLst>
+                                </p:cTn>
+                              </p:par>
+                            </p:childTnLst>
+                          </p:cTn>
+                        </p:par>
+                      </p:childTnLst>
+                    </p:cTn>
+                  </p:par>
+                  <p:par>
+                    <p:cTn id="14" fill="hold">
+                      <p:stCondLst>
+                        <p:cond delay="indefinite"/>
+                      </p:stCondLst>
+                      <p:childTnLst>
+                        <p:par>
+                          <p:cTn id="15" fill="hold">
+                            <p:stCondLst>
+                              <p:cond delay="0"/>
+                            </p:stCondLst>
+                            <p:childTnLst>
+                              <p:par>
+                                <p:cTn id="16" presetID="42" presetClass="entr" presetSubtype="0" fill="hold" nodeType="clickEffect">
+                                  <p:stCondLst>
+                                    <p:cond delay="0"/>
+                                  </p:stCondLst>
+                                  <p:childTnLst>
+                                    <p:set>
+                                      <p:cBhvr>
+                                        <p:cTn id="17" dur="1" fill="hold">
+                                          <p:stCondLst>
+                                            <p:cond delay="0"/>
+                                          </p:stCondLst>
+                                        </p:cTn>
+                                        <p:tgtEl>
+                                          <p:spTgt spid="18">
+                                            <p:txEl>
+                                              <p:pRg st="0" end="0"/>
+                                            </p:txEl>
+                                          </p:spTgt>
+                                        </p:tgtEl>
+                                        <p:attrNameLst>
+                                          <p:attrName>style.visibility</p:attrName>
+                                        </p:attrNameLst>
+                                      </p:cBhvr>
+                                      <p:to>
+                                        <p:strVal val="visible"/>
+                                      </p:to>
+                                    </p:set>
+                                    <p:animEffect transition="in" filter="fade">
+                                      <p:cBhvr>
+                                        <p:cTn id="18" dur="1000"/>
+                                        <p:tgtEl>
+                                          <p:spTgt spid="18">
+                                            <p:txEl>
+                                              <p:pRg st="0" end="0"/>
+                                            </p:txEl>
+                                          </p:spTgt>
+                                        </p:tgtEl>
+                                      </p:cBhvr>
+                                    </p:animEffect>
+                                    <p:anim calcmode="lin" valueType="num">
+                                      <p:cBhvr>
+                                        <p:cTn id="19" dur="1000" fill="hold"/>
+                                        <p:tgtEl>
+                                          <p:spTgt spid="18">
+                                            <p:txEl>
+                                              <p:pRg st="0" end="0"/>
+                                            </p:txEl>
+                                          </p:spTgt>
+                                        </p:tgtEl>
+                                        <p:attrNameLst>
+                                          <p:attrName>ppt_x</p:attrName>
+                                        </p:attrNameLst>
+                                      </p:cBhvr>
+                                      <p:tavLst>
+                                        <p:tav tm="0">
+                                          <p:val>
+                                            <p:strVal val="#ppt_x"/>
+                                          </p:val>
+                                        </p:tav>
+                                        <p:tav tm="100000">
+                                          <p:val>
+                                            <p:strVal val="#ppt_x"/>
+                                          </p:val>
+                                        </p:tav>
+                                      </p:tavLst>
+                                    </p:anim>
+                                    <p:anim calcmode="lin" valueType="num">
+                                      <p:cBhvr>
+                                        <p:cTn id="20" dur="1000" fill="hold"/>
+                                        <p:tgtEl>
+                                          <p:spTgt spid="18">
+                                            <p:txEl>
+                                              <p:pRg st="0" end="0"/>
+                                            </p:txEl>
+                                          </p:spTgt>
+                                        </p:tgtEl>
+                                        <p:attrNameLst>
+                                          <p:attrName>ppt_y</p:attrName>
+                                        </p:attrNameLst>
+                                      </p:cBhvr>
+                                      <p:tavLst>
+                                        <p:tav tm="0">
+                                          <p:val>
+                                            <p:strVal val="#ppt_y+.1"/>
+                                          </p:val>
+                                        </p:tav>
+                                        <p:tav tm="100000">
+                                          <p:val>
+                                            <p:strVal val="#ppt_y"/>
+                                          </p:val>
+                                        </p:tav>
+                                      </p:tavLst>
+                                    </p:anim>
+                                  </p:childTnLst>
+                                </p:cTn>
+                              </p:par>
+                              <p:par>
+                                <p:cTn id="21" presetID="42" presetClass="entr" presetSubtype="0" fill="hold" nodeType="withEffect">
+                                  <p:stCondLst>
+                                    <p:cond delay="0"/>
+                                  </p:stCondLst>
+                                  <p:childTnLst>
+                                    <p:set>
+                                      <p:cBhvr>
+                                        <p:cTn id="22" dur="1" fill="hold">
+                                          <p:stCondLst>
+                                            <p:cond delay="0"/>
+                                          </p:stCondLst>
+                                        </p:cTn>
+                                        <p:tgtEl>
+                                          <p:spTgt spid="18">
+                                            <p:txEl>
+                                              <p:pRg st="1" end="1"/>
+                                            </p:txEl>
+                                          </p:spTgt>
+                                        </p:tgtEl>
+                                        <p:attrNameLst>
+                                          <p:attrName>style.visibility</p:attrName>
+                                        </p:attrNameLst>
+                                      </p:cBhvr>
+                                      <p:to>
+                                        <p:strVal val="visible"/>
+                                      </p:to>
+                                    </p:set>
+                                    <p:animEffect transition="in" filter="fade">
+                                      <p:cBhvr>
+                                        <p:cTn id="23" dur="1000"/>
+                                        <p:tgtEl>
+                                          <p:spTgt spid="18">
+                                            <p:txEl>
+                                              <p:pRg st="1" end="1"/>
+                                            </p:txEl>
+                                          </p:spTgt>
+                                        </p:tgtEl>
+                                      </p:cBhvr>
+                                    </p:animEffect>
+                                    <p:anim calcmode="lin" valueType="num">
+                                      <p:cBhvr>
+                                        <p:cTn id="24" dur="1000" fill="hold"/>
+                                        <p:tgtEl>
+                                          <p:spTgt spid="18">
+                                            <p:txEl>
+                                              <p:pRg st="1" end="1"/>
+                                            </p:txEl>
+                                          </p:spTgt>
+                                        </p:tgtEl>
+                                        <p:attrNameLst>
+                                          <p:attrName>ppt_x</p:attrName>
+                                        </p:attrNameLst>
+                                      </p:cBhvr>
+                                      <p:tavLst>
+                                        <p:tav tm="0">
+                                          <p:val>
+                                            <p:strVal val="#ppt_x"/>
+                                          </p:val>
+                                        </p:tav>
+                                        <p:tav tm="100000">
+                                          <p:val>
+                                            <p:strVal val="#ppt_x"/>
+                                          </p:val>
+                                        </p:tav>
+                                      </p:tavLst>
+                                    </p:anim>
+                                    <p:anim calcmode="lin" valueType="num">
+                                      <p:cBhvr>
+                                        <p:cTn id="25" dur="1000" fill="hold"/>
+                                        <p:tgtEl>
+                                          <p:spTgt spid="18">
+                                            <p:txEl>
+                                              <p:pRg st="1" end="1"/>
+                                            </p:txEl>
+                                          </p:spTgt>
+                                        </p:tgtEl>
+                                        <p:attrNameLst>
+                                          <p:attrName>ppt_y</p:attrName>
+                                        </p:attrNameLst>
+                                      </p:cBhvr>
+                                      <p:tavLst>
+                                        <p:tav tm="0">
+                                          <p:val>
+                                            <p:strVal val="#ppt_y+.1"/>
+                                          </p:val>
+                                        </p:tav>
+                                        <p:tav tm="100000">
+                                          <p:val>
+                                            <p:strVal val="#ppt_y"/>
+                                          </p:val>
+                                        </p:tav>
+                                      </p:tavLst>
+                                    </p:anim>
+                                  </p:childTnLst>
+                                </p:cTn>
+                              </p:par>
+                              <p:par>
+                                <p:cTn id="26" presetID="42" presetClass="entr" presetSubtype="0" fill="hold" nodeType="withEffect">
+                                  <p:stCondLst>
+                                    <p:cond delay="0"/>
+                                  </p:stCondLst>
+                                  <p:childTnLst>
+                                    <p:set>
+                                      <p:cBhvr>
+                                        <p:cTn id="27" dur="1" fill="hold">
+                                          <p:stCondLst>
+                                            <p:cond delay="0"/>
+                                          </p:stCondLst>
+                                        </p:cTn>
+                                        <p:tgtEl>
+                                          <p:spTgt spid="18">
+                                            <p:txEl>
+                                              <p:pRg st="2" end="2"/>
+                                            </p:txEl>
+                                          </p:spTgt>
+                                        </p:tgtEl>
+                                        <p:attrNameLst>
+                                          <p:attrName>style.visibility</p:attrName>
+                                        </p:attrNameLst>
+                                      </p:cBhvr>
+                                      <p:to>
+                                        <p:strVal val="visible"/>
+                                      </p:to>
+                                    </p:set>
+                                    <p:animEffect transition="in" filter="fade">
+                                      <p:cBhvr>
+                                        <p:cTn id="28" dur="1000"/>
+                                        <p:tgtEl>
+                                          <p:spTgt spid="18">
+                                            <p:txEl>
+                                              <p:pRg st="2" end="2"/>
+                                            </p:txEl>
+                                          </p:spTgt>
+                                        </p:tgtEl>
+                                      </p:cBhvr>
+                                    </p:animEffect>
+                                    <p:anim calcmode="lin" valueType="num">
+                                      <p:cBhvr>
+                                        <p:cTn id="29" dur="1000" fill="hold"/>
+                                        <p:tgtEl>
+                                          <p:spTgt spid="18">
+                                            <p:txEl>
+                                              <p:pRg st="2" end="2"/>
+                                            </p:txEl>
+                                          </p:spTgt>
+                                        </p:tgtEl>
+                                        <p:attrNameLst>
+                                          <p:attrName>ppt_x</p:attrName>
+                                        </p:attrNameLst>
+                                      </p:cBhvr>
+                                      <p:tavLst>
+                                        <p:tav tm="0">
+                                          <p:val>
+                                            <p:strVal val="#ppt_x"/>
+                                          </p:val>
+                                        </p:tav>
+                                        <p:tav tm="100000">
+                                          <p:val>
+                                            <p:strVal val="#ppt_x"/>
+                                          </p:val>
+                                        </p:tav>
+                                      </p:tavLst>
+                                    </p:anim>
+                                    <p:anim calcmode="lin" valueType="num">
+                                      <p:cBhvr>
+                                        <p:cTn id="30" dur="1000" fill="hold"/>
+                                        <p:tgtEl>
+                                          <p:spTgt spid="18">
+                                            <p:txEl>
+                                              <p:pRg st="2" end="2"/>
+                                            </p:txEl>
+                                          </p:spTgt>
+                                        </p:tgtEl>
+                                        <p:attrNameLst>
+                                          <p:attrName>ppt_y</p:attrName>
+                                        </p:attrNameLst>
+                                      </p:cBhvr>
+                                      <p:tavLst>
+                                        <p:tav tm="0">
+                                          <p:val>
+                                            <p:strVal val="#ppt_y+.1"/>
+                                          </p:val>
+                                        </p:tav>
+                                        <p:tav tm="100000">
+                                          <p:val>
+                                            <p:strVal val="#ppt_y"/>
+                                          </p:val>
+                                        </p:tav>
+                                      </p:tavLst>
+                                    </p:anim>
+                                  </p:childTnLst>
+                                </p:cTn>
+                              </p:par>
+                            </p:childTnLst>
+                          </p:cTn>
+                        </p:par>
+                      </p:childTnLst>
+                    </p:cTn>
+                  </p:par>
+                  <p:par>
+                    <p:cTn id="31" fill="hold">
+                      <p:stCondLst>
+                        <p:cond delay="indefinite"/>
+                      </p:stCondLst>
+                      <p:childTnLst>
+                        <p:par>
+                          <p:cTn id="32" fill="hold">
+                            <p:stCondLst>
+                              <p:cond delay="0"/>
+                            </p:stCondLst>
+                            <p:childTnLst>
+                              <p:par>
+                                <p:cTn id="33" presetID="42" presetClass="entr" presetSubtype="0" fill="hold" nodeType="clickEffect">
+                                  <p:stCondLst>
+                                    <p:cond delay="0"/>
+                                  </p:stCondLst>
+                                  <p:childTnLst>
+                                    <p:set>
+                                      <p:cBhvr>
+                                        <p:cTn id="34" dur="1" fill="hold">
+                                          <p:stCondLst>
+                                            <p:cond delay="0"/>
+                                          </p:stCondLst>
+                                        </p:cTn>
+                                        <p:tgtEl>
+                                          <p:spTgt spid="18">
+                                            <p:txEl>
+                                              <p:pRg st="3" end="3"/>
+                                            </p:txEl>
+                                          </p:spTgt>
+                                        </p:tgtEl>
+                                        <p:attrNameLst>
+                                          <p:attrName>style.visibility</p:attrName>
+                                        </p:attrNameLst>
+                                      </p:cBhvr>
+                                      <p:to>
+                                        <p:strVal val="visible"/>
+                                      </p:to>
+                                    </p:set>
+                                    <p:animEffect transition="in" filter="fade">
+                                      <p:cBhvr>
+                                        <p:cTn id="35" dur="1000"/>
+                                        <p:tgtEl>
+                                          <p:spTgt spid="18">
+                                            <p:txEl>
+                                              <p:pRg st="3" end="3"/>
+                                            </p:txEl>
+                                          </p:spTgt>
+                                        </p:tgtEl>
+                                      </p:cBhvr>
+                                    </p:animEffect>
+                                    <p:anim calcmode="lin" valueType="num">
+                                      <p:cBhvr>
+                                        <p:cTn id="36" dur="1000" fill="hold"/>
+                                        <p:tgtEl>
+                                          <p:spTgt spid="18">
+                                            <p:txEl>
+                                              <p:pRg st="3" end="3"/>
+                                            </p:txEl>
+                                          </p:spTgt>
+                                        </p:tgtEl>
+                                        <p:attrNameLst>
+                                          <p:attrName>ppt_x</p:attrName>
+                                        </p:attrNameLst>
+                                      </p:cBhvr>
+                                      <p:tavLst>
+                                        <p:tav tm="0">
+                                          <p:val>
+                                            <p:strVal val="#ppt_x"/>
+                                          </p:val>
+                                        </p:tav>
+                                        <p:tav tm="100000">
+                                          <p:val>
+                                            <p:strVal val="#ppt_x"/>
+                                          </p:val>
+                                        </p:tav>
+                                      </p:tavLst>
+                                    </p:anim>
+                                    <p:anim calcmode="lin" valueType="num">
+                                      <p:cBhvr>
+                                        <p:cTn id="37" dur="1000" fill="hold"/>
+                                        <p:tgtEl>
+                                          <p:spTgt spid="18">
+                                            <p:txEl>
+                                              <p:pRg st="3" end="3"/>
+                                            </p:txEl>
+                                          </p:spTgt>
+                                        </p:tgtEl>
+                                        <p:attrNameLst>
+                                          <p:attrName>ppt_y</p:attrName>
+                                        </p:attrNameLst>
+                                      </p:cBhvr>
+                                      <p:tavLst>
+                                        <p:tav tm="0">
+                                          <p:val>
+                                            <p:strVal val="#ppt_y+.1"/>
+                                          </p:val>
+                                        </p:tav>
+                                        <p:tav tm="100000">
+                                          <p:val>
+                                            <p:strVal val="#ppt_y"/>
+                                          </p:val>
+                                        </p:tav>
+                                      </p:tavLst>
+                                    </p:anim>
+                                  </p:childTnLst>
+                                </p:cTn>
+                              </p:par>
+                              <p:par>
+                                <p:cTn id="38" presetID="42" presetClass="entr" presetSubtype="0" fill="hold" nodeType="withEffect">
+                                  <p:stCondLst>
+                                    <p:cond delay="0"/>
+                                  </p:stCondLst>
+                                  <p:childTnLst>
+                                    <p:set>
+                                      <p:cBhvr>
+                                        <p:cTn id="39" dur="1" fill="hold">
+                                          <p:stCondLst>
+                                            <p:cond delay="0"/>
+                                          </p:stCondLst>
+                                        </p:cTn>
+                                        <p:tgtEl>
+                                          <p:spTgt spid="18">
+                                            <p:txEl>
+                                              <p:pRg st="4" end="4"/>
+                                            </p:txEl>
+                                          </p:spTgt>
+                                        </p:tgtEl>
+                                        <p:attrNameLst>
+                                          <p:attrName>style.visibility</p:attrName>
+                                        </p:attrNameLst>
+                                      </p:cBhvr>
+                                      <p:to>
+                                        <p:strVal val="visible"/>
+                                      </p:to>
+                                    </p:set>
+                                    <p:animEffect transition="in" filter="fade">
+                                      <p:cBhvr>
+                                        <p:cTn id="40" dur="1000"/>
+                                        <p:tgtEl>
+                                          <p:spTgt spid="18">
+                                            <p:txEl>
+                                              <p:pRg st="4" end="4"/>
+                                            </p:txEl>
+                                          </p:spTgt>
+                                        </p:tgtEl>
+                                      </p:cBhvr>
+                                    </p:animEffect>
+                                    <p:anim calcmode="lin" valueType="num">
+                                      <p:cBhvr>
+                                        <p:cTn id="41" dur="1000" fill="hold"/>
+                                        <p:tgtEl>
+                                          <p:spTgt spid="18">
+                                            <p:txEl>
+                                              <p:pRg st="4" end="4"/>
+                                            </p:txEl>
+                                          </p:spTgt>
+                                        </p:tgtEl>
+                                        <p:attrNameLst>
+                                          <p:attrName>ppt_x</p:attrName>
+                                        </p:attrNameLst>
+                                      </p:cBhvr>
+                                      <p:tavLst>
+                                        <p:tav tm="0">
+                                          <p:val>
+                                            <p:strVal val="#ppt_x"/>
+                                          </p:val>
+                                        </p:tav>
+                                        <p:tav tm="100000">
+                                          <p:val>
+                                            <p:strVal val="#ppt_x"/>
+                                          </p:val>
+                                        </p:tav>
+                                      </p:tavLst>
+                                    </p:anim>
+                                    <p:anim calcmode="lin" valueType="num">
+                                      <p:cBhvr>
+                                        <p:cTn id="42" dur="1000" fill="hold"/>
+                                        <p:tgtEl>
+                                          <p:spTgt spid="18">
+                                            <p:txEl>
+                                              <p:pRg st="4" end="4"/>
+                                            </p:txEl>
+                                          </p:spTgt>
+                                        </p:tgtEl>
+                                        <p:attrNameLst>
+                                          <p:attrName>ppt_y</p:attrName>
+                                        </p:attrNameLst>
+                                      </p:cBhvr>
+                                      <p:tavLst>
+                                        <p:tav tm="0">
+                                          <p:val>
+                                            <p:strVal val="#ppt_y+.1"/>
+                                          </p:val>
+                                        </p:tav>
+                                        <p:tav tm="100000">
+                                          <p:val>
+                                            <p:strVal val="#ppt_y"/>
+                                          </p:val>
+                                        </p:tav>
+                                      </p:tavLst>
+                                    </p:anim>
+                                  </p:childTnLst>
+                                </p:cTn>
+                              </p:par>
+                              <p:par>
+                                <p:cTn id="43" presetID="42" presetClass="entr" presetSubtype="0" fill="hold" nodeType="withEffect">
+                                  <p:stCondLst>
+                                    <p:cond delay="0"/>
+                                  </p:stCondLst>
+                                  <p:childTnLst>
+                                    <p:set>
+                                      <p:cBhvr>
+                                        <p:cTn id="44" dur="1" fill="hold">
+                                          <p:stCondLst>
+                                            <p:cond delay="0"/>
+                                          </p:stCondLst>
+                                        </p:cTn>
+                                        <p:tgtEl>
+                                          <p:spTgt spid="18">
+                                            <p:txEl>
+                                              <p:pRg st="5" end="5"/>
+                                            </p:txEl>
+                                          </p:spTgt>
+                                        </p:tgtEl>
+                                        <p:attrNameLst>
+                                          <p:attrName>style.visibility</p:attrName>
+                                        </p:attrNameLst>
+                                      </p:cBhvr>
+                                      <p:to>
+                                        <p:strVal val="visible"/>
+                                      </p:to>
+                                    </p:set>
+                                    <p:animEffect transition="in" filter="fade">
+                                      <p:cBhvr>
+                                        <p:cTn id="45" dur="1000"/>
+                                        <p:tgtEl>
+                                          <p:spTgt spid="18">
+                                            <p:txEl>
+                                              <p:pRg st="5" end="5"/>
+                                            </p:txEl>
+                                          </p:spTgt>
+                                        </p:tgtEl>
+                                      </p:cBhvr>
+                                    </p:animEffect>
+                                    <p:anim calcmode="lin" valueType="num">
+                                      <p:cBhvr>
+                                        <p:cTn id="46" dur="1000" fill="hold"/>
+                                        <p:tgtEl>
+                                          <p:spTgt spid="18">
+                                            <p:txEl>
+                                              <p:pRg st="5" end="5"/>
+                                            </p:txEl>
+                                          </p:spTgt>
+                                        </p:tgtEl>
+                                        <p:attrNameLst>
+                                          <p:attrName>ppt_x</p:attrName>
+                                        </p:attrNameLst>
+                                      </p:cBhvr>
+                                      <p:tavLst>
+                                        <p:tav tm="0">
+                                          <p:val>
+                                            <p:strVal val="#ppt_x"/>
+                                          </p:val>
+                                        </p:tav>
+                                        <p:tav tm="100000">
+                                          <p:val>
+                                            <p:strVal val="#ppt_x"/>
+                                          </p:val>
+                                        </p:tav>
+                                      </p:tavLst>
+                                    </p:anim>
+                                    <p:anim calcmode="lin" valueType="num">
+                                      <p:cBhvr>
+                                        <p:cTn id="47" dur="1000" fill="hold"/>
+                                        <p:tgtEl>
+                                          <p:spTgt spid="18">
+                                            <p:txEl>
+                                              <p:pRg st="5" end="5"/>
+                                            </p:txEl>
+                                          </p:spTgt>
+                                        </p:tgtEl>
+                                        <p:attrNameLst>
+                                          <p:attrName>ppt_y</p:attrName>
+                                        </p:attrNameLst>
+                                      </p:cBhvr>
+                                      <p:tavLst>
+                                        <p:tav tm="0">
+                                          <p:val>
+                                            <p:strVal val="#ppt_y+.1"/>
+                                          </p:val>
+                                        </p:tav>
+                                        <p:tav tm="100000">
+                                          <p:val>
+                                            <p:strVal val="#ppt_y"/>
+                                          </p:val>
+                                        </p:tav>
+                                      </p:tavLst>
+                                    </p:anim>
+                                  </p:childTnLst>
+                                </p:cTn>
+                              </p:par>
+                              <p:par>
+                                <p:cTn id="48" presetID="42" presetClass="entr" presetSubtype="0" fill="hold" nodeType="withEffect">
+                                  <p:stCondLst>
+                                    <p:cond delay="0"/>
+                                  </p:stCondLst>
+                                  <p:childTnLst>
+                                    <p:set>
+                                      <p:cBhvr>
+                                        <p:cTn id="49" dur="1" fill="hold">
+                                          <p:stCondLst>
+                                            <p:cond delay="0"/>
+                                          </p:stCondLst>
+                                        </p:cTn>
+                                        <p:tgtEl>
+                                          <p:spTgt spid="18">
+                                            <p:txEl>
+                                              <p:pRg st="6" end="6"/>
+                                            </p:txEl>
+                                          </p:spTgt>
+                                        </p:tgtEl>
+                                        <p:attrNameLst>
+                                          <p:attrName>style.visibility</p:attrName>
+                                        </p:attrNameLst>
+                                      </p:cBhvr>
+                                      <p:to>
+                                        <p:strVal val="visible"/>
+                                      </p:to>
+                                    </p:set>
+                                    <p:animEffect transition="in" filter="fade">
+                                      <p:cBhvr>
+                                        <p:cTn id="50" dur="1000"/>
+                                        <p:tgtEl>
+                                          <p:spTgt spid="18">
+                                            <p:txEl>
+                                              <p:pRg st="6" end="6"/>
+                                            </p:txEl>
+                                          </p:spTgt>
+                                        </p:tgtEl>
+                                      </p:cBhvr>
+                                    </p:animEffect>
+                                    <p:anim calcmode="lin" valueType="num">
+                                      <p:cBhvr>
+                                        <p:cTn id="51" dur="1000" fill="hold"/>
+                                        <p:tgtEl>
+                                          <p:spTgt spid="18">
+                                            <p:txEl>
+                                              <p:pRg st="6" end="6"/>
+                                            </p:txEl>
+                                          </p:spTgt>
+                                        </p:tgtEl>
+                                        <p:attrNameLst>
+                                          <p:attrName>ppt_x</p:attrName>
+                                        </p:attrNameLst>
+                                      </p:cBhvr>
+                                      <p:tavLst>
+                                        <p:tav tm="0">
+                                          <p:val>
+                                            <p:strVal val="#ppt_x"/>
+                                          </p:val>
+                                        </p:tav>
+                                        <p:tav tm="100000">
+                                          <p:val>
+                                            <p:strVal val="#ppt_x"/>
+                                          </p:val>
+                                        </p:tav>
+                                      </p:tavLst>
+                                    </p:anim>
+                                    <p:anim calcmode="lin" valueType="num">
+                                      <p:cBhvr>
+                                        <p:cTn id="52" dur="1000" fill="hold"/>
+                                        <p:tgtEl>
+                                          <p:spTgt spid="18">
+                                            <p:txEl>
+                                              <p:pRg st="6" end="6"/>
+                                            </p:txEl>
+                                          </p:spTgt>
+                                        </p:tgtEl>
+                                        <p:attrNameLst>
+                                          <p:attrName>ppt_y</p:attrName>
+                                        </p:attrNameLst>
+                                      </p:cBhvr>
+                                      <p:tavLst>
+                                        <p:tav tm="0">
+                                          <p:val>
+                                            <p:strVal val="#ppt_y+.1"/>
+                                          </p:val>
+                                        </p:tav>
+                                        <p:tav tm="100000">
+                                          <p:val>
+                                            <p:strVal val="#ppt_y"/>
+                                          </p:val>
+                                        </p:tav>
+                                      </p:tavLst>
+                                    </p:anim>
+                                  </p:childTnLst>
+                                </p:cTn>
+                              </p:par>
+                            </p:childTnLst>
+                          </p:cTn>
+                        </p:par>
+                      </p:childTnLst>
+                    </p:cTn>
+                  </p:par>
+                  <p:par>
+                    <p:cTn id="53" fill="hold">
+                      <p:stCondLst>
+                        <p:cond delay="indefinite"/>
+                      </p:stCondLst>
+                      <p:childTnLst>
+                        <p:par>
+                          <p:cTn id="54" fill="hold">
+                            <p:stCondLst>
+                              <p:cond delay="0"/>
+                            </p:stCondLst>
+                            <p:childTnLst>
+                              <p:par>
+                                <p:cTn id="55" presetID="42" presetClass="entr" presetSubtype="0" fill="hold" nodeType="clickEffect">
+                                  <p:stCondLst>
+                                    <p:cond delay="0"/>
+                                  </p:stCondLst>
+                                  <p:childTnLst>
+                                    <p:set>
+                                      <p:cBhvr>
+                                        <p:cTn id="56" dur="1" fill="hold">
+                                          <p:stCondLst>
+                                            <p:cond delay="0"/>
+                                          </p:stCondLst>
+                                        </p:cTn>
+                                        <p:tgtEl>
+                                          <p:spTgt spid="18">
+                                            <p:txEl>
+                                              <p:pRg st="7" end="7"/>
+                                            </p:txEl>
+                                          </p:spTgt>
+                                        </p:tgtEl>
+                                        <p:attrNameLst>
+                                          <p:attrName>style.visibility</p:attrName>
+                                        </p:attrNameLst>
+                                      </p:cBhvr>
+                                      <p:to>
+                                        <p:strVal val="visible"/>
+                                      </p:to>
+                                    </p:set>
+                                    <p:animEffect transition="in" filter="fade">
+                                      <p:cBhvr>
+                                        <p:cTn id="57" dur="1000"/>
+                                        <p:tgtEl>
+                                          <p:spTgt spid="18">
+                                            <p:txEl>
+                                              <p:pRg st="7" end="7"/>
+                                            </p:txEl>
+                                          </p:spTgt>
+                                        </p:tgtEl>
+                                      </p:cBhvr>
+                                    </p:animEffect>
+                                    <p:anim calcmode="lin" valueType="num">
+                                      <p:cBhvr>
+                                        <p:cTn id="58" dur="1000" fill="hold"/>
+                                        <p:tgtEl>
+                                          <p:spTgt spid="18">
+                                            <p:txEl>
+                                              <p:pRg st="7" end="7"/>
+                                            </p:txEl>
+                                          </p:spTgt>
+                                        </p:tgtEl>
+                                        <p:attrNameLst>
+                                          <p:attrName>ppt_x</p:attrName>
+                                        </p:attrNameLst>
+                                      </p:cBhvr>
+                                      <p:tavLst>
+                                        <p:tav tm="0">
+                                          <p:val>
+                                            <p:strVal val="#ppt_x"/>
+                                          </p:val>
+                                        </p:tav>
+                                        <p:tav tm="100000">
+                                          <p:val>
+                                            <p:strVal val="#ppt_x"/>
+                                          </p:val>
+                                        </p:tav>
+                                      </p:tavLst>
+                                    </p:anim>
+                                    <p:anim calcmode="lin" valueType="num">
+                                      <p:cBhvr>
+                                        <p:cTn id="59" dur="1000" fill="hold"/>
+                                        <p:tgtEl>
+                                          <p:spTgt spid="18">
+                                            <p:txEl>
+                                              <p:pRg st="7" end="7"/>
+                                            </p:txEl>
+                                          </p:spTgt>
+                                        </p:tgtEl>
+                                        <p:attrNameLst>
+                                          <p:attrName>ppt_y</p:attrName>
+                                        </p:attrNameLst>
+                                      </p:cBhvr>
+                                      <p:tavLst>
+                                        <p:tav tm="0">
+                                          <p:val>
+                                            <p:strVal val="#ppt_y+.1"/>
+                                          </p:val>
+                                        </p:tav>
+                                        <p:tav tm="100000">
+                                          <p:val>
+                                            <p:strVal val="#ppt_y"/>
+                                          </p:val>
+                                        </p:tav>
+                                      </p:tavLst>
+                                    </p:anim>
+                                  </p:childTnLst>
+                                </p:cTn>
+                              </p:par>
+                              <p:par>
+                                <p:cTn id="60" presetID="42" presetClass="entr" presetSubtype="0" fill="hold" nodeType="withEffect">
+                                  <p:stCondLst>
+                                    <p:cond delay="0"/>
+                                  </p:stCondLst>
+                                  <p:childTnLst>
+                                    <p:set>
+                                      <p:cBhvr>
+                                        <p:cTn id="61" dur="1" fill="hold">
+                                          <p:stCondLst>
+                                            <p:cond delay="0"/>
+                                          </p:stCondLst>
+                                        </p:cTn>
+                                        <p:tgtEl>
+                                          <p:spTgt spid="18">
+                                            <p:txEl>
+                                              <p:pRg st="8" end="8"/>
+                                            </p:txEl>
+                                          </p:spTgt>
+                                        </p:tgtEl>
+                                        <p:attrNameLst>
+                                          <p:attrName>style.visibility</p:attrName>
+                                        </p:attrNameLst>
+                                      </p:cBhvr>
+                                      <p:to>
+                                        <p:strVal val="visible"/>
+                                      </p:to>
+                                    </p:set>
+                                    <p:animEffect transition="in" filter="fade">
+                                      <p:cBhvr>
+                                        <p:cTn id="62" dur="1000"/>
+                                        <p:tgtEl>
+                                          <p:spTgt spid="18">
+                                            <p:txEl>
+                                              <p:pRg st="8" end="8"/>
+                                            </p:txEl>
+                                          </p:spTgt>
+                                        </p:tgtEl>
+                                      </p:cBhvr>
+                                    </p:animEffect>
+                                    <p:anim calcmode="lin" valueType="num">
+                                      <p:cBhvr>
+                                        <p:cTn id="63" dur="1000" fill="hold"/>
+                                        <p:tgtEl>
+                                          <p:spTgt spid="18">
+                                            <p:txEl>
+                                              <p:pRg st="8" end="8"/>
+                                            </p:txEl>
+                                          </p:spTgt>
+                                        </p:tgtEl>
+                                        <p:attrNameLst>
+                                          <p:attrName>ppt_x</p:attrName>
+                                        </p:attrNameLst>
+                                      </p:cBhvr>
+                                      <p:tavLst>
+                                        <p:tav tm="0">
+                                          <p:val>
+                                            <p:strVal val="#ppt_x"/>
+                                          </p:val>
+                                        </p:tav>
+                                        <p:tav tm="100000">
+                                          <p:val>
+                                            <p:strVal val="#ppt_x"/>
+                                          </p:val>
+                                        </p:tav>
+                                      </p:tavLst>
+                                    </p:anim>
+                                    <p:anim calcmode="lin" valueType="num">
+                                      <p:cBhvr>
+                                        <p:cTn id="64" dur="1000" fill="hold"/>
+                                        <p:tgtEl>
+                                          <p:spTgt spid="18">
+                                            <p:txEl>
+                                              <p:pRg st="8" end="8"/>
+                                            </p:txEl>
+                                          </p:spTgt>
+                                        </p:tgtEl>
+                                        <p:attrNameLst>
+                                          <p:attrName>ppt_y</p:attrName>
+                                        </p:attrNameLst>
+                                      </p:cBhvr>
+                                      <p:tavLst>
+                                        <p:tav tm="0">
+                                          <p:val>
+                                            <p:strVal val="#ppt_y+.1"/>
+                                          </p:val>
+                                        </p:tav>
+                                        <p:tav tm="100000">
+                                          <p:val>
+                                            <p:strVal val="#ppt_y"/>
+                                          </p:val>
+                                        </p:tav>
+                                      </p:tavLst>
+                                    </p:anim>
+                                  </p:childTnLst>
+                                </p:cTn>
+                              </p:par>
+                            </p:childTnLst>
+                          </p:cTn>
+                        </p:par>
+                      </p:childTnLst>
+                    </p:cTn>
+                  </p:par>
+                  <p:par>
+                    <p:cTn id="65" fill="hold">
+                      <p:stCondLst>
+                        <p:cond delay="indefinite"/>
+                      </p:stCondLst>
+                      <p:childTnLst>
+                        <p:par>
+                          <p:cTn id="66" fill="hold">
+                            <p:stCondLst>
+                              <p:cond delay="0"/>
+                            </p:stCondLst>
+                            <p:childTnLst>
+                              <p:par>
+                                <p:cTn id="67" presetID="42" presetClass="entr" presetSubtype="0" fill="hold" nodeType="clickEffect">
+                                  <p:stCondLst>
+                                    <p:cond delay="0"/>
+                                  </p:stCondLst>
+                                  <p:childTnLst>
+                                    <p:set>
+                                      <p:cBhvr>
+                                        <p:cTn id="68" dur="1" fill="hold">
+                                          <p:stCondLst>
+                                            <p:cond delay="0"/>
+                                          </p:stCondLst>
+                                        </p:cTn>
+                                        <p:tgtEl>
+                                          <p:spTgt spid="18">
+                                            <p:txEl>
+                                              <p:pRg st="9" end="9"/>
+                                            </p:txEl>
+                                          </p:spTgt>
+                                        </p:tgtEl>
+                                        <p:attrNameLst>
+                                          <p:attrName>style.visibility</p:attrName>
+                                        </p:attrNameLst>
+                                      </p:cBhvr>
+                                      <p:to>
+                                        <p:strVal val="visible"/>
+                                      </p:to>
+                                    </p:set>
+                                    <p:animEffect transition="in" filter="fade">
+                                      <p:cBhvr>
+                                        <p:cTn id="69" dur="1000"/>
+                                        <p:tgtEl>
+                                          <p:spTgt spid="18">
+                                            <p:txEl>
+                                              <p:pRg st="9" end="9"/>
+                                            </p:txEl>
+                                          </p:spTgt>
+                                        </p:tgtEl>
+                                      </p:cBhvr>
+                                    </p:animEffect>
+                                    <p:anim calcmode="lin" valueType="num">
+                                      <p:cBhvr>
+                                        <p:cTn id="70" dur="1000" fill="hold"/>
+                                        <p:tgtEl>
+                                          <p:spTgt spid="18">
+                                            <p:txEl>
+                                              <p:pRg st="9" end="9"/>
+                                            </p:txEl>
+                                          </p:spTgt>
+                                        </p:tgtEl>
+                                        <p:attrNameLst>
+                                          <p:attrName>ppt_x</p:attrName>
+                                        </p:attrNameLst>
+                                      </p:cBhvr>
+                                      <p:tavLst>
+                                        <p:tav tm="0">
+                                          <p:val>
+                                            <p:strVal val="#ppt_x"/>
+                                          </p:val>
+                                        </p:tav>
+                                        <p:tav tm="100000">
+                                          <p:val>
+                                            <p:strVal val="#ppt_x"/>
+                                          </p:val>
+                                        </p:tav>
+                                      </p:tavLst>
+                                    </p:anim>
+                                    <p:anim calcmode="lin" valueType="num">
+                                      <p:cBhvr>
+                                        <p:cTn id="71" dur="1000" fill="hold"/>
+                                        <p:tgtEl>
+                                          <p:spTgt spid="18">
+                                            <p:txEl>
+                                              <p:pRg st="9" end="9"/>
+                                            </p:txEl>
+                                          </p:spTgt>
+                                        </p:tgtEl>
+                                        <p:attrNameLst>
+                                          <p:attrName>ppt_y</p:attrName>
+                                        </p:attrNameLst>
+                                      </p:cBhvr>
+                                      <p:tavLst>
+                                        <p:tav tm="0">
+                                          <p:val>
+                                            <p:strVal val="#ppt_y+.1"/>
+                                          </p:val>
+                                        </p:tav>
+                                        <p:tav tm="100000">
+                                          <p:val>
+                                            <p:strVal val="#ppt_y"/>
+                                          </p:val>
+                                        </p:tav>
+                                      </p:tavLst>
+                                    </p:anim>
+                                  </p:childTnLst>
+                                </p:cTn>
+                              </p:par>
+                            </p:childTnLst>
+                          </p:cTn>
+                        </p:par>
+                      </p:childTnLst>
+                    </p:cTn>
+                  </p:par>
                 </p:childTnLst>
               </p:cTn>
               <p:prevCondLst>
@@ -7037,6 +11582,9 @@
         </p:cTn>
       </p:par>
     </p:tnLst>
+    <p:bldLst>
+      <p:bldP spid="45" grpId="0"/>
+    </p:bldLst>
   </p:timing>
 </p:sld>
 </file>
@@ -7090,7 +11638,7 @@
       </p:sp>
       <p:pic>
         <p:nvPicPr>
-          <p:cNvPr id="2" name="Picture 1"/>
+          <p:cNvPr id="3" name="Picture 2"/>
           <p:cNvPicPr>
             <a:picLocks noChangeAspect="1"/>
           </p:cNvPicPr>
@@ -7110,14 +11658,647 @@
         </p:blipFill>
         <p:spPr>
           <a:xfrm>
-            <a:off x="1575581" y="1029417"/>
-            <a:ext cx="9050997" cy="5661333"/>
+            <a:off x="1642217" y="992456"/>
+            <a:ext cx="9117584" cy="5702983"/>
           </a:xfrm>
           <a:prstGeom prst="rect">
             <a:avLst/>
           </a:prstGeom>
         </p:spPr>
       </p:pic>
+      <p:grpSp>
+        <p:nvGrpSpPr>
+          <p:cNvPr id="5" name="Group 4"/>
+          <p:cNvGrpSpPr/>
+          <p:nvPr/>
+        </p:nvGrpSpPr>
+        <p:grpSpPr>
+          <a:xfrm>
+            <a:off x="11126509" y="5027115"/>
+            <a:ext cx="480160" cy="504074"/>
+            <a:chOff x="6972879" y="5803044"/>
+            <a:chExt cx="480160" cy="504074"/>
+          </a:xfrm>
+        </p:grpSpPr>
+        <p:sp>
+          <p:nvSpPr>
+            <p:cNvPr id="6" name="Oval 5">
+              <a:extLst>
+                <a:ext uri="{FF2B5EF4-FFF2-40B4-BE49-F238E27FC236}">
+                  <a16:creationId xmlns="" xmlns:a16="http://schemas.microsoft.com/office/drawing/2014/main" id="{70BEAFAF-D05A-2F43-A7E6-B9229A0A202F}"/>
+                </a:ext>
+              </a:extLst>
+            </p:cNvPr>
+            <p:cNvSpPr/>
+            <p:nvPr/>
+          </p:nvSpPr>
+          <p:spPr>
+            <a:xfrm>
+              <a:off x="6978068" y="5803044"/>
+              <a:ext cx="474971" cy="504074"/>
+            </a:xfrm>
+            <a:prstGeom prst="ellipse">
+              <a:avLst/>
+            </a:prstGeom>
+            <a:gradFill flip="none" rotWithShape="1">
+              <a:gsLst>
+                <a:gs pos="0">
+                  <a:schemeClr val="accent2">
+                    <a:lumMod val="0"/>
+                    <a:lumOff val="100000"/>
+                  </a:schemeClr>
+                </a:gs>
+                <a:gs pos="35000">
+                  <a:schemeClr val="accent2">
+                    <a:lumMod val="0"/>
+                    <a:lumOff val="100000"/>
+                  </a:schemeClr>
+                </a:gs>
+                <a:gs pos="100000">
+                  <a:schemeClr val="accent2">
+                    <a:lumMod val="100000"/>
+                  </a:schemeClr>
+                </a:gs>
+              </a:gsLst>
+              <a:path path="circle">
+                <a:fillToRect l="50000" t="-80000" r="50000" b="180000"/>
+              </a:path>
+              <a:tileRect/>
+            </a:gradFill>
+          </p:spPr>
+          <p:style>
+            <a:lnRef idx="2">
+              <a:schemeClr val="accent1">
+                <a:shade val="50000"/>
+              </a:schemeClr>
+            </a:lnRef>
+            <a:fillRef idx="1">
+              <a:schemeClr val="accent1"/>
+            </a:fillRef>
+            <a:effectRef idx="0">
+              <a:schemeClr val="accent1"/>
+            </a:effectRef>
+            <a:fontRef idx="minor">
+              <a:schemeClr val="lt1"/>
+            </a:fontRef>
+          </p:style>
+          <p:txBody>
+            <a:bodyPr rtlCol="0" anchor="ctr"/>
+            <a:lstStyle/>
+            <a:p>
+              <a:pPr algn="ctr"/>
+              <a:endParaRPr lang="en-US"/>
+            </a:p>
+          </p:txBody>
+        </p:sp>
+        <p:sp>
+          <p:nvSpPr>
+            <p:cNvPr id="7" name="Explosion 1 6">
+              <a:extLst>
+                <a:ext uri="{FF2B5EF4-FFF2-40B4-BE49-F238E27FC236}">
+                  <a16:creationId xmlns="" xmlns:a16="http://schemas.microsoft.com/office/drawing/2014/main" id="{F2C69E3C-57D7-7F4B-BDD1-11E4664B39EB}"/>
+                </a:ext>
+              </a:extLst>
+            </p:cNvPr>
+            <p:cNvSpPr/>
+            <p:nvPr/>
+          </p:nvSpPr>
+          <p:spPr>
+            <a:xfrm flipH="1">
+              <a:off x="6972879" y="5803044"/>
+              <a:ext cx="207670" cy="257022"/>
+            </a:xfrm>
+            <a:prstGeom prst="irregularSeal1">
+              <a:avLst/>
+            </a:prstGeom>
+            <a:solidFill>
+              <a:srgbClr val="FF0000"/>
+            </a:solidFill>
+          </p:spPr>
+          <p:style>
+            <a:lnRef idx="2">
+              <a:schemeClr val="accent1">
+                <a:shade val="50000"/>
+              </a:schemeClr>
+            </a:lnRef>
+            <a:fillRef idx="1">
+              <a:schemeClr val="accent1"/>
+            </a:fillRef>
+            <a:effectRef idx="0">
+              <a:schemeClr val="accent1"/>
+            </a:effectRef>
+            <a:fontRef idx="minor">
+              <a:schemeClr val="lt1"/>
+            </a:fontRef>
+          </p:style>
+          <p:txBody>
+            <a:bodyPr rtlCol="0" anchor="ctr"/>
+            <a:lstStyle/>
+            <a:p>
+              <a:pPr algn="ctr"/>
+              <a:endParaRPr lang="en-US"/>
+            </a:p>
+          </p:txBody>
+        </p:sp>
+        <p:sp>
+          <p:nvSpPr>
+            <p:cNvPr id="8" name="Explosion 1 7">
+              <a:extLst>
+                <a:ext uri="{FF2B5EF4-FFF2-40B4-BE49-F238E27FC236}">
+                  <a16:creationId xmlns="" xmlns:a16="http://schemas.microsoft.com/office/drawing/2014/main" id="{5D18684F-6348-8C4C-BAC1-AAFCFC1129E2}"/>
+                </a:ext>
+              </a:extLst>
+            </p:cNvPr>
+            <p:cNvSpPr/>
+            <p:nvPr/>
+          </p:nvSpPr>
+          <p:spPr>
+            <a:xfrm>
+              <a:off x="6972879" y="6097926"/>
+              <a:ext cx="192351" cy="209192"/>
+            </a:xfrm>
+            <a:prstGeom prst="irregularSeal1">
+              <a:avLst/>
+            </a:prstGeom>
+            <a:solidFill>
+              <a:srgbClr val="92D050"/>
+            </a:solidFill>
+          </p:spPr>
+          <p:style>
+            <a:lnRef idx="2">
+              <a:schemeClr val="accent1">
+                <a:shade val="50000"/>
+              </a:schemeClr>
+            </a:lnRef>
+            <a:fillRef idx="1">
+              <a:schemeClr val="accent1"/>
+            </a:fillRef>
+            <a:effectRef idx="0">
+              <a:schemeClr val="accent1"/>
+            </a:effectRef>
+            <a:fontRef idx="minor">
+              <a:schemeClr val="lt1"/>
+            </a:fontRef>
+          </p:style>
+          <p:txBody>
+            <a:bodyPr rtlCol="0" anchor="ctr"/>
+            <a:lstStyle/>
+            <a:p>
+              <a:pPr algn="ctr"/>
+              <a:endParaRPr lang="en-US" dirty="0"/>
+            </a:p>
+          </p:txBody>
+        </p:sp>
+      </p:grpSp>
+      <p:grpSp>
+        <p:nvGrpSpPr>
+          <p:cNvPr id="10" name="Group 9">
+            <a:extLst>
+              <a:ext uri="{FF2B5EF4-FFF2-40B4-BE49-F238E27FC236}">
+                <a16:creationId xmlns="" xmlns:a16="http://schemas.microsoft.com/office/drawing/2014/main" id="{FD835BF2-854A-C64B-9B19-4E10B149FB0D}"/>
+              </a:ext>
+            </a:extLst>
+          </p:cNvPr>
+          <p:cNvGrpSpPr/>
+          <p:nvPr/>
+        </p:nvGrpSpPr>
+        <p:grpSpPr>
+          <a:xfrm rot="18213054">
+            <a:off x="10564728" y="1438267"/>
+            <a:ext cx="1863275" cy="958843"/>
+            <a:chOff x="4315087" y="1157317"/>
+            <a:chExt cx="1376910" cy="743761"/>
+          </a:xfrm>
+        </p:grpSpPr>
+        <p:grpSp>
+          <p:nvGrpSpPr>
+            <p:cNvPr id="11" name="Group 10">
+              <a:extLst>
+                <a:ext uri="{FF2B5EF4-FFF2-40B4-BE49-F238E27FC236}">
+                  <a16:creationId xmlns="" xmlns:a16="http://schemas.microsoft.com/office/drawing/2014/main" id="{681DC5A4-2E2E-6246-AA54-41C41A6E49D7}"/>
+                </a:ext>
+              </a:extLst>
+            </p:cNvPr>
+            <p:cNvGrpSpPr/>
+            <p:nvPr/>
+          </p:nvGrpSpPr>
+          <p:grpSpPr>
+            <a:xfrm>
+              <a:off x="4315087" y="1157317"/>
+              <a:ext cx="1376910" cy="670602"/>
+              <a:chOff x="4315087" y="1157317"/>
+              <a:chExt cx="1376910" cy="670602"/>
+            </a:xfrm>
+          </p:grpSpPr>
+          <p:sp>
+            <p:nvSpPr>
+              <p:cNvPr id="13" name="Oval 12">
+                <a:extLst>
+                  <a:ext uri="{FF2B5EF4-FFF2-40B4-BE49-F238E27FC236}">
+                    <a16:creationId xmlns="" xmlns:a16="http://schemas.microsoft.com/office/drawing/2014/main" id="{70BEAFAF-D05A-2F43-A7E6-B9229A0A202F}"/>
+                  </a:ext>
+                </a:extLst>
+              </p:cNvPr>
+              <p:cNvSpPr/>
+              <p:nvPr/>
+            </p:nvSpPr>
+            <p:spPr>
+              <a:xfrm>
+                <a:off x="4315087" y="1436916"/>
+                <a:ext cx="350991" cy="391003"/>
+              </a:xfrm>
+              <a:prstGeom prst="ellipse">
+                <a:avLst/>
+              </a:prstGeom>
+              <a:gradFill flip="none" rotWithShape="1">
+                <a:gsLst>
+                  <a:gs pos="0">
+                    <a:schemeClr val="accent2">
+                      <a:lumMod val="0"/>
+                      <a:lumOff val="100000"/>
+                    </a:schemeClr>
+                  </a:gs>
+                  <a:gs pos="35000">
+                    <a:schemeClr val="accent2">
+                      <a:lumMod val="0"/>
+                      <a:lumOff val="100000"/>
+                    </a:schemeClr>
+                  </a:gs>
+                  <a:gs pos="100000">
+                    <a:schemeClr val="accent2">
+                      <a:lumMod val="100000"/>
+                    </a:schemeClr>
+                  </a:gs>
+                </a:gsLst>
+                <a:path path="circle">
+                  <a:fillToRect l="50000" t="-80000" r="50000" b="180000"/>
+                </a:path>
+                <a:tileRect/>
+              </a:gradFill>
+            </p:spPr>
+            <p:style>
+              <a:lnRef idx="2">
+                <a:schemeClr val="accent1">
+                  <a:shade val="50000"/>
+                </a:schemeClr>
+              </a:lnRef>
+              <a:fillRef idx="1">
+                <a:schemeClr val="accent1"/>
+              </a:fillRef>
+              <a:effectRef idx="0">
+                <a:schemeClr val="accent1"/>
+              </a:effectRef>
+              <a:fontRef idx="minor">
+                <a:schemeClr val="lt1"/>
+              </a:fontRef>
+            </p:style>
+            <p:txBody>
+              <a:bodyPr rtlCol="0" anchor="ctr"/>
+              <a:lstStyle/>
+              <a:p>
+                <a:pPr algn="ctr"/>
+                <a:endParaRPr lang="en-US"/>
+              </a:p>
+            </p:txBody>
+          </p:sp>
+          <p:sp>
+            <p:nvSpPr>
+              <p:cNvPr id="14" name="Oval 13">
+                <a:extLst>
+                  <a:ext uri="{FF2B5EF4-FFF2-40B4-BE49-F238E27FC236}">
+                    <a16:creationId xmlns="" xmlns:a16="http://schemas.microsoft.com/office/drawing/2014/main" id="{8478C433-D1C7-314B-BFBE-F9AAFA3DB9BD}"/>
+                  </a:ext>
+                </a:extLst>
+              </p:cNvPr>
+              <p:cNvSpPr/>
+              <p:nvPr/>
+            </p:nvSpPr>
+            <p:spPr>
+              <a:xfrm>
+                <a:off x="4570056" y="1570271"/>
+                <a:ext cx="246903" cy="133355"/>
+              </a:xfrm>
+              <a:prstGeom prst="ellipse">
+                <a:avLst/>
+              </a:prstGeom>
+              <a:gradFill flip="none" rotWithShape="1">
+                <a:gsLst>
+                  <a:gs pos="0">
+                    <a:schemeClr val="accent5">
+                      <a:lumMod val="40000"/>
+                      <a:lumOff val="60000"/>
+                    </a:schemeClr>
+                  </a:gs>
+                  <a:gs pos="46000">
+                    <a:schemeClr val="accent5">
+                      <a:lumMod val="95000"/>
+                      <a:lumOff val="5000"/>
+                    </a:schemeClr>
+                  </a:gs>
+                  <a:gs pos="100000">
+                    <a:schemeClr val="accent5">
+                      <a:lumMod val="60000"/>
+                    </a:schemeClr>
+                  </a:gs>
+                </a:gsLst>
+                <a:path path="circle">
+                  <a:fillToRect l="50000" t="130000" r="50000" b="-30000"/>
+                </a:path>
+                <a:tileRect/>
+              </a:gradFill>
+            </p:spPr>
+            <p:style>
+              <a:lnRef idx="2">
+                <a:schemeClr val="accent1">
+                  <a:shade val="50000"/>
+                </a:schemeClr>
+              </a:lnRef>
+              <a:fillRef idx="1">
+                <a:schemeClr val="accent1"/>
+              </a:fillRef>
+              <a:effectRef idx="0">
+                <a:schemeClr val="accent1"/>
+              </a:effectRef>
+              <a:fontRef idx="minor">
+                <a:schemeClr val="lt1"/>
+              </a:fontRef>
+            </p:style>
+            <p:txBody>
+              <a:bodyPr rtlCol="0" anchor="ctr"/>
+              <a:lstStyle/>
+              <a:p>
+                <a:pPr algn="ctr"/>
+                <a:r>
+                  <a:rPr lang="en-US" sz="1400" dirty="0"/>
+                  <a:t>A</a:t>
+                </a:r>
+              </a:p>
+            </p:txBody>
+          </p:sp>
+          <p:grpSp>
+            <p:nvGrpSpPr>
+              <p:cNvPr id="15" name="Group 14">
+                <a:extLst>
+                  <a:ext uri="{FF2B5EF4-FFF2-40B4-BE49-F238E27FC236}">
+                    <a16:creationId xmlns="" xmlns:a16="http://schemas.microsoft.com/office/drawing/2014/main" id="{0142F057-96DB-AC48-B8D0-CA4C07E463F3}"/>
+                  </a:ext>
+                </a:extLst>
+              </p:cNvPr>
+              <p:cNvGrpSpPr/>
+              <p:nvPr/>
+            </p:nvGrpSpPr>
+            <p:grpSpPr>
+              <a:xfrm rot="16392256">
+                <a:off x="5075900" y="1077835"/>
+                <a:ext cx="536616" cy="695579"/>
+                <a:chOff x="4775365" y="1205500"/>
+                <a:chExt cx="536616" cy="695579"/>
+              </a:xfrm>
+            </p:grpSpPr>
+            <p:pic>
+              <p:nvPicPr>
+                <p:cNvPr id="17" name="Picture 2" descr="Image result for antibody">
+                  <a:extLst>
+                    <a:ext uri="{FF2B5EF4-FFF2-40B4-BE49-F238E27FC236}">
+                      <a16:creationId xmlns="" xmlns:a16="http://schemas.microsoft.com/office/drawing/2014/main" id="{72B30E13-E31C-8244-964B-A576481E6DD1}"/>
+                    </a:ext>
+                  </a:extLst>
+                </p:cNvPr>
+                <p:cNvPicPr>
+                  <a:picLocks noChangeAspect="1" noChangeArrowheads="1"/>
+                </p:cNvPicPr>
+                <p:nvPr/>
+              </p:nvPicPr>
+              <p:blipFill>
+                <a:blip r:embed="rId4" cstate="print">
+                  <a:extLst>
+                    <a:ext uri="{28A0092B-C50C-407E-A947-70E740481C1C}">
+                      <a14:useLocalDpi xmlns:a14="http://schemas.microsoft.com/office/drawing/2010/main" val="0"/>
+                    </a:ext>
+                  </a:extLst>
+                </a:blip>
+                <a:srcRect/>
+                <a:stretch>
+                  <a:fillRect/>
+                </a:stretch>
+              </p:blipFill>
+              <p:spPr bwMode="auto">
+                <a:xfrm rot="17557307">
+                  <a:off x="4644469" y="1336396"/>
+                  <a:ext cx="695579" cy="433787"/>
+                </a:xfrm>
+                <a:prstGeom prst="rect">
+                  <a:avLst/>
+                </a:prstGeom>
+                <a:noFill/>
+                <a:extLst>
+                  <a:ext uri="{909E8E84-426E-40DD-AFC4-6F175D3DCCD1}">
+                    <a14:hiddenFill xmlns:a14="http://schemas.microsoft.com/office/drawing/2010/main">
+                      <a:solidFill>
+                        <a:srgbClr val="FFFFFF"/>
+                      </a:solidFill>
+                    </a14:hiddenFill>
+                  </a:ext>
+                </a:extLst>
+              </p:spPr>
+            </p:pic>
+            <p:sp>
+              <p:nvSpPr>
+                <p:cNvPr id="18" name="Explosion 1 17">
+                  <a:extLst>
+                    <a:ext uri="{FF2B5EF4-FFF2-40B4-BE49-F238E27FC236}">
+                      <a16:creationId xmlns="" xmlns:a16="http://schemas.microsoft.com/office/drawing/2014/main" id="{B5D03979-A01B-A14B-A960-416EB6D49898}"/>
+                    </a:ext>
+                  </a:extLst>
+                </p:cNvPr>
+                <p:cNvSpPr/>
+                <p:nvPr/>
+              </p:nvSpPr>
+              <p:spPr>
+                <a:xfrm>
+                  <a:off x="5130750" y="1508911"/>
+                  <a:ext cx="181231" cy="196230"/>
+                </a:xfrm>
+                <a:prstGeom prst="irregularSeal1">
+                  <a:avLst/>
+                </a:prstGeom>
+                <a:ln>
+                  <a:solidFill>
+                    <a:schemeClr val="tx1"/>
+                  </a:solidFill>
+                </a:ln>
+              </p:spPr>
+              <p:style>
+                <a:lnRef idx="1">
+                  <a:schemeClr val="accent4"/>
+                </a:lnRef>
+                <a:fillRef idx="3">
+                  <a:schemeClr val="accent4"/>
+                </a:fillRef>
+                <a:effectRef idx="2">
+                  <a:schemeClr val="accent4"/>
+                </a:effectRef>
+                <a:fontRef idx="minor">
+                  <a:schemeClr val="lt1"/>
+                </a:fontRef>
+              </p:style>
+              <p:txBody>
+                <a:bodyPr rtlCol="0" anchor="ctr"/>
+                <a:lstStyle/>
+                <a:p>
+                  <a:pPr algn="ctr"/>
+                  <a:endParaRPr lang="en-US"/>
+                </a:p>
+              </p:txBody>
+            </p:sp>
+          </p:grpSp>
+          <p:sp>
+            <p:nvSpPr>
+              <p:cNvPr id="16" name="Explosion 1 15">
+                <a:extLst>
+                  <a:ext uri="{FF2B5EF4-FFF2-40B4-BE49-F238E27FC236}">
+                    <a16:creationId xmlns="" xmlns:a16="http://schemas.microsoft.com/office/drawing/2014/main" id="{F2C69E3C-57D7-7F4B-BDD1-11E4664B39EB}"/>
+                  </a:ext>
+                </a:extLst>
+              </p:cNvPr>
+              <p:cNvSpPr/>
+              <p:nvPr/>
+            </p:nvSpPr>
+            <p:spPr>
+              <a:xfrm>
+                <a:off x="4315087" y="1391022"/>
+                <a:ext cx="142142" cy="162267"/>
+              </a:xfrm>
+              <a:prstGeom prst="irregularSeal1">
+                <a:avLst/>
+              </a:prstGeom>
+              <a:solidFill>
+                <a:srgbClr val="FF0000"/>
+              </a:solidFill>
+            </p:spPr>
+            <p:style>
+              <a:lnRef idx="2">
+                <a:schemeClr val="accent1">
+                  <a:shade val="50000"/>
+                </a:schemeClr>
+              </a:lnRef>
+              <a:fillRef idx="1">
+                <a:schemeClr val="accent1"/>
+              </a:fillRef>
+              <a:effectRef idx="0">
+                <a:schemeClr val="accent1"/>
+              </a:effectRef>
+              <a:fontRef idx="minor">
+                <a:schemeClr val="lt1"/>
+              </a:fontRef>
+            </p:style>
+            <p:txBody>
+              <a:bodyPr rtlCol="0" anchor="ctr"/>
+              <a:lstStyle/>
+              <a:p>
+                <a:pPr algn="ctr"/>
+                <a:endParaRPr lang="en-US"/>
+              </a:p>
+            </p:txBody>
+          </p:sp>
+        </p:grpSp>
+        <p:pic>
+          <p:nvPicPr>
+            <p:cNvPr id="12" name="Picture 2" descr="Image result for antibody">
+              <a:extLst>
+                <a:ext uri="{FF2B5EF4-FFF2-40B4-BE49-F238E27FC236}">
+                  <a16:creationId xmlns="" xmlns:a16="http://schemas.microsoft.com/office/drawing/2014/main" id="{8CD79C49-DBA1-4A47-8437-F52A006CE1F5}"/>
+                </a:ext>
+              </a:extLst>
+            </p:cNvPr>
+            <p:cNvPicPr>
+              <a:picLocks noChangeAspect="1" noChangeArrowheads="1"/>
+            </p:cNvPicPr>
+            <p:nvPr/>
+          </p:nvPicPr>
+          <p:blipFill>
+            <a:blip r:embed="rId4" cstate="print">
+              <a:extLst>
+                <a:ext uri="{28A0092B-C50C-407E-A947-70E740481C1C}">
+                  <a14:useLocalDpi xmlns:a14="http://schemas.microsoft.com/office/drawing/2010/main" val="0"/>
+                </a:ext>
+              </a:extLst>
+            </a:blip>
+            <a:srcRect/>
+            <a:stretch>
+              <a:fillRect/>
+            </a:stretch>
+          </p:blipFill>
+          <p:spPr bwMode="auto">
+            <a:xfrm rot="17557307">
+              <a:off x="4661602" y="1336395"/>
+              <a:ext cx="695579" cy="433787"/>
+            </a:xfrm>
+            <a:prstGeom prst="rect">
+              <a:avLst/>
+            </a:prstGeom>
+            <a:noFill/>
+            <a:extLst>
+              <a:ext uri="{909E8E84-426E-40DD-AFC4-6F175D3DCCD1}">
+                <a14:hiddenFill xmlns:a14="http://schemas.microsoft.com/office/drawing/2010/main">
+                  <a:solidFill>
+                    <a:srgbClr val="FFFFFF"/>
+                  </a:solidFill>
+                </a14:hiddenFill>
+              </a:ext>
+            </a:extLst>
+          </p:spPr>
+        </p:pic>
+      </p:grpSp>
+      <p:sp>
+        <p:nvSpPr>
+          <p:cNvPr id="19" name="Explosion 1 18">
+            <a:extLst>
+              <a:ext uri="{FF2B5EF4-FFF2-40B4-BE49-F238E27FC236}">
+                <a16:creationId xmlns="" xmlns:a16="http://schemas.microsoft.com/office/drawing/2014/main" id="{5D18684F-6348-8C4C-BAC1-AAFCFC1129E2}"/>
+              </a:ext>
+            </a:extLst>
+          </p:cNvPr>
+          <p:cNvSpPr/>
+          <p:nvPr/>
+        </p:nvSpPr>
+        <p:spPr>
+          <a:xfrm>
+            <a:off x="11113663" y="2708540"/>
+            <a:ext cx="192351" cy="209192"/>
+          </a:xfrm>
+          <a:prstGeom prst="irregularSeal1">
+            <a:avLst/>
+          </a:prstGeom>
+          <a:solidFill>
+            <a:srgbClr val="92D050"/>
+          </a:solidFill>
+        </p:spPr>
+        <p:style>
+          <a:lnRef idx="2">
+            <a:schemeClr val="accent1">
+              <a:shade val="50000"/>
+            </a:schemeClr>
+          </a:lnRef>
+          <a:fillRef idx="1">
+            <a:schemeClr val="accent1"/>
+          </a:fillRef>
+          <a:effectRef idx="0">
+            <a:schemeClr val="accent1"/>
+          </a:effectRef>
+          <a:fontRef idx="minor">
+            <a:schemeClr val="lt1"/>
+          </a:fontRef>
+        </p:style>
+        <p:txBody>
+          <a:bodyPr rtlCol="0" anchor="ctr"/>
+          <a:lstStyle/>
+          <a:p>
+            <a:pPr algn="ctr"/>
+            <a:endParaRPr lang="en-US" dirty="0"/>
+          </a:p>
+        </p:txBody>
+      </p:sp>
     </p:spTree>
     <p:extLst>
       <p:ext uri="{BB962C8B-B14F-4D97-AF65-F5344CB8AC3E}">
@@ -7205,12 +12386,12 @@
           <a:graphicData uri="http://schemas.openxmlformats.org/presentationml/2006/ole">
             <mc:AlternateContent xmlns:mc="http://schemas.openxmlformats.org/markup-compatibility/2006">
               <mc:Choice xmlns:v="urn:schemas-microsoft-com:vml" Requires="v">
-                <p:oleObj spid="_x0000_s1031" name="Worksheet" r:id="rId3" imgW="8013700" imgH="1028700" progId="Excel.Sheet.12">
+                <p:oleObj spid="_x0000_s1070" name="Worksheet" r:id="rId4" imgW="8013700" imgH="1028700" progId="Excel.Sheet.12">
                   <p:embed/>
                 </p:oleObj>
               </mc:Choice>
               <mc:Fallback>
-                <p:oleObj name="Worksheet" r:id="rId3" imgW="8013700" imgH="1028700" progId="Excel.Sheet.12">
+                <p:oleObj name="Worksheet" r:id="rId4" imgW="8013700" imgH="1028700" progId="Excel.Sheet.12">
                   <p:embed/>
                   <p:pic>
                     <p:nvPicPr>
@@ -7219,7 +12400,7 @@
                       <p:nvPr/>
                     </p:nvPicPr>
                     <p:blipFill>
-                      <a:blip r:embed="rId4"/>
+                      <a:blip r:embed="rId5"/>
                       <a:stretch>
                         <a:fillRect/>
                       </a:stretch>
@@ -7228,63 +12409,6 @@
                       <a:xfrm>
                         <a:off x="823057" y="2521636"/>
                         <a:ext cx="8013700" cy="1028700"/>
-                      </a:xfrm>
-                      <a:prstGeom prst="rect">
-                        <a:avLst/>
-                      </a:prstGeom>
-                    </p:spPr>
-                  </p:pic>
-                </p:oleObj>
-              </mc:Fallback>
-            </mc:AlternateContent>
-          </a:graphicData>
-        </a:graphic>
-      </p:graphicFrame>
-      <p:graphicFrame>
-        <p:nvGraphicFramePr>
-          <p:cNvPr id="11" name="Object 10"/>
-          <p:cNvGraphicFramePr>
-            <a:graphicFrameLocks noChangeAspect="1"/>
-          </p:cNvGraphicFramePr>
-          <p:nvPr>
-            <p:extLst>
-              <p:ext uri="{D42A27DB-BD31-4B8C-83A1-F6EECF244321}">
-                <p14:modId xmlns:p14="http://schemas.microsoft.com/office/powerpoint/2010/main" val="427662278"/>
-              </p:ext>
-            </p:extLst>
-          </p:nvPr>
-        </p:nvGraphicFramePr>
-        <p:xfrm>
-          <a:off x="823057" y="4604361"/>
-          <a:ext cx="8166100" cy="1028700"/>
-        </p:xfrm>
-        <a:graphic>
-          <a:graphicData uri="http://schemas.openxmlformats.org/presentationml/2006/ole">
-            <mc:AlternateContent xmlns:mc="http://schemas.openxmlformats.org/markup-compatibility/2006">
-              <mc:Choice xmlns:v="urn:schemas-microsoft-com:vml" Requires="v">
-                <p:oleObj spid="_x0000_s1032" name="Worksheet" r:id="rId5" imgW="8166100" imgH="1028700" progId="Excel.Sheet.12">
-                  <p:embed/>
-                </p:oleObj>
-              </mc:Choice>
-              <mc:Fallback>
-                <p:oleObj name="Worksheet" r:id="rId5" imgW="8166100" imgH="1028700" progId="Excel.Sheet.12">
-                  <p:embed/>
-                  <p:pic>
-                    <p:nvPicPr>
-                      <p:cNvPr id="0" name=""/>
-                      <p:cNvPicPr/>
-                      <p:nvPr/>
-                    </p:nvPicPr>
-                    <p:blipFill>
-                      <a:blip r:embed="rId6"/>
-                      <a:stretch>
-                        <a:fillRect/>
-                      </a:stretch>
-                    </p:blipFill>
-                    <p:spPr>
-                      <a:xfrm>
-                        <a:off x="823057" y="4604361"/>
-                        <a:ext cx="8166100" cy="1028700"/>
                       </a:xfrm>
                       <a:prstGeom prst="rect">
                         <a:avLst/>
@@ -7361,6 +12485,120 @@
           </a:p>
         </p:txBody>
       </p:sp>
+      <p:graphicFrame>
+        <p:nvGraphicFramePr>
+          <p:cNvPr id="6" name="Object 5"/>
+          <p:cNvGraphicFramePr>
+            <a:graphicFrameLocks noChangeAspect="1"/>
+          </p:cNvGraphicFramePr>
+          <p:nvPr>
+            <p:extLst>
+              <p:ext uri="{D42A27DB-BD31-4B8C-83A1-F6EECF244321}">
+                <p14:modId xmlns:p14="http://schemas.microsoft.com/office/powerpoint/2010/main" val="1381115531"/>
+              </p:ext>
+            </p:extLst>
+          </p:nvPr>
+        </p:nvGraphicFramePr>
+        <p:xfrm>
+          <a:off x="823057" y="4604360"/>
+          <a:ext cx="8166100" cy="1028700"/>
+        </p:xfrm>
+        <a:graphic>
+          <a:graphicData uri="http://schemas.openxmlformats.org/presentationml/2006/ole">
+            <mc:AlternateContent xmlns:mc="http://schemas.openxmlformats.org/markup-compatibility/2006">
+              <mc:Choice xmlns:v="urn:schemas-microsoft-com:vml" Requires="v">
+                <p:oleObj spid="_x0000_s1071" name="Worksheet" r:id="rId7" imgW="8166100" imgH="1028700" progId="Excel.Sheet.12">
+                  <p:embed/>
+                </p:oleObj>
+              </mc:Choice>
+              <mc:Fallback>
+                <p:oleObj name="Worksheet" r:id="rId7" imgW="8166100" imgH="1028700" progId="Excel.Sheet.12">
+                  <p:embed/>
+                  <p:pic>
+                    <p:nvPicPr>
+                      <p:cNvPr id="0" name=""/>
+                      <p:cNvPicPr/>
+                      <p:nvPr/>
+                    </p:nvPicPr>
+                    <p:blipFill>
+                      <a:blip r:embed="rId8"/>
+                      <a:stretch>
+                        <a:fillRect/>
+                      </a:stretch>
+                    </p:blipFill>
+                    <p:spPr>
+                      <a:xfrm>
+                        <a:off x="823057" y="4604360"/>
+                        <a:ext cx="8166100" cy="1028700"/>
+                      </a:xfrm>
+                      <a:prstGeom prst="rect">
+                        <a:avLst/>
+                      </a:prstGeom>
+                    </p:spPr>
+                  </p:pic>
+                </p:oleObj>
+              </mc:Fallback>
+            </mc:AlternateContent>
+          </a:graphicData>
+        </a:graphic>
+      </p:graphicFrame>
+      <p:graphicFrame>
+        <p:nvGraphicFramePr>
+          <p:cNvPr id="8" name="Object 7"/>
+          <p:cNvGraphicFramePr>
+            <a:graphicFrameLocks noChangeAspect="1"/>
+          </p:cNvGraphicFramePr>
+          <p:nvPr>
+            <p:extLst>
+              <p:ext uri="{D42A27DB-BD31-4B8C-83A1-F6EECF244321}">
+                <p14:modId xmlns:p14="http://schemas.microsoft.com/office/powerpoint/2010/main" val="977328277"/>
+              </p:ext>
+            </p:extLst>
+          </p:nvPr>
+        </p:nvGraphicFramePr>
+        <p:xfrm>
+          <a:off x="823057" y="6073966"/>
+          <a:ext cx="2603500" cy="419100"/>
+        </p:xfrm>
+        <a:graphic>
+          <a:graphicData uri="http://schemas.openxmlformats.org/presentationml/2006/ole">
+            <mc:AlternateContent xmlns:mc="http://schemas.openxmlformats.org/markup-compatibility/2006">
+              <mc:Choice xmlns:v="urn:schemas-microsoft-com:vml" Requires="v">
+                <p:oleObj spid="_x0000_s1072" name="Worksheet" r:id="rId10" imgW="2603500" imgH="419100" progId="Excel.Sheet.12">
+                  <p:embed/>
+                </p:oleObj>
+              </mc:Choice>
+              <mc:Fallback>
+                <p:oleObj name="Worksheet" r:id="rId10" imgW="2603500" imgH="419100" progId="Excel.Sheet.12">
+                  <p:embed/>
+                  <p:pic>
+                    <p:nvPicPr>
+                      <p:cNvPr id="0" name=""/>
+                      <p:cNvPicPr/>
+                      <p:nvPr/>
+                    </p:nvPicPr>
+                    <p:blipFill>
+                      <a:blip r:embed="rId11"/>
+                      <a:stretch>
+                        <a:fillRect/>
+                      </a:stretch>
+                    </p:blipFill>
+                    <p:spPr>
+                      <a:xfrm>
+                        <a:off x="823057" y="6073966"/>
+                        <a:ext cx="2603500" cy="419100"/>
+                      </a:xfrm>
+                      <a:prstGeom prst="rect">
+                        <a:avLst/>
+                      </a:prstGeom>
+                    </p:spPr>
+                  </p:pic>
+                </p:oleObj>
+              </mc:Fallback>
+            </mc:AlternateContent>
+          </a:graphicData>
+        </a:graphic>
+      </p:graphicFrame>
     </p:spTree>
     <p:extLst>
       <p:ext uri="{BB962C8B-B14F-4D97-AF65-F5344CB8AC3E}">
